--- a/analysis-phase/Project_2.pptx
+++ b/analysis-phase/Project_2.pptx
@@ -5,14 +5,14 @@
     <p:sldMasterId id="2147483786" r:id="rId1"/>
   </p:sldMasterIdLst>
   <p:notesMasterIdLst>
-    <p:notesMasterId r:id="rId21"/>
+    <p:notesMasterId r:id="rId22"/>
   </p:notesMasterIdLst>
   <p:sldIdLst>
     <p:sldId id="256" r:id="rId2"/>
     <p:sldId id="257" r:id="rId3"/>
     <p:sldId id="262" r:id="rId4"/>
-    <p:sldId id="258" r:id="rId5"/>
-    <p:sldId id="272" r:id="rId6"/>
+    <p:sldId id="275" r:id="rId5"/>
+    <p:sldId id="258" r:id="rId6"/>
     <p:sldId id="273" r:id="rId7"/>
     <p:sldId id="271" r:id="rId8"/>
     <p:sldId id="270" r:id="rId9"/>
@@ -24,9 +24,10 @@
     <p:sldId id="267" r:id="rId15"/>
     <p:sldId id="268" r:id="rId16"/>
     <p:sldId id="269" r:id="rId17"/>
-    <p:sldId id="260" r:id="rId18"/>
-    <p:sldId id="263" r:id="rId19"/>
-    <p:sldId id="261" r:id="rId20"/>
+    <p:sldId id="276" r:id="rId18"/>
+    <p:sldId id="260" r:id="rId19"/>
+    <p:sldId id="263" r:id="rId20"/>
+    <p:sldId id="261" r:id="rId21"/>
   </p:sldIdLst>
   <p:sldSz cx="12192000" cy="6858000"/>
   <p:notesSz cx="6858000" cy="9144000"/>
@@ -31493,7 +31494,7 @@
           <a:p>
             <a:fld id="{3F56D885-7C33-4D19-86EB-B0B2792B0292}" type="slidenum">
               <a:rPr lang="en-US" smtClean="0"/>
-              <a:t>17</a:t>
+              <a:t>18</a:t>
             </a:fld>
             <a:endParaRPr lang="en-US"/>
           </a:p>
@@ -39554,16 +39555,33 @@
             <p:ph type="title"/>
           </p:nvPr>
         </p:nvSpPr>
-        <p:spPr/>
+        <p:spPr>
+          <a:xfrm>
+            <a:off x="2255573" y="1911373"/>
+            <a:ext cx="8911687" cy="3974522"/>
+          </a:xfrm>
+        </p:spPr>
         <p:txBody>
           <a:bodyPr>
             <a:normAutofit/>
           </a:bodyPr>
           <a:lstStyle/>
           <a:p>
+            <a:pPr algn="ctr"/>
             <a:r>
               <a:rPr lang="en-US" sz="6600" dirty="0" smtClean="0"/>
-              <a:t>Popularity By Month</a:t>
+              <a:t>Popularity</a:t>
+            </a:r>
+            <a:br>
+              <a:rPr lang="en-US" sz="6600" dirty="0" smtClean="0"/>
+            </a:br>
+            <a:r>
+              <a:rPr lang="en-US" sz="6600" dirty="0" smtClean="0"/>
+              <a:t>By </a:t>
+            </a:r>
+            <a:r>
+              <a:rPr lang="en-US" sz="6600" dirty="0" smtClean="0"/>
+              <a:t>Month</a:t>
             </a:r>
             <a:endParaRPr lang="en-US" sz="6600" dirty="0"/>
           </a:p>
@@ -39739,6 +39757,93 @@
 </file>
 
 <file path=ppt/slides/slide17.xml><?xml version="1.0" encoding="utf-8"?>
+<p:sld xmlns:a="http://schemas.openxmlformats.org/drawingml/2006/main" xmlns:r="http://schemas.openxmlformats.org/officeDocument/2006/relationships" xmlns:p="http://schemas.openxmlformats.org/presentationml/2006/main">
+  <p:cSld>
+    <p:spTree>
+      <p:nvGrpSpPr>
+        <p:cNvPr id="1" name=""/>
+        <p:cNvGrpSpPr/>
+        <p:nvPr/>
+      </p:nvGrpSpPr>
+      <p:grpSpPr>
+        <a:xfrm>
+          <a:off x="0" y="0"/>
+          <a:ext cx="0" cy="0"/>
+          <a:chOff x="0" y="0"/>
+          <a:chExt cx="0" cy="0"/>
+        </a:xfrm>
+      </p:grpSpPr>
+      <p:sp>
+        <p:nvSpPr>
+          <p:cNvPr id="2" name="Title 1"/>
+          <p:cNvSpPr>
+            <a:spLocks noGrp="1"/>
+          </p:cNvSpPr>
+          <p:nvPr>
+            <p:ph type="title"/>
+          </p:nvPr>
+        </p:nvSpPr>
+        <p:spPr/>
+        <p:txBody>
+          <a:bodyPr/>
+          <a:lstStyle/>
+          <a:p>
+            <a:endParaRPr lang="en-US" dirty="0"/>
+          </a:p>
+        </p:txBody>
+      </p:sp>
+      <p:sp>
+        <p:nvSpPr>
+          <p:cNvPr id="3" name="Content Placeholder 2"/>
+          <p:cNvSpPr>
+            <a:spLocks noGrp="1"/>
+          </p:cNvSpPr>
+          <p:nvPr>
+            <p:ph sz="half" idx="1"/>
+          </p:nvPr>
+        </p:nvSpPr>
+        <p:spPr/>
+        <p:txBody>
+          <a:bodyPr/>
+          <a:lstStyle/>
+          <a:p>
+            <a:endParaRPr lang="en-US"/>
+          </a:p>
+        </p:txBody>
+      </p:sp>
+      <p:sp>
+        <p:nvSpPr>
+          <p:cNvPr id="4" name="Content Placeholder 3"/>
+          <p:cNvSpPr>
+            <a:spLocks noGrp="1"/>
+          </p:cNvSpPr>
+          <p:nvPr>
+            <p:ph sz="half" idx="2"/>
+          </p:nvPr>
+        </p:nvSpPr>
+        <p:spPr/>
+        <p:txBody>
+          <a:bodyPr/>
+          <a:lstStyle/>
+          <a:p>
+            <a:endParaRPr lang="en-US"/>
+          </a:p>
+        </p:txBody>
+      </p:sp>
+    </p:spTree>
+    <p:extLst>
+      <p:ext uri="{BB962C8B-B14F-4D97-AF65-F5344CB8AC3E}">
+        <p14:creationId xmlns:p14="http://schemas.microsoft.com/office/powerpoint/2010/main" val="953062022"/>
+      </p:ext>
+    </p:extLst>
+  </p:cSld>
+  <p:clrMapOvr>
+    <a:masterClrMapping/>
+  </p:clrMapOvr>
+</p:sld>
+</file>
+
+<file path=ppt/slides/slide18.xml><?xml version="1.0" encoding="utf-8"?>
 <p:sld xmlns:a="http://schemas.openxmlformats.org/drawingml/2006/main" xmlns:r="http://schemas.openxmlformats.org/officeDocument/2006/relationships" xmlns:p="http://schemas.openxmlformats.org/presentationml/2006/main">
   <p:cSld>
     <p:spTree>
@@ -41046,7 +41151,7 @@
 </p:sld>
 </file>
 
-<file path=ppt/slides/slide18.xml><?xml version="1.0" encoding="utf-8"?>
+<file path=ppt/slides/slide19.xml><?xml version="1.0" encoding="utf-8"?>
 <p:sld xmlns:a="http://schemas.openxmlformats.org/drawingml/2006/main" xmlns:r="http://schemas.openxmlformats.org/officeDocument/2006/relationships" xmlns:p="http://schemas.openxmlformats.org/presentationml/2006/main">
   <p:cSld>
     <p:spTree>
@@ -41218,89 +41323,6 @@
 </p:sld>
 </file>
 
-<file path=ppt/slides/slide19.xml><?xml version="1.0" encoding="utf-8"?>
-<p:sld xmlns:a="http://schemas.openxmlformats.org/drawingml/2006/main" xmlns:r="http://schemas.openxmlformats.org/officeDocument/2006/relationships" xmlns:p="http://schemas.openxmlformats.org/presentationml/2006/main">
-  <p:cSld>
-    <p:spTree>
-      <p:nvGrpSpPr>
-        <p:cNvPr id="1" name=""/>
-        <p:cNvGrpSpPr/>
-        <p:nvPr/>
-      </p:nvGrpSpPr>
-      <p:grpSpPr>
-        <a:xfrm>
-          <a:off x="0" y="0"/>
-          <a:ext cx="0" cy="0"/>
-          <a:chOff x="0" y="0"/>
-          <a:chExt cx="0" cy="0"/>
-        </a:xfrm>
-      </p:grpSpPr>
-      <p:sp>
-        <p:nvSpPr>
-          <p:cNvPr id="2" name="Title 1">
-            <a:extLst>
-              <a:ext uri="{FF2B5EF4-FFF2-40B4-BE49-F238E27FC236}">
-                <a16:creationId xmlns:a16="http://schemas.microsoft.com/office/drawing/2014/main" id="{17F610D9-0EE1-482F-A4C4-4671ACA12FCE}"/>
-              </a:ext>
-            </a:extLst>
-          </p:cNvPr>
-          <p:cNvSpPr>
-            <a:spLocks noGrp="1"/>
-          </p:cNvSpPr>
-          <p:nvPr>
-            <p:ph type="title"/>
-          </p:nvPr>
-        </p:nvSpPr>
-        <p:spPr/>
-        <p:txBody>
-          <a:bodyPr/>
-          <a:lstStyle/>
-          <a:p>
-            <a:r>
-              <a:rPr lang="en-US" dirty="0"/>
-              <a:t>What times have the highest traffic of sales? Per country?</a:t>
-            </a:r>
-          </a:p>
-        </p:txBody>
-      </p:sp>
-      <p:sp>
-        <p:nvSpPr>
-          <p:cNvPr id="3" name="Content Placeholder 2">
-            <a:extLst>
-              <a:ext uri="{FF2B5EF4-FFF2-40B4-BE49-F238E27FC236}">
-                <a16:creationId xmlns:a16="http://schemas.microsoft.com/office/drawing/2014/main" id="{8546E333-F220-61A8-6857-ECD05F67EFD6}"/>
-              </a:ext>
-            </a:extLst>
-          </p:cNvPr>
-          <p:cNvSpPr>
-            <a:spLocks noGrp="1"/>
-          </p:cNvSpPr>
-          <p:nvPr>
-            <p:ph idx="1"/>
-          </p:nvPr>
-        </p:nvSpPr>
-        <p:spPr/>
-        <p:txBody>
-          <a:bodyPr/>
-          <a:lstStyle/>
-          <a:p>
-            <a:endParaRPr lang="en-US"/>
-          </a:p>
-        </p:txBody>
-      </p:sp>
-    </p:spTree>
-    <p:extLst>
-      <p:ext uri="{BB962C8B-B14F-4D97-AF65-F5344CB8AC3E}">
-        <p14:creationId xmlns:p14="http://schemas.microsoft.com/office/powerpoint/2010/main" val="320226785"/>
-      </p:ext>
-    </p:extLst>
-  </p:cSld>
-  <p:clrMapOvr>
-    <a:masterClrMapping/>
-  </p:clrMapOvr>
-</p:sld>
-</file>
-
 <file path=ppt/slides/slide2.xml><?xml version="1.0" encoding="utf-8"?>
 <p:sld xmlns:a="http://schemas.openxmlformats.org/drawingml/2006/main" xmlns:r="http://schemas.openxmlformats.org/officeDocument/2006/relationships" xmlns:p="http://schemas.openxmlformats.org/presentationml/2006/main">
   <p:cSld>
@@ -41441,6 +41463,89 @@
 </p:sld>
 </file>
 
+<file path=ppt/slides/slide20.xml><?xml version="1.0" encoding="utf-8"?>
+<p:sld xmlns:a="http://schemas.openxmlformats.org/drawingml/2006/main" xmlns:r="http://schemas.openxmlformats.org/officeDocument/2006/relationships" xmlns:p="http://schemas.openxmlformats.org/presentationml/2006/main">
+  <p:cSld>
+    <p:spTree>
+      <p:nvGrpSpPr>
+        <p:cNvPr id="1" name=""/>
+        <p:cNvGrpSpPr/>
+        <p:nvPr/>
+      </p:nvGrpSpPr>
+      <p:grpSpPr>
+        <a:xfrm>
+          <a:off x="0" y="0"/>
+          <a:ext cx="0" cy="0"/>
+          <a:chOff x="0" y="0"/>
+          <a:chExt cx="0" cy="0"/>
+        </a:xfrm>
+      </p:grpSpPr>
+      <p:sp>
+        <p:nvSpPr>
+          <p:cNvPr id="2" name="Title 1">
+            <a:extLst>
+              <a:ext uri="{FF2B5EF4-FFF2-40B4-BE49-F238E27FC236}">
+                <a16:creationId xmlns:a16="http://schemas.microsoft.com/office/drawing/2014/main" id="{17F610D9-0EE1-482F-A4C4-4671ACA12FCE}"/>
+              </a:ext>
+            </a:extLst>
+          </p:cNvPr>
+          <p:cNvSpPr>
+            <a:spLocks noGrp="1"/>
+          </p:cNvSpPr>
+          <p:nvPr>
+            <p:ph type="title"/>
+          </p:nvPr>
+        </p:nvSpPr>
+        <p:spPr/>
+        <p:txBody>
+          <a:bodyPr/>
+          <a:lstStyle/>
+          <a:p>
+            <a:r>
+              <a:rPr lang="en-US" dirty="0"/>
+              <a:t>What times have the highest traffic of sales? Per country?</a:t>
+            </a:r>
+          </a:p>
+        </p:txBody>
+      </p:sp>
+      <p:sp>
+        <p:nvSpPr>
+          <p:cNvPr id="3" name="Content Placeholder 2">
+            <a:extLst>
+              <a:ext uri="{FF2B5EF4-FFF2-40B4-BE49-F238E27FC236}">
+                <a16:creationId xmlns:a16="http://schemas.microsoft.com/office/drawing/2014/main" id="{8546E333-F220-61A8-6857-ECD05F67EFD6}"/>
+              </a:ext>
+            </a:extLst>
+          </p:cNvPr>
+          <p:cNvSpPr>
+            <a:spLocks noGrp="1"/>
+          </p:cNvSpPr>
+          <p:nvPr>
+            <p:ph idx="1"/>
+          </p:nvPr>
+        </p:nvSpPr>
+        <p:spPr/>
+        <p:txBody>
+          <a:bodyPr/>
+          <a:lstStyle/>
+          <a:p>
+            <a:endParaRPr lang="en-US"/>
+          </a:p>
+        </p:txBody>
+      </p:sp>
+    </p:spTree>
+    <p:extLst>
+      <p:ext uri="{BB962C8B-B14F-4D97-AF65-F5344CB8AC3E}">
+        <p14:creationId xmlns:p14="http://schemas.microsoft.com/office/powerpoint/2010/main" val="320226785"/>
+      </p:ext>
+    </p:extLst>
+  </p:cSld>
+  <p:clrMapOvr>
+    <a:masterClrMapping/>
+  </p:clrMapOvr>
+</p:sld>
+</file>
+
 <file path=ppt/slides/slide3.xml><?xml version="1.0" encoding="utf-8"?>
 <p:sld xmlns:a="http://schemas.openxmlformats.org/drawingml/2006/main" xmlns:r="http://schemas.openxmlformats.org/officeDocument/2006/relationships" xmlns:p="http://schemas.openxmlformats.org/presentationml/2006/main">
   <p:cSld>
@@ -41503,10 +41608,500 @@
             <p:ph idx="1"/>
           </p:nvPr>
         </p:nvSpPr>
-        <p:spPr/>
+        <p:spPr>
+          <a:xfrm>
+            <a:off x="2592925" y="2575219"/>
+            <a:ext cx="1824991" cy="469497"/>
+          </a:xfrm>
+        </p:spPr>
         <p:txBody>
-          <a:bodyPr/>
+          <a:bodyPr>
+            <a:normAutofit/>
+          </a:bodyPr>
           <a:lstStyle/>
+          <a:p>
+            <a:r>
+              <a:rPr lang="en-US" dirty="0" smtClean="0"/>
+              <a:t>Python 3.10</a:t>
+            </a:r>
+            <a:endParaRPr lang="en-US" dirty="0" smtClean="0"/>
+          </a:p>
+        </p:txBody>
+      </p:sp>
+      <p:pic>
+        <p:nvPicPr>
+          <p:cNvPr id="4" name="Picture 3"/>
+          <p:cNvPicPr>
+            <a:picLocks noChangeAspect="1"/>
+          </p:cNvPicPr>
+          <p:nvPr/>
+        </p:nvPicPr>
+        <p:blipFill>
+          <a:blip r:embed="rId2"/>
+          <a:stretch>
+            <a:fillRect/>
+          </a:stretch>
+        </p:blipFill>
+        <p:spPr>
+          <a:xfrm>
+            <a:off x="8457674" y="1814665"/>
+            <a:ext cx="1456096" cy="755957"/>
+          </a:xfrm>
+          <a:prstGeom prst="rect">
+            <a:avLst/>
+          </a:prstGeom>
+        </p:spPr>
+      </p:pic>
+      <p:pic>
+        <p:nvPicPr>
+          <p:cNvPr id="1026" name="Picture 2" descr="File:Python logo and wordmark.svg - Wikimedia Commons"/>
+          <p:cNvPicPr>
+            <a:picLocks noChangeAspect="1" noChangeArrowheads="1"/>
+          </p:cNvPicPr>
+          <p:nvPr/>
+        </p:nvPicPr>
+        <p:blipFill>
+          <a:blip r:embed="rId3">
+            <a:extLst>
+              <a:ext uri="{28A0092B-C50C-407E-A947-70E740481C1C}">
+                <a14:useLocalDpi xmlns:a14="http://schemas.microsoft.com/office/drawing/2010/main" val="0"/>
+              </a:ext>
+            </a:extLst>
+          </a:blip>
+          <a:srcRect/>
+          <a:stretch>
+            <a:fillRect/>
+          </a:stretch>
+        </p:blipFill>
+        <p:spPr bwMode="auto">
+          <a:xfrm>
+            <a:off x="2764826" y="1983581"/>
+            <a:ext cx="1964117" cy="583098"/>
+          </a:xfrm>
+          <a:prstGeom prst="rect">
+            <a:avLst/>
+          </a:prstGeom>
+          <a:noFill/>
+          <a:extLst>
+            <a:ext uri="{909E8E84-426E-40DD-AFC4-6F175D3DCCD1}">
+              <a14:hiddenFill xmlns:a14="http://schemas.microsoft.com/office/drawing/2010/main">
+                <a:solidFill>
+                  <a:srgbClr val="FFFFFF"/>
+                </a:solidFill>
+              </a14:hiddenFill>
+            </a:ext>
+          </a:extLst>
+        </p:spPr>
+      </p:pic>
+      <p:pic>
+        <p:nvPicPr>
+          <p:cNvPr id="1028" name="Picture 4" descr="File:Visual Studio Code 1.35 icon.svg - Wikimedia Commons"/>
+          <p:cNvPicPr>
+            <a:picLocks noChangeAspect="1" noChangeArrowheads="1"/>
+          </p:cNvPicPr>
+          <p:nvPr/>
+        </p:nvPicPr>
+        <p:blipFill>
+          <a:blip r:embed="rId4" cstate="hqprint">
+            <a:extLst>
+              <a:ext uri="{28A0092B-C50C-407E-A947-70E740481C1C}">
+                <a14:useLocalDpi xmlns:a14="http://schemas.microsoft.com/office/drawing/2010/main" val="0"/>
+              </a:ext>
+            </a:extLst>
+          </a:blip>
+          <a:srcRect/>
+          <a:stretch>
+            <a:fillRect/>
+          </a:stretch>
+        </p:blipFill>
+        <p:spPr bwMode="auto">
+          <a:xfrm>
+            <a:off x="6083852" y="1983581"/>
+            <a:ext cx="587041" cy="587041"/>
+          </a:xfrm>
+          <a:prstGeom prst="rect">
+            <a:avLst/>
+          </a:prstGeom>
+          <a:noFill/>
+          <a:extLst>
+            <a:ext uri="{909E8E84-426E-40DD-AFC4-6F175D3DCCD1}">
+              <a14:hiddenFill xmlns:a14="http://schemas.microsoft.com/office/drawing/2010/main">
+                <a:solidFill>
+                  <a:srgbClr val="FFFFFF"/>
+                </a:solidFill>
+              </a14:hiddenFill>
+            </a:ext>
+          </a:extLst>
+        </p:spPr>
+      </p:pic>
+      <p:pic>
+        <p:nvPicPr>
+          <p:cNvPr id="1030" name="Picture 6" descr="File:Microsoft Office Excel (2019–present).svg - Wikimedia Commons"/>
+          <p:cNvPicPr>
+            <a:picLocks noChangeAspect="1" noChangeArrowheads="1"/>
+          </p:cNvPicPr>
+          <p:nvPr/>
+        </p:nvPicPr>
+        <p:blipFill>
+          <a:blip r:embed="rId5" cstate="hqprint">
+            <a:extLst>
+              <a:ext uri="{28A0092B-C50C-407E-A947-70E740481C1C}">
+                <a14:useLocalDpi xmlns:a14="http://schemas.microsoft.com/office/drawing/2010/main" val="0"/>
+              </a:ext>
+            </a:extLst>
+          </a:blip>
+          <a:srcRect/>
+          <a:stretch>
+            <a:fillRect/>
+          </a:stretch>
+        </p:blipFill>
+        <p:spPr bwMode="auto">
+          <a:xfrm>
+            <a:off x="3446039" y="3580661"/>
+            <a:ext cx="601693" cy="559632"/>
+          </a:xfrm>
+          <a:prstGeom prst="rect">
+            <a:avLst/>
+          </a:prstGeom>
+          <a:noFill/>
+          <a:extLst>
+            <a:ext uri="{909E8E84-426E-40DD-AFC4-6F175D3DCCD1}">
+              <a14:hiddenFill xmlns:a14="http://schemas.microsoft.com/office/drawing/2010/main">
+                <a:solidFill>
+                  <a:srgbClr val="FFFFFF"/>
+                </a:solidFill>
+              </a14:hiddenFill>
+            </a:ext>
+          </a:extLst>
+        </p:spPr>
+      </p:pic>
+      <p:pic>
+        <p:nvPicPr>
+          <p:cNvPr id="1032" name="Picture 8" descr="Line Formatting in Tableau Dashboards | Finance &amp; Business"/>
+          <p:cNvPicPr>
+            <a:picLocks noChangeAspect="1" noChangeArrowheads="1"/>
+          </p:cNvPicPr>
+          <p:nvPr/>
+        </p:nvPicPr>
+        <p:blipFill>
+          <a:blip r:embed="rId6" cstate="hqprint">
+            <a:extLst>
+              <a:ext uri="{28A0092B-C50C-407E-A947-70E740481C1C}">
+                <a14:useLocalDpi xmlns:a14="http://schemas.microsoft.com/office/drawing/2010/main" val="0"/>
+              </a:ext>
+            </a:extLst>
+          </a:blip>
+          <a:srcRect/>
+          <a:stretch>
+            <a:fillRect/>
+          </a:stretch>
+        </p:blipFill>
+        <p:spPr bwMode="auto">
+          <a:xfrm>
+            <a:off x="5629839" y="3396649"/>
+            <a:ext cx="1495069" cy="840976"/>
+          </a:xfrm>
+          <a:prstGeom prst="rect">
+            <a:avLst/>
+          </a:prstGeom>
+          <a:noFill/>
+          <a:extLst>
+            <a:ext uri="{909E8E84-426E-40DD-AFC4-6F175D3DCCD1}">
+              <a14:hiddenFill xmlns:a14="http://schemas.microsoft.com/office/drawing/2010/main">
+                <a:solidFill>
+                  <a:srgbClr val="FFFFFF"/>
+                </a:solidFill>
+              </a14:hiddenFill>
+            </a:ext>
+          </a:extLst>
+        </p:spPr>
+      </p:pic>
+      <p:pic>
+        <p:nvPicPr>
+          <p:cNvPr id="1034" name="Picture 10" descr="Github Logo - Free social media icons"/>
+          <p:cNvPicPr>
+            <a:picLocks noChangeAspect="1" noChangeArrowheads="1"/>
+          </p:cNvPicPr>
+          <p:nvPr/>
+        </p:nvPicPr>
+        <p:blipFill>
+          <a:blip r:embed="rId7" cstate="hqprint">
+            <a:extLst>
+              <a:ext uri="{28A0092B-C50C-407E-A947-70E740481C1C}">
+                <a14:useLocalDpi xmlns:a14="http://schemas.microsoft.com/office/drawing/2010/main" val="0"/>
+              </a:ext>
+            </a:extLst>
+          </a:blip>
+          <a:srcRect/>
+          <a:stretch>
+            <a:fillRect/>
+          </a:stretch>
+        </p:blipFill>
+        <p:spPr bwMode="auto">
+          <a:xfrm>
+            <a:off x="8811397" y="3442812"/>
+            <a:ext cx="748649" cy="748649"/>
+          </a:xfrm>
+          <a:prstGeom prst="rect">
+            <a:avLst/>
+          </a:prstGeom>
+          <a:noFill/>
+          <a:extLst>
+            <a:ext uri="{909E8E84-426E-40DD-AFC4-6F175D3DCCD1}">
+              <a14:hiddenFill xmlns:a14="http://schemas.microsoft.com/office/drawing/2010/main">
+                <a:solidFill>
+                  <a:srgbClr val="FFFFFF"/>
+                </a:solidFill>
+              </a14:hiddenFill>
+            </a:ext>
+          </a:extLst>
+        </p:spPr>
+      </p:pic>
+      <p:sp>
+        <p:nvSpPr>
+          <p:cNvPr id="10" name="Content Placeholder 2">
+            <a:extLst>
+              <a:ext uri="{FF2B5EF4-FFF2-40B4-BE49-F238E27FC236}">
+                <a16:creationId xmlns:a16="http://schemas.microsoft.com/office/drawing/2014/main" id="{C7DCE5F7-255C-CBA6-9537-51EC1BD6CD27}"/>
+              </a:ext>
+            </a:extLst>
+          </p:cNvPr>
+          <p:cNvSpPr txBox="1">
+            <a:spLocks/>
+          </p:cNvSpPr>
+          <p:nvPr/>
+        </p:nvSpPr>
+        <p:spPr>
+          <a:xfrm>
+            <a:off x="7844606" y="2571584"/>
+            <a:ext cx="2682232" cy="476768"/>
+          </a:xfrm>
+          <a:prstGeom prst="rect">
+            <a:avLst/>
+          </a:prstGeom>
+        </p:spPr>
+        <p:txBody>
+          <a:bodyPr vert="horz" lIns="91440" tIns="45720" rIns="91440" bIns="45720" rtlCol="0">
+            <a:normAutofit/>
+          </a:bodyPr>
+          <a:lstStyle>
+            <a:lvl1pPr marL="342900" indent="-342900" algn="l" defTabSz="457200" rtl="0" eaLnBrk="1" latinLnBrk="0" hangingPunct="1">
+              <a:spcBef>
+                <a:spcPts val="1000"/>
+              </a:spcBef>
+              <a:spcAft>
+                <a:spcPts val="0"/>
+              </a:spcAft>
+              <a:buClr>
+                <a:schemeClr val="accent1"/>
+              </a:buClr>
+              <a:buFont typeface="Wingdings 3" charset="2"/>
+              <a:buChar char=""/>
+              <a:defRPr sz="1800" kern="1200">
+                <a:solidFill>
+                  <a:schemeClr val="tx1">
+                    <a:lumMod val="75000"/>
+                    <a:lumOff val="25000"/>
+                  </a:schemeClr>
+                </a:solidFill>
+                <a:latin typeface="+mn-lt"/>
+                <a:ea typeface="+mn-ea"/>
+                <a:cs typeface="+mn-cs"/>
+              </a:defRPr>
+            </a:lvl1pPr>
+            <a:lvl2pPr marL="742950" indent="-285750" algn="l" defTabSz="457200" rtl="0" eaLnBrk="1" latinLnBrk="0" hangingPunct="1">
+              <a:spcBef>
+                <a:spcPts val="1000"/>
+              </a:spcBef>
+              <a:spcAft>
+                <a:spcPts val="0"/>
+              </a:spcAft>
+              <a:buClr>
+                <a:schemeClr val="accent1"/>
+              </a:buClr>
+              <a:buFont typeface="Wingdings 3" charset="2"/>
+              <a:buChar char=""/>
+              <a:defRPr sz="1600" kern="1200">
+                <a:solidFill>
+                  <a:schemeClr val="tx1">
+                    <a:lumMod val="75000"/>
+                    <a:lumOff val="25000"/>
+                  </a:schemeClr>
+                </a:solidFill>
+                <a:latin typeface="+mn-lt"/>
+                <a:ea typeface="+mn-ea"/>
+                <a:cs typeface="+mn-cs"/>
+              </a:defRPr>
+            </a:lvl2pPr>
+            <a:lvl3pPr marL="1143000" indent="-228600" algn="l" defTabSz="457200" rtl="0" eaLnBrk="1" latinLnBrk="0" hangingPunct="1">
+              <a:spcBef>
+                <a:spcPts val="1000"/>
+              </a:spcBef>
+              <a:spcAft>
+                <a:spcPts val="0"/>
+              </a:spcAft>
+              <a:buClr>
+                <a:schemeClr val="accent1"/>
+              </a:buClr>
+              <a:buFont typeface="Wingdings 3" charset="2"/>
+              <a:buChar char=""/>
+              <a:defRPr sz="1400" kern="1200">
+                <a:solidFill>
+                  <a:schemeClr val="tx1">
+                    <a:lumMod val="75000"/>
+                    <a:lumOff val="25000"/>
+                  </a:schemeClr>
+                </a:solidFill>
+                <a:latin typeface="+mn-lt"/>
+                <a:ea typeface="+mn-ea"/>
+                <a:cs typeface="+mn-cs"/>
+              </a:defRPr>
+            </a:lvl3pPr>
+            <a:lvl4pPr marL="1600200" indent="-228600" algn="l" defTabSz="457200" rtl="0" eaLnBrk="1" latinLnBrk="0" hangingPunct="1">
+              <a:spcBef>
+                <a:spcPts val="1000"/>
+              </a:spcBef>
+              <a:spcAft>
+                <a:spcPts val="0"/>
+              </a:spcAft>
+              <a:buClr>
+                <a:schemeClr val="accent1"/>
+              </a:buClr>
+              <a:buFont typeface="Wingdings 3" charset="2"/>
+              <a:buChar char=""/>
+              <a:defRPr sz="1200" kern="1200">
+                <a:solidFill>
+                  <a:schemeClr val="tx1">
+                    <a:lumMod val="75000"/>
+                    <a:lumOff val="25000"/>
+                  </a:schemeClr>
+                </a:solidFill>
+                <a:latin typeface="+mn-lt"/>
+                <a:ea typeface="+mn-ea"/>
+                <a:cs typeface="+mn-cs"/>
+              </a:defRPr>
+            </a:lvl4pPr>
+            <a:lvl5pPr marL="2057400" indent="-228600" algn="l" defTabSz="457200" rtl="0" eaLnBrk="1" latinLnBrk="0" hangingPunct="1">
+              <a:spcBef>
+                <a:spcPts val="1000"/>
+              </a:spcBef>
+              <a:spcAft>
+                <a:spcPts val="0"/>
+              </a:spcAft>
+              <a:buClr>
+                <a:schemeClr val="accent1"/>
+              </a:buClr>
+              <a:buFont typeface="Wingdings 3" charset="2"/>
+              <a:buChar char=""/>
+              <a:defRPr sz="1200" kern="1200">
+                <a:solidFill>
+                  <a:schemeClr val="tx1">
+                    <a:lumMod val="75000"/>
+                    <a:lumOff val="25000"/>
+                  </a:schemeClr>
+                </a:solidFill>
+                <a:latin typeface="+mn-lt"/>
+                <a:ea typeface="+mn-ea"/>
+                <a:cs typeface="+mn-cs"/>
+              </a:defRPr>
+            </a:lvl5pPr>
+            <a:lvl6pPr marL="2514600" indent="-228600" algn="l" defTabSz="457200" rtl="0" eaLnBrk="1" latinLnBrk="0" hangingPunct="1">
+              <a:spcBef>
+                <a:spcPts val="1000"/>
+              </a:spcBef>
+              <a:spcAft>
+                <a:spcPts val="0"/>
+              </a:spcAft>
+              <a:buClr>
+                <a:schemeClr val="accent1"/>
+              </a:buClr>
+              <a:buFont typeface="Wingdings 3" charset="2"/>
+              <a:buChar char=""/>
+              <a:defRPr sz="1200" kern="1200">
+                <a:solidFill>
+                  <a:schemeClr val="tx1">
+                    <a:lumMod val="75000"/>
+                    <a:lumOff val="25000"/>
+                  </a:schemeClr>
+                </a:solidFill>
+                <a:latin typeface="+mn-lt"/>
+                <a:ea typeface="+mn-ea"/>
+                <a:cs typeface="+mn-cs"/>
+              </a:defRPr>
+            </a:lvl6pPr>
+            <a:lvl7pPr marL="2971800" indent="-228600" algn="l" defTabSz="457200" rtl="0" eaLnBrk="1" latinLnBrk="0" hangingPunct="1">
+              <a:spcBef>
+                <a:spcPts val="1000"/>
+              </a:spcBef>
+              <a:spcAft>
+                <a:spcPts val="0"/>
+              </a:spcAft>
+              <a:buClr>
+                <a:schemeClr val="accent1"/>
+              </a:buClr>
+              <a:buFont typeface="Wingdings 3" charset="2"/>
+              <a:buChar char=""/>
+              <a:defRPr sz="1200" kern="1200">
+                <a:solidFill>
+                  <a:schemeClr val="tx1">
+                    <a:lumMod val="75000"/>
+                    <a:lumOff val="25000"/>
+                  </a:schemeClr>
+                </a:solidFill>
+                <a:latin typeface="+mn-lt"/>
+                <a:ea typeface="+mn-ea"/>
+                <a:cs typeface="+mn-cs"/>
+              </a:defRPr>
+            </a:lvl7pPr>
+            <a:lvl8pPr marL="3429000" indent="-228600" algn="l" defTabSz="457200" rtl="0" eaLnBrk="1" latinLnBrk="0" hangingPunct="1">
+              <a:spcBef>
+                <a:spcPts val="1000"/>
+              </a:spcBef>
+              <a:spcAft>
+                <a:spcPts val="0"/>
+              </a:spcAft>
+              <a:buClr>
+                <a:schemeClr val="accent1"/>
+              </a:buClr>
+              <a:buFont typeface="Wingdings 3" charset="2"/>
+              <a:buChar char=""/>
+              <a:defRPr sz="1200" kern="1200">
+                <a:solidFill>
+                  <a:schemeClr val="tx1">
+                    <a:lumMod val="75000"/>
+                    <a:lumOff val="25000"/>
+                  </a:schemeClr>
+                </a:solidFill>
+                <a:latin typeface="+mn-lt"/>
+                <a:ea typeface="+mn-ea"/>
+                <a:cs typeface="+mn-cs"/>
+              </a:defRPr>
+            </a:lvl8pPr>
+            <a:lvl9pPr marL="3886200" indent="-228600" algn="l" defTabSz="457200" rtl="0" eaLnBrk="1" latinLnBrk="0" hangingPunct="1">
+              <a:spcBef>
+                <a:spcPts val="1000"/>
+              </a:spcBef>
+              <a:spcAft>
+                <a:spcPts val="0"/>
+              </a:spcAft>
+              <a:buClr>
+                <a:schemeClr val="accent1"/>
+              </a:buClr>
+              <a:buFont typeface="Wingdings 3" charset="2"/>
+              <a:buChar char=""/>
+              <a:defRPr sz="1200" kern="1200">
+                <a:solidFill>
+                  <a:schemeClr val="tx1">
+                    <a:lumMod val="75000"/>
+                    <a:lumOff val="25000"/>
+                  </a:schemeClr>
+                </a:solidFill>
+                <a:latin typeface="+mn-lt"/>
+                <a:ea typeface="+mn-ea"/>
+                <a:cs typeface="+mn-cs"/>
+              </a:defRPr>
+            </a:lvl9pPr>
+          </a:lstStyle>
           <a:p>
             <a:r>
               <a:rPr lang="en-US" dirty="0" smtClean="0"/>
@@ -41521,11 +42116,1023 @@
               <a:t> 3.3</a:t>
             </a:r>
           </a:p>
+        </p:txBody>
+      </p:sp>
+      <p:sp>
+        <p:nvSpPr>
+          <p:cNvPr id="11" name="Content Placeholder 2">
+            <a:extLst>
+              <a:ext uri="{FF2B5EF4-FFF2-40B4-BE49-F238E27FC236}">
+                <a16:creationId xmlns:a16="http://schemas.microsoft.com/office/drawing/2014/main" id="{C7DCE5F7-255C-CBA6-9537-51EC1BD6CD27}"/>
+              </a:ext>
+            </a:extLst>
+          </p:cNvPr>
+          <p:cNvSpPr txBox="1">
+            <a:spLocks/>
+          </p:cNvSpPr>
+          <p:nvPr/>
+        </p:nvSpPr>
+        <p:spPr>
+          <a:xfrm>
+            <a:off x="4910143" y="2571584"/>
+            <a:ext cx="2467845" cy="889535"/>
+          </a:xfrm>
+          <a:prstGeom prst="rect">
+            <a:avLst/>
+          </a:prstGeom>
+        </p:spPr>
+        <p:txBody>
+          <a:bodyPr vert="horz" lIns="91440" tIns="45720" rIns="91440" bIns="45720" rtlCol="0">
+            <a:normAutofit/>
+          </a:bodyPr>
+          <a:lstStyle>
+            <a:lvl1pPr marL="342900" indent="-342900" algn="l" defTabSz="457200" rtl="0" eaLnBrk="1" latinLnBrk="0" hangingPunct="1">
+              <a:spcBef>
+                <a:spcPts val="1000"/>
+              </a:spcBef>
+              <a:spcAft>
+                <a:spcPts val="0"/>
+              </a:spcAft>
+              <a:buClr>
+                <a:schemeClr val="accent1"/>
+              </a:buClr>
+              <a:buFont typeface="Wingdings 3" charset="2"/>
+              <a:buChar char=""/>
+              <a:defRPr sz="1800" kern="1200">
+                <a:solidFill>
+                  <a:schemeClr val="tx1">
+                    <a:lumMod val="75000"/>
+                    <a:lumOff val="25000"/>
+                  </a:schemeClr>
+                </a:solidFill>
+                <a:latin typeface="+mn-lt"/>
+                <a:ea typeface="+mn-ea"/>
+                <a:cs typeface="+mn-cs"/>
+              </a:defRPr>
+            </a:lvl1pPr>
+            <a:lvl2pPr marL="742950" indent="-285750" algn="l" defTabSz="457200" rtl="0" eaLnBrk="1" latinLnBrk="0" hangingPunct="1">
+              <a:spcBef>
+                <a:spcPts val="1000"/>
+              </a:spcBef>
+              <a:spcAft>
+                <a:spcPts val="0"/>
+              </a:spcAft>
+              <a:buClr>
+                <a:schemeClr val="accent1"/>
+              </a:buClr>
+              <a:buFont typeface="Wingdings 3" charset="2"/>
+              <a:buChar char=""/>
+              <a:defRPr sz="1600" kern="1200">
+                <a:solidFill>
+                  <a:schemeClr val="tx1">
+                    <a:lumMod val="75000"/>
+                    <a:lumOff val="25000"/>
+                  </a:schemeClr>
+                </a:solidFill>
+                <a:latin typeface="+mn-lt"/>
+                <a:ea typeface="+mn-ea"/>
+                <a:cs typeface="+mn-cs"/>
+              </a:defRPr>
+            </a:lvl2pPr>
+            <a:lvl3pPr marL="1143000" indent="-228600" algn="l" defTabSz="457200" rtl="0" eaLnBrk="1" latinLnBrk="0" hangingPunct="1">
+              <a:spcBef>
+                <a:spcPts val="1000"/>
+              </a:spcBef>
+              <a:spcAft>
+                <a:spcPts val="0"/>
+              </a:spcAft>
+              <a:buClr>
+                <a:schemeClr val="accent1"/>
+              </a:buClr>
+              <a:buFont typeface="Wingdings 3" charset="2"/>
+              <a:buChar char=""/>
+              <a:defRPr sz="1400" kern="1200">
+                <a:solidFill>
+                  <a:schemeClr val="tx1">
+                    <a:lumMod val="75000"/>
+                    <a:lumOff val="25000"/>
+                  </a:schemeClr>
+                </a:solidFill>
+                <a:latin typeface="+mn-lt"/>
+                <a:ea typeface="+mn-ea"/>
+                <a:cs typeface="+mn-cs"/>
+              </a:defRPr>
+            </a:lvl3pPr>
+            <a:lvl4pPr marL="1600200" indent="-228600" algn="l" defTabSz="457200" rtl="0" eaLnBrk="1" latinLnBrk="0" hangingPunct="1">
+              <a:spcBef>
+                <a:spcPts val="1000"/>
+              </a:spcBef>
+              <a:spcAft>
+                <a:spcPts val="0"/>
+              </a:spcAft>
+              <a:buClr>
+                <a:schemeClr val="accent1"/>
+              </a:buClr>
+              <a:buFont typeface="Wingdings 3" charset="2"/>
+              <a:buChar char=""/>
+              <a:defRPr sz="1200" kern="1200">
+                <a:solidFill>
+                  <a:schemeClr val="tx1">
+                    <a:lumMod val="75000"/>
+                    <a:lumOff val="25000"/>
+                  </a:schemeClr>
+                </a:solidFill>
+                <a:latin typeface="+mn-lt"/>
+                <a:ea typeface="+mn-ea"/>
+                <a:cs typeface="+mn-cs"/>
+              </a:defRPr>
+            </a:lvl4pPr>
+            <a:lvl5pPr marL="2057400" indent="-228600" algn="l" defTabSz="457200" rtl="0" eaLnBrk="1" latinLnBrk="0" hangingPunct="1">
+              <a:spcBef>
+                <a:spcPts val="1000"/>
+              </a:spcBef>
+              <a:spcAft>
+                <a:spcPts val="0"/>
+              </a:spcAft>
+              <a:buClr>
+                <a:schemeClr val="accent1"/>
+              </a:buClr>
+              <a:buFont typeface="Wingdings 3" charset="2"/>
+              <a:buChar char=""/>
+              <a:defRPr sz="1200" kern="1200">
+                <a:solidFill>
+                  <a:schemeClr val="tx1">
+                    <a:lumMod val="75000"/>
+                    <a:lumOff val="25000"/>
+                  </a:schemeClr>
+                </a:solidFill>
+                <a:latin typeface="+mn-lt"/>
+                <a:ea typeface="+mn-ea"/>
+                <a:cs typeface="+mn-cs"/>
+              </a:defRPr>
+            </a:lvl5pPr>
+            <a:lvl6pPr marL="2514600" indent="-228600" algn="l" defTabSz="457200" rtl="0" eaLnBrk="1" latinLnBrk="0" hangingPunct="1">
+              <a:spcBef>
+                <a:spcPts val="1000"/>
+              </a:spcBef>
+              <a:spcAft>
+                <a:spcPts val="0"/>
+              </a:spcAft>
+              <a:buClr>
+                <a:schemeClr val="accent1"/>
+              </a:buClr>
+              <a:buFont typeface="Wingdings 3" charset="2"/>
+              <a:buChar char=""/>
+              <a:defRPr sz="1200" kern="1200">
+                <a:solidFill>
+                  <a:schemeClr val="tx1">
+                    <a:lumMod val="75000"/>
+                    <a:lumOff val="25000"/>
+                  </a:schemeClr>
+                </a:solidFill>
+                <a:latin typeface="+mn-lt"/>
+                <a:ea typeface="+mn-ea"/>
+                <a:cs typeface="+mn-cs"/>
+              </a:defRPr>
+            </a:lvl6pPr>
+            <a:lvl7pPr marL="2971800" indent="-228600" algn="l" defTabSz="457200" rtl="0" eaLnBrk="1" latinLnBrk="0" hangingPunct="1">
+              <a:spcBef>
+                <a:spcPts val="1000"/>
+              </a:spcBef>
+              <a:spcAft>
+                <a:spcPts val="0"/>
+              </a:spcAft>
+              <a:buClr>
+                <a:schemeClr val="accent1"/>
+              </a:buClr>
+              <a:buFont typeface="Wingdings 3" charset="2"/>
+              <a:buChar char=""/>
+              <a:defRPr sz="1200" kern="1200">
+                <a:solidFill>
+                  <a:schemeClr val="tx1">
+                    <a:lumMod val="75000"/>
+                    <a:lumOff val="25000"/>
+                  </a:schemeClr>
+                </a:solidFill>
+                <a:latin typeface="+mn-lt"/>
+                <a:ea typeface="+mn-ea"/>
+                <a:cs typeface="+mn-cs"/>
+              </a:defRPr>
+            </a:lvl7pPr>
+            <a:lvl8pPr marL="3429000" indent="-228600" algn="l" defTabSz="457200" rtl="0" eaLnBrk="1" latinLnBrk="0" hangingPunct="1">
+              <a:spcBef>
+                <a:spcPts val="1000"/>
+              </a:spcBef>
+              <a:spcAft>
+                <a:spcPts val="0"/>
+              </a:spcAft>
+              <a:buClr>
+                <a:schemeClr val="accent1"/>
+              </a:buClr>
+              <a:buFont typeface="Wingdings 3" charset="2"/>
+              <a:buChar char=""/>
+              <a:defRPr sz="1200" kern="1200">
+                <a:solidFill>
+                  <a:schemeClr val="tx1">
+                    <a:lumMod val="75000"/>
+                    <a:lumOff val="25000"/>
+                  </a:schemeClr>
+                </a:solidFill>
+                <a:latin typeface="+mn-lt"/>
+                <a:ea typeface="+mn-ea"/>
+                <a:cs typeface="+mn-cs"/>
+              </a:defRPr>
+            </a:lvl8pPr>
+            <a:lvl9pPr marL="3886200" indent="-228600" algn="l" defTabSz="457200" rtl="0" eaLnBrk="1" latinLnBrk="0" hangingPunct="1">
+              <a:spcBef>
+                <a:spcPts val="1000"/>
+              </a:spcBef>
+              <a:spcAft>
+                <a:spcPts val="0"/>
+              </a:spcAft>
+              <a:buClr>
+                <a:schemeClr val="accent1"/>
+              </a:buClr>
+              <a:buFont typeface="Wingdings 3" charset="2"/>
+              <a:buChar char=""/>
+              <a:defRPr sz="1200" kern="1200">
+                <a:solidFill>
+                  <a:schemeClr val="tx1">
+                    <a:lumMod val="75000"/>
+                    <a:lumOff val="25000"/>
+                  </a:schemeClr>
+                </a:solidFill>
+                <a:latin typeface="+mn-lt"/>
+                <a:ea typeface="+mn-ea"/>
+                <a:cs typeface="+mn-cs"/>
+              </a:defRPr>
+            </a:lvl9pPr>
+          </a:lstStyle>
           <a:p>
+            <a:r>
+              <a:rPr lang="en-US" dirty="0" smtClean="0"/>
+              <a:t>Microsoft Visual Studio Code 1.70</a:t>
+            </a:r>
+          </a:p>
+        </p:txBody>
+      </p:sp>
+      <p:sp>
+        <p:nvSpPr>
+          <p:cNvPr id="12" name="Content Placeholder 2">
+            <a:extLst>
+              <a:ext uri="{FF2B5EF4-FFF2-40B4-BE49-F238E27FC236}">
+                <a16:creationId xmlns:a16="http://schemas.microsoft.com/office/drawing/2014/main" id="{C7DCE5F7-255C-CBA6-9537-51EC1BD6CD27}"/>
+              </a:ext>
+            </a:extLst>
+          </p:cNvPr>
+          <p:cNvSpPr txBox="1">
+            <a:spLocks/>
+          </p:cNvSpPr>
+          <p:nvPr/>
+        </p:nvSpPr>
+        <p:spPr>
+          <a:xfrm>
+            <a:off x="2583630" y="4237625"/>
+            <a:ext cx="2326513" cy="828727"/>
+          </a:xfrm>
+          <a:prstGeom prst="rect">
+            <a:avLst/>
+          </a:prstGeom>
+        </p:spPr>
+        <p:txBody>
+          <a:bodyPr vert="horz" lIns="91440" tIns="45720" rIns="91440" bIns="45720" rtlCol="0">
+            <a:normAutofit/>
+          </a:bodyPr>
+          <a:lstStyle>
+            <a:lvl1pPr marL="342900" indent="-342900" algn="l" defTabSz="457200" rtl="0" eaLnBrk="1" latinLnBrk="0" hangingPunct="1">
+              <a:spcBef>
+                <a:spcPts val="1000"/>
+              </a:spcBef>
+              <a:spcAft>
+                <a:spcPts val="0"/>
+              </a:spcAft>
+              <a:buClr>
+                <a:schemeClr val="accent1"/>
+              </a:buClr>
+              <a:buFont typeface="Wingdings 3" charset="2"/>
+              <a:buChar char=""/>
+              <a:defRPr sz="1800" kern="1200">
+                <a:solidFill>
+                  <a:schemeClr val="tx1">
+                    <a:lumMod val="75000"/>
+                    <a:lumOff val="25000"/>
+                  </a:schemeClr>
+                </a:solidFill>
+                <a:latin typeface="+mn-lt"/>
+                <a:ea typeface="+mn-ea"/>
+                <a:cs typeface="+mn-cs"/>
+              </a:defRPr>
+            </a:lvl1pPr>
+            <a:lvl2pPr marL="742950" indent="-285750" algn="l" defTabSz="457200" rtl="0" eaLnBrk="1" latinLnBrk="0" hangingPunct="1">
+              <a:spcBef>
+                <a:spcPts val="1000"/>
+              </a:spcBef>
+              <a:spcAft>
+                <a:spcPts val="0"/>
+              </a:spcAft>
+              <a:buClr>
+                <a:schemeClr val="accent1"/>
+              </a:buClr>
+              <a:buFont typeface="Wingdings 3" charset="2"/>
+              <a:buChar char=""/>
+              <a:defRPr sz="1600" kern="1200">
+                <a:solidFill>
+                  <a:schemeClr val="tx1">
+                    <a:lumMod val="75000"/>
+                    <a:lumOff val="25000"/>
+                  </a:schemeClr>
+                </a:solidFill>
+                <a:latin typeface="+mn-lt"/>
+                <a:ea typeface="+mn-ea"/>
+                <a:cs typeface="+mn-cs"/>
+              </a:defRPr>
+            </a:lvl2pPr>
+            <a:lvl3pPr marL="1143000" indent="-228600" algn="l" defTabSz="457200" rtl="0" eaLnBrk="1" latinLnBrk="0" hangingPunct="1">
+              <a:spcBef>
+                <a:spcPts val="1000"/>
+              </a:spcBef>
+              <a:spcAft>
+                <a:spcPts val="0"/>
+              </a:spcAft>
+              <a:buClr>
+                <a:schemeClr val="accent1"/>
+              </a:buClr>
+              <a:buFont typeface="Wingdings 3" charset="2"/>
+              <a:buChar char=""/>
+              <a:defRPr sz="1400" kern="1200">
+                <a:solidFill>
+                  <a:schemeClr val="tx1">
+                    <a:lumMod val="75000"/>
+                    <a:lumOff val="25000"/>
+                  </a:schemeClr>
+                </a:solidFill>
+                <a:latin typeface="+mn-lt"/>
+                <a:ea typeface="+mn-ea"/>
+                <a:cs typeface="+mn-cs"/>
+              </a:defRPr>
+            </a:lvl3pPr>
+            <a:lvl4pPr marL="1600200" indent="-228600" algn="l" defTabSz="457200" rtl="0" eaLnBrk="1" latinLnBrk="0" hangingPunct="1">
+              <a:spcBef>
+                <a:spcPts val="1000"/>
+              </a:spcBef>
+              <a:spcAft>
+                <a:spcPts val="0"/>
+              </a:spcAft>
+              <a:buClr>
+                <a:schemeClr val="accent1"/>
+              </a:buClr>
+              <a:buFont typeface="Wingdings 3" charset="2"/>
+              <a:buChar char=""/>
+              <a:defRPr sz="1200" kern="1200">
+                <a:solidFill>
+                  <a:schemeClr val="tx1">
+                    <a:lumMod val="75000"/>
+                    <a:lumOff val="25000"/>
+                  </a:schemeClr>
+                </a:solidFill>
+                <a:latin typeface="+mn-lt"/>
+                <a:ea typeface="+mn-ea"/>
+                <a:cs typeface="+mn-cs"/>
+              </a:defRPr>
+            </a:lvl4pPr>
+            <a:lvl5pPr marL="2057400" indent="-228600" algn="l" defTabSz="457200" rtl="0" eaLnBrk="1" latinLnBrk="0" hangingPunct="1">
+              <a:spcBef>
+                <a:spcPts val="1000"/>
+              </a:spcBef>
+              <a:spcAft>
+                <a:spcPts val="0"/>
+              </a:spcAft>
+              <a:buClr>
+                <a:schemeClr val="accent1"/>
+              </a:buClr>
+              <a:buFont typeface="Wingdings 3" charset="2"/>
+              <a:buChar char=""/>
+              <a:defRPr sz="1200" kern="1200">
+                <a:solidFill>
+                  <a:schemeClr val="tx1">
+                    <a:lumMod val="75000"/>
+                    <a:lumOff val="25000"/>
+                  </a:schemeClr>
+                </a:solidFill>
+                <a:latin typeface="+mn-lt"/>
+                <a:ea typeface="+mn-ea"/>
+                <a:cs typeface="+mn-cs"/>
+              </a:defRPr>
+            </a:lvl5pPr>
+            <a:lvl6pPr marL="2514600" indent="-228600" algn="l" defTabSz="457200" rtl="0" eaLnBrk="1" latinLnBrk="0" hangingPunct="1">
+              <a:spcBef>
+                <a:spcPts val="1000"/>
+              </a:spcBef>
+              <a:spcAft>
+                <a:spcPts val="0"/>
+              </a:spcAft>
+              <a:buClr>
+                <a:schemeClr val="accent1"/>
+              </a:buClr>
+              <a:buFont typeface="Wingdings 3" charset="2"/>
+              <a:buChar char=""/>
+              <a:defRPr sz="1200" kern="1200">
+                <a:solidFill>
+                  <a:schemeClr val="tx1">
+                    <a:lumMod val="75000"/>
+                    <a:lumOff val="25000"/>
+                  </a:schemeClr>
+                </a:solidFill>
+                <a:latin typeface="+mn-lt"/>
+                <a:ea typeface="+mn-ea"/>
+                <a:cs typeface="+mn-cs"/>
+              </a:defRPr>
+            </a:lvl6pPr>
+            <a:lvl7pPr marL="2971800" indent="-228600" algn="l" defTabSz="457200" rtl="0" eaLnBrk="1" latinLnBrk="0" hangingPunct="1">
+              <a:spcBef>
+                <a:spcPts val="1000"/>
+              </a:spcBef>
+              <a:spcAft>
+                <a:spcPts val="0"/>
+              </a:spcAft>
+              <a:buClr>
+                <a:schemeClr val="accent1"/>
+              </a:buClr>
+              <a:buFont typeface="Wingdings 3" charset="2"/>
+              <a:buChar char=""/>
+              <a:defRPr sz="1200" kern="1200">
+                <a:solidFill>
+                  <a:schemeClr val="tx1">
+                    <a:lumMod val="75000"/>
+                    <a:lumOff val="25000"/>
+                  </a:schemeClr>
+                </a:solidFill>
+                <a:latin typeface="+mn-lt"/>
+                <a:ea typeface="+mn-ea"/>
+                <a:cs typeface="+mn-cs"/>
+              </a:defRPr>
+            </a:lvl7pPr>
+            <a:lvl8pPr marL="3429000" indent="-228600" algn="l" defTabSz="457200" rtl="0" eaLnBrk="1" latinLnBrk="0" hangingPunct="1">
+              <a:spcBef>
+                <a:spcPts val="1000"/>
+              </a:spcBef>
+              <a:spcAft>
+                <a:spcPts val="0"/>
+              </a:spcAft>
+              <a:buClr>
+                <a:schemeClr val="accent1"/>
+              </a:buClr>
+              <a:buFont typeface="Wingdings 3" charset="2"/>
+              <a:buChar char=""/>
+              <a:defRPr sz="1200" kern="1200">
+                <a:solidFill>
+                  <a:schemeClr val="tx1">
+                    <a:lumMod val="75000"/>
+                    <a:lumOff val="25000"/>
+                  </a:schemeClr>
+                </a:solidFill>
+                <a:latin typeface="+mn-lt"/>
+                <a:ea typeface="+mn-ea"/>
+                <a:cs typeface="+mn-cs"/>
+              </a:defRPr>
+            </a:lvl8pPr>
+            <a:lvl9pPr marL="3886200" indent="-228600" algn="l" defTabSz="457200" rtl="0" eaLnBrk="1" latinLnBrk="0" hangingPunct="1">
+              <a:spcBef>
+                <a:spcPts val="1000"/>
+              </a:spcBef>
+              <a:spcAft>
+                <a:spcPts val="0"/>
+              </a:spcAft>
+              <a:buClr>
+                <a:schemeClr val="accent1"/>
+              </a:buClr>
+              <a:buFont typeface="Wingdings 3" charset="2"/>
+              <a:buChar char=""/>
+              <a:defRPr sz="1200" kern="1200">
+                <a:solidFill>
+                  <a:schemeClr val="tx1">
+                    <a:lumMod val="75000"/>
+                    <a:lumOff val="25000"/>
+                  </a:schemeClr>
+                </a:solidFill>
+                <a:latin typeface="+mn-lt"/>
+                <a:ea typeface="+mn-ea"/>
+                <a:cs typeface="+mn-cs"/>
+              </a:defRPr>
+            </a:lvl9pPr>
+          </a:lstStyle>
+          <a:p>
+            <a:r>
+              <a:rPr lang="en-US" dirty="0" smtClean="0"/>
+              <a:t>Microsoft Excel, Excel Online</a:t>
+            </a:r>
+            <a:endParaRPr lang="en-US" dirty="0" smtClean="0"/>
+          </a:p>
+        </p:txBody>
+      </p:sp>
+      <p:sp>
+        <p:nvSpPr>
+          <p:cNvPr id="13" name="Content Placeholder 2">
+            <a:extLst>
+              <a:ext uri="{FF2B5EF4-FFF2-40B4-BE49-F238E27FC236}">
+                <a16:creationId xmlns:a16="http://schemas.microsoft.com/office/drawing/2014/main" id="{C7DCE5F7-255C-CBA6-9537-51EC1BD6CD27}"/>
+              </a:ext>
+            </a:extLst>
+          </p:cNvPr>
+          <p:cNvSpPr txBox="1">
+            <a:spLocks/>
+          </p:cNvSpPr>
+          <p:nvPr/>
+        </p:nvSpPr>
+        <p:spPr>
+          <a:xfrm>
+            <a:off x="4910143" y="4238587"/>
+            <a:ext cx="2934463" cy="446329"/>
+          </a:xfrm>
+          <a:prstGeom prst="rect">
+            <a:avLst/>
+          </a:prstGeom>
+        </p:spPr>
+        <p:txBody>
+          <a:bodyPr vert="horz" lIns="91440" tIns="45720" rIns="91440" bIns="45720" rtlCol="0">
+            <a:normAutofit/>
+          </a:bodyPr>
+          <a:lstStyle>
+            <a:lvl1pPr marL="342900" indent="-342900" algn="l" defTabSz="457200" rtl="0" eaLnBrk="1" latinLnBrk="0" hangingPunct="1">
+              <a:spcBef>
+                <a:spcPts val="1000"/>
+              </a:spcBef>
+              <a:spcAft>
+                <a:spcPts val="0"/>
+              </a:spcAft>
+              <a:buClr>
+                <a:schemeClr val="accent1"/>
+              </a:buClr>
+              <a:buFont typeface="Wingdings 3" charset="2"/>
+              <a:buChar char=""/>
+              <a:defRPr sz="1800" kern="1200">
+                <a:solidFill>
+                  <a:schemeClr val="tx1">
+                    <a:lumMod val="75000"/>
+                    <a:lumOff val="25000"/>
+                  </a:schemeClr>
+                </a:solidFill>
+                <a:latin typeface="+mn-lt"/>
+                <a:ea typeface="+mn-ea"/>
+                <a:cs typeface="+mn-cs"/>
+              </a:defRPr>
+            </a:lvl1pPr>
+            <a:lvl2pPr marL="742950" indent="-285750" algn="l" defTabSz="457200" rtl="0" eaLnBrk="1" latinLnBrk="0" hangingPunct="1">
+              <a:spcBef>
+                <a:spcPts val="1000"/>
+              </a:spcBef>
+              <a:spcAft>
+                <a:spcPts val="0"/>
+              </a:spcAft>
+              <a:buClr>
+                <a:schemeClr val="accent1"/>
+              </a:buClr>
+              <a:buFont typeface="Wingdings 3" charset="2"/>
+              <a:buChar char=""/>
+              <a:defRPr sz="1600" kern="1200">
+                <a:solidFill>
+                  <a:schemeClr val="tx1">
+                    <a:lumMod val="75000"/>
+                    <a:lumOff val="25000"/>
+                  </a:schemeClr>
+                </a:solidFill>
+                <a:latin typeface="+mn-lt"/>
+                <a:ea typeface="+mn-ea"/>
+                <a:cs typeface="+mn-cs"/>
+              </a:defRPr>
+            </a:lvl2pPr>
+            <a:lvl3pPr marL="1143000" indent="-228600" algn="l" defTabSz="457200" rtl="0" eaLnBrk="1" latinLnBrk="0" hangingPunct="1">
+              <a:spcBef>
+                <a:spcPts val="1000"/>
+              </a:spcBef>
+              <a:spcAft>
+                <a:spcPts val="0"/>
+              </a:spcAft>
+              <a:buClr>
+                <a:schemeClr val="accent1"/>
+              </a:buClr>
+              <a:buFont typeface="Wingdings 3" charset="2"/>
+              <a:buChar char=""/>
+              <a:defRPr sz="1400" kern="1200">
+                <a:solidFill>
+                  <a:schemeClr val="tx1">
+                    <a:lumMod val="75000"/>
+                    <a:lumOff val="25000"/>
+                  </a:schemeClr>
+                </a:solidFill>
+                <a:latin typeface="+mn-lt"/>
+                <a:ea typeface="+mn-ea"/>
+                <a:cs typeface="+mn-cs"/>
+              </a:defRPr>
+            </a:lvl3pPr>
+            <a:lvl4pPr marL="1600200" indent="-228600" algn="l" defTabSz="457200" rtl="0" eaLnBrk="1" latinLnBrk="0" hangingPunct="1">
+              <a:spcBef>
+                <a:spcPts val="1000"/>
+              </a:spcBef>
+              <a:spcAft>
+                <a:spcPts val="0"/>
+              </a:spcAft>
+              <a:buClr>
+                <a:schemeClr val="accent1"/>
+              </a:buClr>
+              <a:buFont typeface="Wingdings 3" charset="2"/>
+              <a:buChar char=""/>
+              <a:defRPr sz="1200" kern="1200">
+                <a:solidFill>
+                  <a:schemeClr val="tx1">
+                    <a:lumMod val="75000"/>
+                    <a:lumOff val="25000"/>
+                  </a:schemeClr>
+                </a:solidFill>
+                <a:latin typeface="+mn-lt"/>
+                <a:ea typeface="+mn-ea"/>
+                <a:cs typeface="+mn-cs"/>
+              </a:defRPr>
+            </a:lvl4pPr>
+            <a:lvl5pPr marL="2057400" indent="-228600" algn="l" defTabSz="457200" rtl="0" eaLnBrk="1" latinLnBrk="0" hangingPunct="1">
+              <a:spcBef>
+                <a:spcPts val="1000"/>
+              </a:spcBef>
+              <a:spcAft>
+                <a:spcPts val="0"/>
+              </a:spcAft>
+              <a:buClr>
+                <a:schemeClr val="accent1"/>
+              </a:buClr>
+              <a:buFont typeface="Wingdings 3" charset="2"/>
+              <a:buChar char=""/>
+              <a:defRPr sz="1200" kern="1200">
+                <a:solidFill>
+                  <a:schemeClr val="tx1">
+                    <a:lumMod val="75000"/>
+                    <a:lumOff val="25000"/>
+                  </a:schemeClr>
+                </a:solidFill>
+                <a:latin typeface="+mn-lt"/>
+                <a:ea typeface="+mn-ea"/>
+                <a:cs typeface="+mn-cs"/>
+              </a:defRPr>
+            </a:lvl5pPr>
+            <a:lvl6pPr marL="2514600" indent="-228600" algn="l" defTabSz="457200" rtl="0" eaLnBrk="1" latinLnBrk="0" hangingPunct="1">
+              <a:spcBef>
+                <a:spcPts val="1000"/>
+              </a:spcBef>
+              <a:spcAft>
+                <a:spcPts val="0"/>
+              </a:spcAft>
+              <a:buClr>
+                <a:schemeClr val="accent1"/>
+              </a:buClr>
+              <a:buFont typeface="Wingdings 3" charset="2"/>
+              <a:buChar char=""/>
+              <a:defRPr sz="1200" kern="1200">
+                <a:solidFill>
+                  <a:schemeClr val="tx1">
+                    <a:lumMod val="75000"/>
+                    <a:lumOff val="25000"/>
+                  </a:schemeClr>
+                </a:solidFill>
+                <a:latin typeface="+mn-lt"/>
+                <a:ea typeface="+mn-ea"/>
+                <a:cs typeface="+mn-cs"/>
+              </a:defRPr>
+            </a:lvl6pPr>
+            <a:lvl7pPr marL="2971800" indent="-228600" algn="l" defTabSz="457200" rtl="0" eaLnBrk="1" latinLnBrk="0" hangingPunct="1">
+              <a:spcBef>
+                <a:spcPts val="1000"/>
+              </a:spcBef>
+              <a:spcAft>
+                <a:spcPts val="0"/>
+              </a:spcAft>
+              <a:buClr>
+                <a:schemeClr val="accent1"/>
+              </a:buClr>
+              <a:buFont typeface="Wingdings 3" charset="2"/>
+              <a:buChar char=""/>
+              <a:defRPr sz="1200" kern="1200">
+                <a:solidFill>
+                  <a:schemeClr val="tx1">
+                    <a:lumMod val="75000"/>
+                    <a:lumOff val="25000"/>
+                  </a:schemeClr>
+                </a:solidFill>
+                <a:latin typeface="+mn-lt"/>
+                <a:ea typeface="+mn-ea"/>
+                <a:cs typeface="+mn-cs"/>
+              </a:defRPr>
+            </a:lvl7pPr>
+            <a:lvl8pPr marL="3429000" indent="-228600" algn="l" defTabSz="457200" rtl="0" eaLnBrk="1" latinLnBrk="0" hangingPunct="1">
+              <a:spcBef>
+                <a:spcPts val="1000"/>
+              </a:spcBef>
+              <a:spcAft>
+                <a:spcPts val="0"/>
+              </a:spcAft>
+              <a:buClr>
+                <a:schemeClr val="accent1"/>
+              </a:buClr>
+              <a:buFont typeface="Wingdings 3" charset="2"/>
+              <a:buChar char=""/>
+              <a:defRPr sz="1200" kern="1200">
+                <a:solidFill>
+                  <a:schemeClr val="tx1">
+                    <a:lumMod val="75000"/>
+                    <a:lumOff val="25000"/>
+                  </a:schemeClr>
+                </a:solidFill>
+                <a:latin typeface="+mn-lt"/>
+                <a:ea typeface="+mn-ea"/>
+                <a:cs typeface="+mn-cs"/>
+              </a:defRPr>
+            </a:lvl8pPr>
+            <a:lvl9pPr marL="3886200" indent="-228600" algn="l" defTabSz="457200" rtl="0" eaLnBrk="1" latinLnBrk="0" hangingPunct="1">
+              <a:spcBef>
+                <a:spcPts val="1000"/>
+              </a:spcBef>
+              <a:spcAft>
+                <a:spcPts val="0"/>
+              </a:spcAft>
+              <a:buClr>
+                <a:schemeClr val="accent1"/>
+              </a:buClr>
+              <a:buFont typeface="Wingdings 3" charset="2"/>
+              <a:buChar char=""/>
+              <a:defRPr sz="1200" kern="1200">
+                <a:solidFill>
+                  <a:schemeClr val="tx1">
+                    <a:lumMod val="75000"/>
+                    <a:lumOff val="25000"/>
+                  </a:schemeClr>
+                </a:solidFill>
+                <a:latin typeface="+mn-lt"/>
+                <a:ea typeface="+mn-ea"/>
+                <a:cs typeface="+mn-cs"/>
+              </a:defRPr>
+            </a:lvl9pPr>
+          </a:lstStyle>
+          <a:p>
+            <a:r>
+              <a:rPr lang="en-US" dirty="0" smtClean="0"/>
+              <a:t>Tableau Public 2022.2</a:t>
+            </a:r>
+            <a:endParaRPr lang="en-US" dirty="0" smtClean="0"/>
+          </a:p>
+        </p:txBody>
+      </p:sp>
+      <p:sp>
+        <p:nvSpPr>
+          <p:cNvPr id="14" name="Content Placeholder 2">
+            <a:extLst>
+              <a:ext uri="{FF2B5EF4-FFF2-40B4-BE49-F238E27FC236}">
+                <a16:creationId xmlns:a16="http://schemas.microsoft.com/office/drawing/2014/main" id="{C7DCE5F7-255C-CBA6-9537-51EC1BD6CD27}"/>
+              </a:ext>
+            </a:extLst>
+          </p:cNvPr>
+          <p:cNvSpPr txBox="1">
+            <a:spLocks/>
+          </p:cNvSpPr>
+          <p:nvPr/>
+        </p:nvSpPr>
+        <p:spPr>
+          <a:xfrm>
+            <a:off x="7844606" y="4190446"/>
+            <a:ext cx="3119068" cy="1198753"/>
+          </a:xfrm>
+          <a:prstGeom prst="rect">
+            <a:avLst/>
+          </a:prstGeom>
+        </p:spPr>
+        <p:txBody>
+          <a:bodyPr vert="horz" lIns="91440" tIns="45720" rIns="91440" bIns="45720" rtlCol="0">
+            <a:normAutofit/>
+          </a:bodyPr>
+          <a:lstStyle>
+            <a:lvl1pPr marL="342900" indent="-342900" algn="l" defTabSz="457200" rtl="0" eaLnBrk="1" latinLnBrk="0" hangingPunct="1">
+              <a:spcBef>
+                <a:spcPts val="1000"/>
+              </a:spcBef>
+              <a:spcAft>
+                <a:spcPts val="0"/>
+              </a:spcAft>
+              <a:buClr>
+                <a:schemeClr val="accent1"/>
+              </a:buClr>
+              <a:buFont typeface="Wingdings 3" charset="2"/>
+              <a:buChar char=""/>
+              <a:defRPr sz="1800" kern="1200">
+                <a:solidFill>
+                  <a:schemeClr val="tx1">
+                    <a:lumMod val="75000"/>
+                    <a:lumOff val="25000"/>
+                  </a:schemeClr>
+                </a:solidFill>
+                <a:latin typeface="+mn-lt"/>
+                <a:ea typeface="+mn-ea"/>
+                <a:cs typeface="+mn-cs"/>
+              </a:defRPr>
+            </a:lvl1pPr>
+            <a:lvl2pPr marL="742950" indent="-285750" algn="l" defTabSz="457200" rtl="0" eaLnBrk="1" latinLnBrk="0" hangingPunct="1">
+              <a:spcBef>
+                <a:spcPts val="1000"/>
+              </a:spcBef>
+              <a:spcAft>
+                <a:spcPts val="0"/>
+              </a:spcAft>
+              <a:buClr>
+                <a:schemeClr val="accent1"/>
+              </a:buClr>
+              <a:buFont typeface="Wingdings 3" charset="2"/>
+              <a:buChar char=""/>
+              <a:defRPr sz="1600" kern="1200">
+                <a:solidFill>
+                  <a:schemeClr val="tx1">
+                    <a:lumMod val="75000"/>
+                    <a:lumOff val="25000"/>
+                  </a:schemeClr>
+                </a:solidFill>
+                <a:latin typeface="+mn-lt"/>
+                <a:ea typeface="+mn-ea"/>
+                <a:cs typeface="+mn-cs"/>
+              </a:defRPr>
+            </a:lvl2pPr>
+            <a:lvl3pPr marL="1143000" indent="-228600" algn="l" defTabSz="457200" rtl="0" eaLnBrk="1" latinLnBrk="0" hangingPunct="1">
+              <a:spcBef>
+                <a:spcPts val="1000"/>
+              </a:spcBef>
+              <a:spcAft>
+                <a:spcPts val="0"/>
+              </a:spcAft>
+              <a:buClr>
+                <a:schemeClr val="accent1"/>
+              </a:buClr>
+              <a:buFont typeface="Wingdings 3" charset="2"/>
+              <a:buChar char=""/>
+              <a:defRPr sz="1400" kern="1200">
+                <a:solidFill>
+                  <a:schemeClr val="tx1">
+                    <a:lumMod val="75000"/>
+                    <a:lumOff val="25000"/>
+                  </a:schemeClr>
+                </a:solidFill>
+                <a:latin typeface="+mn-lt"/>
+                <a:ea typeface="+mn-ea"/>
+                <a:cs typeface="+mn-cs"/>
+              </a:defRPr>
+            </a:lvl3pPr>
+            <a:lvl4pPr marL="1600200" indent="-228600" algn="l" defTabSz="457200" rtl="0" eaLnBrk="1" latinLnBrk="0" hangingPunct="1">
+              <a:spcBef>
+                <a:spcPts val="1000"/>
+              </a:spcBef>
+              <a:spcAft>
+                <a:spcPts val="0"/>
+              </a:spcAft>
+              <a:buClr>
+                <a:schemeClr val="accent1"/>
+              </a:buClr>
+              <a:buFont typeface="Wingdings 3" charset="2"/>
+              <a:buChar char=""/>
+              <a:defRPr sz="1200" kern="1200">
+                <a:solidFill>
+                  <a:schemeClr val="tx1">
+                    <a:lumMod val="75000"/>
+                    <a:lumOff val="25000"/>
+                  </a:schemeClr>
+                </a:solidFill>
+                <a:latin typeface="+mn-lt"/>
+                <a:ea typeface="+mn-ea"/>
+                <a:cs typeface="+mn-cs"/>
+              </a:defRPr>
+            </a:lvl4pPr>
+            <a:lvl5pPr marL="2057400" indent="-228600" algn="l" defTabSz="457200" rtl="0" eaLnBrk="1" latinLnBrk="0" hangingPunct="1">
+              <a:spcBef>
+                <a:spcPts val="1000"/>
+              </a:spcBef>
+              <a:spcAft>
+                <a:spcPts val="0"/>
+              </a:spcAft>
+              <a:buClr>
+                <a:schemeClr val="accent1"/>
+              </a:buClr>
+              <a:buFont typeface="Wingdings 3" charset="2"/>
+              <a:buChar char=""/>
+              <a:defRPr sz="1200" kern="1200">
+                <a:solidFill>
+                  <a:schemeClr val="tx1">
+                    <a:lumMod val="75000"/>
+                    <a:lumOff val="25000"/>
+                  </a:schemeClr>
+                </a:solidFill>
+                <a:latin typeface="+mn-lt"/>
+                <a:ea typeface="+mn-ea"/>
+                <a:cs typeface="+mn-cs"/>
+              </a:defRPr>
+            </a:lvl5pPr>
+            <a:lvl6pPr marL="2514600" indent="-228600" algn="l" defTabSz="457200" rtl="0" eaLnBrk="1" latinLnBrk="0" hangingPunct="1">
+              <a:spcBef>
+                <a:spcPts val="1000"/>
+              </a:spcBef>
+              <a:spcAft>
+                <a:spcPts val="0"/>
+              </a:spcAft>
+              <a:buClr>
+                <a:schemeClr val="accent1"/>
+              </a:buClr>
+              <a:buFont typeface="Wingdings 3" charset="2"/>
+              <a:buChar char=""/>
+              <a:defRPr sz="1200" kern="1200">
+                <a:solidFill>
+                  <a:schemeClr val="tx1">
+                    <a:lumMod val="75000"/>
+                    <a:lumOff val="25000"/>
+                  </a:schemeClr>
+                </a:solidFill>
+                <a:latin typeface="+mn-lt"/>
+                <a:ea typeface="+mn-ea"/>
+                <a:cs typeface="+mn-cs"/>
+              </a:defRPr>
+            </a:lvl6pPr>
+            <a:lvl7pPr marL="2971800" indent="-228600" algn="l" defTabSz="457200" rtl="0" eaLnBrk="1" latinLnBrk="0" hangingPunct="1">
+              <a:spcBef>
+                <a:spcPts val="1000"/>
+              </a:spcBef>
+              <a:spcAft>
+                <a:spcPts val="0"/>
+              </a:spcAft>
+              <a:buClr>
+                <a:schemeClr val="accent1"/>
+              </a:buClr>
+              <a:buFont typeface="Wingdings 3" charset="2"/>
+              <a:buChar char=""/>
+              <a:defRPr sz="1200" kern="1200">
+                <a:solidFill>
+                  <a:schemeClr val="tx1">
+                    <a:lumMod val="75000"/>
+                    <a:lumOff val="25000"/>
+                  </a:schemeClr>
+                </a:solidFill>
+                <a:latin typeface="+mn-lt"/>
+                <a:ea typeface="+mn-ea"/>
+                <a:cs typeface="+mn-cs"/>
+              </a:defRPr>
+            </a:lvl7pPr>
+            <a:lvl8pPr marL="3429000" indent="-228600" algn="l" defTabSz="457200" rtl="0" eaLnBrk="1" latinLnBrk="0" hangingPunct="1">
+              <a:spcBef>
+                <a:spcPts val="1000"/>
+              </a:spcBef>
+              <a:spcAft>
+                <a:spcPts val="0"/>
+              </a:spcAft>
+              <a:buClr>
+                <a:schemeClr val="accent1"/>
+              </a:buClr>
+              <a:buFont typeface="Wingdings 3" charset="2"/>
+              <a:buChar char=""/>
+              <a:defRPr sz="1200" kern="1200">
+                <a:solidFill>
+                  <a:schemeClr val="tx1">
+                    <a:lumMod val="75000"/>
+                    <a:lumOff val="25000"/>
+                  </a:schemeClr>
+                </a:solidFill>
+                <a:latin typeface="+mn-lt"/>
+                <a:ea typeface="+mn-ea"/>
+                <a:cs typeface="+mn-cs"/>
+              </a:defRPr>
+            </a:lvl8pPr>
+            <a:lvl9pPr marL="3886200" indent="-228600" algn="l" defTabSz="457200" rtl="0" eaLnBrk="1" latinLnBrk="0" hangingPunct="1">
+              <a:spcBef>
+                <a:spcPts val="1000"/>
+              </a:spcBef>
+              <a:spcAft>
+                <a:spcPts val="0"/>
+              </a:spcAft>
+              <a:buClr>
+                <a:schemeClr val="accent1"/>
+              </a:buClr>
+              <a:buFont typeface="Wingdings 3" charset="2"/>
+              <a:buChar char=""/>
+              <a:defRPr sz="1200" kern="1200">
+                <a:solidFill>
+                  <a:schemeClr val="tx1">
+                    <a:lumMod val="75000"/>
+                    <a:lumOff val="25000"/>
+                  </a:schemeClr>
+                </a:solidFill>
+                <a:latin typeface="+mn-lt"/>
+                <a:ea typeface="+mn-ea"/>
+                <a:cs typeface="+mn-cs"/>
+              </a:defRPr>
+            </a:lvl9pPr>
+          </a:lstStyle>
+          <a:p>
+            <a:r>
+              <a:rPr lang="en-US" dirty="0" err="1" smtClean="0"/>
+              <a:t>Github</a:t>
+            </a:r>
             <a:endParaRPr lang="en-US" dirty="0" smtClean="0"/>
           </a:p>
           <a:p>
-            <a:endParaRPr lang="en-US" dirty="0"/>
+            <a:endParaRPr lang="en-US" dirty="0" smtClean="0"/>
           </a:p>
         </p:txBody>
       </p:sp>
@@ -41561,13 +43168,7 @@
       </p:grpSpPr>
       <p:sp>
         <p:nvSpPr>
-          <p:cNvPr id="2" name="Title 1">
-            <a:extLst>
-              <a:ext uri="{FF2B5EF4-FFF2-40B4-BE49-F238E27FC236}">
-                <a16:creationId xmlns:a16="http://schemas.microsoft.com/office/drawing/2014/main" id="{F029024D-67BD-A3F0-2B0C-5482E50E4860}"/>
-              </a:ext>
-            </a:extLst>
-          </p:cNvPr>
+          <p:cNvPr id="2" name="Title 1"/>
           <p:cNvSpPr>
             <a:spLocks noGrp="1"/>
           </p:cNvSpPr>
@@ -41581,21 +43182,20 @@
           <a:lstStyle/>
           <a:p>
             <a:r>
-              <a:rPr lang="en-US" dirty="0"/>
-              <a:t>What is the top selling category of items? Per country?</a:t>
+              <a:rPr lang="en-US" dirty="0" err="1" smtClean="0"/>
+              <a:t>Github</a:t>
             </a:r>
+            <a:r>
+              <a:rPr lang="en-US" dirty="0" smtClean="0"/>
+              <a:t> Repository</a:t>
+            </a:r>
+            <a:endParaRPr lang="en-US" dirty="0"/>
           </a:p>
         </p:txBody>
       </p:sp>
       <p:sp>
         <p:nvSpPr>
-          <p:cNvPr id="3" name="Content Placeholder 2">
-            <a:extLst>
-              <a:ext uri="{FF2B5EF4-FFF2-40B4-BE49-F238E27FC236}">
-                <a16:creationId xmlns:a16="http://schemas.microsoft.com/office/drawing/2014/main" id="{065AB000-DA3D-610B-26A6-BE25460136D1}"/>
-              </a:ext>
-            </a:extLst>
-          </p:cNvPr>
+          <p:cNvPr id="3" name="Content Placeholder 2"/>
           <p:cNvSpPr>
             <a:spLocks noGrp="1"/>
           </p:cNvSpPr>
@@ -41603,19 +43203,68 @@
             <p:ph idx="1"/>
           </p:nvPr>
         </p:nvSpPr>
-        <p:spPr/>
+        <p:spPr>
+          <a:xfrm>
+            <a:off x="2589212" y="2133600"/>
+            <a:ext cx="5018951" cy="3777622"/>
+          </a:xfrm>
+        </p:spPr>
         <p:txBody>
           <a:bodyPr/>
           <a:lstStyle/>
           <a:p>
-            <a:endParaRPr lang="en-US"/>
+            <a:r>
+              <a:rPr lang="en-US" dirty="0"/>
+              <a:t>https://github.com/jnesteruck/rev-proj2</a:t>
+            </a:r>
           </a:p>
         </p:txBody>
       </p:sp>
+      <p:pic>
+        <p:nvPicPr>
+          <p:cNvPr id="4" name="Picture 10" descr="Github Logo - Free social media icons"/>
+          <p:cNvPicPr>
+            <a:picLocks noChangeAspect="1" noChangeArrowheads="1"/>
+          </p:cNvPicPr>
+          <p:nvPr/>
+        </p:nvPicPr>
+        <p:blipFill>
+          <a:blip r:embed="rId2">
+            <a:extLst>
+              <a:ext uri="{28A0092B-C50C-407E-A947-70E740481C1C}">
+                <a14:useLocalDpi xmlns:a14="http://schemas.microsoft.com/office/drawing/2010/main" val="0"/>
+              </a:ext>
+            </a:extLst>
+          </a:blip>
+          <a:srcRect/>
+          <a:stretch>
+            <a:fillRect/>
+          </a:stretch>
+        </p:blipFill>
+        <p:spPr bwMode="auto">
+          <a:xfrm>
+            <a:off x="7794594" y="1905000"/>
+            <a:ext cx="3710018" cy="3710018"/>
+          </a:xfrm>
+          <a:prstGeom prst="rect">
+            <a:avLst/>
+          </a:prstGeom>
+          <a:noFill/>
+          <a:extLst>
+            <a:ext uri="{909E8E84-426E-40DD-AFC4-6F175D3DCCD1}">
+              <a14:hiddenFill xmlns:a14="http://schemas.microsoft.com/office/drawing/2010/main">
+                <a:solidFill>
+                  <a:srgbClr val="FFFFFF"/>
+                </a:solidFill>
+              </a14:hiddenFill>
+            </a:ext>
+          </a:extLst>
+        </p:spPr>
+      </p:pic>
     </p:spTree>
     <p:extLst>
       <p:ext uri="{BB962C8B-B14F-4D97-AF65-F5344CB8AC3E}">
-        <p14:creationId xmlns:p14="http://schemas.microsoft.com/office/powerpoint/2010/main" val="282747676"/>
+        <p14:creationId xmlns:p14="http://schemas.microsoft.com/office/powerpoint/2010/main" val="3679035298"/>
       </p:ext>
     </p:extLst>
   </p:cSld>
@@ -41644,7 +43293,13 @@
       </p:grpSpPr>
       <p:sp>
         <p:nvSpPr>
-          <p:cNvPr id="2" name="Title 1"/>
+          <p:cNvPr id="2" name="Title 1">
+            <a:extLst>
+              <a:ext uri="{FF2B5EF4-FFF2-40B4-BE49-F238E27FC236}">
+                <a16:creationId xmlns:a16="http://schemas.microsoft.com/office/drawing/2014/main" id="{F029024D-67BD-A3F0-2B0C-5482E50E4860}"/>
+              </a:ext>
+            </a:extLst>
+          </p:cNvPr>
           <p:cNvSpPr>
             <a:spLocks noGrp="1"/>
           </p:cNvSpPr>
@@ -41652,25 +43307,44 @@
             <p:ph type="title"/>
           </p:nvPr>
         </p:nvSpPr>
-        <p:spPr/>
+        <p:spPr>
+          <a:xfrm>
+            <a:off x="2308839" y="1893617"/>
+            <a:ext cx="9027946" cy="1280890"/>
+          </a:xfrm>
+        </p:spPr>
         <p:txBody>
           <a:bodyPr>
-            <a:normAutofit/>
+            <a:noAutofit/>
           </a:bodyPr>
           <a:lstStyle/>
           <a:p>
             <a:r>
+              <a:rPr lang="en-US" sz="6600" dirty="0"/>
+              <a:t>What is the top selling category of </a:t>
+            </a:r>
+            <a:r>
               <a:rPr lang="en-US" sz="6600" dirty="0" smtClean="0"/>
-              <a:t>Sales By Category</a:t>
+              <a:t>items?</a:t>
             </a:r>
-            <a:endParaRPr lang="en-US" sz="6600" dirty="0"/>
+            <a:br>
+              <a:rPr lang="en-US" sz="6600" dirty="0" smtClean="0"/>
+            </a:br>
+            <a:r>
+              <a:rPr lang="en-US" sz="6600" dirty="0" smtClean="0"/>
+              <a:t>Per </a:t>
+            </a:r>
+            <a:r>
+              <a:rPr lang="en-US" sz="6600" dirty="0"/>
+              <a:t>country?</a:t>
+            </a:r>
           </a:p>
         </p:txBody>
       </p:sp>
     </p:spTree>
     <p:extLst>
       <p:ext uri="{BB962C8B-B14F-4D97-AF65-F5344CB8AC3E}">
-        <p14:creationId xmlns:p14="http://schemas.microsoft.com/office/powerpoint/2010/main" val="2992109690"/>
+        <p14:creationId xmlns:p14="http://schemas.microsoft.com/office/powerpoint/2010/main" val="282747676"/>
       </p:ext>
     </p:extLst>
   </p:cSld>
@@ -41873,6 +43547,136 @@
           </a:fontRef>
         </p:style>
       </p:cxnSp>
+      <p:sp>
+        <p:nvSpPr>
+          <p:cNvPr id="9" name="Title 1"/>
+          <p:cNvSpPr txBox="1">
+            <a:spLocks/>
+          </p:cNvSpPr>
+          <p:nvPr/>
+        </p:nvSpPr>
+        <p:spPr>
+          <a:xfrm rot="16200000">
+            <a:off x="-2826575" y="2947869"/>
+            <a:ext cx="6858002" cy="962261"/>
+          </a:xfrm>
+          <a:prstGeom prst="rect">
+            <a:avLst/>
+          </a:prstGeom>
+        </p:spPr>
+        <p:txBody>
+          <a:bodyPr>
+            <a:normAutofit/>
+          </a:bodyPr>
+          <a:lstStyle>
+            <a:lvl1pPr algn="l" defTabSz="457200" rtl="0" eaLnBrk="1" latinLnBrk="0" hangingPunct="1">
+              <a:spcBef>
+                <a:spcPct val="0"/>
+              </a:spcBef>
+              <a:buNone/>
+              <a:defRPr sz="3600" kern="1200">
+                <a:solidFill>
+                  <a:schemeClr val="tx1">
+                    <a:lumMod val="85000"/>
+                    <a:lumOff val="15000"/>
+                  </a:schemeClr>
+                </a:solidFill>
+                <a:latin typeface="+mj-lt"/>
+                <a:ea typeface="+mj-ea"/>
+                <a:cs typeface="+mj-cs"/>
+              </a:defRPr>
+            </a:lvl1pPr>
+            <a:lvl2pPr eaLnBrk="1" hangingPunct="1">
+              <a:defRPr>
+                <a:solidFill>
+                  <a:schemeClr val="tx2"/>
+                </a:solidFill>
+              </a:defRPr>
+            </a:lvl2pPr>
+            <a:lvl3pPr eaLnBrk="1" hangingPunct="1">
+              <a:defRPr>
+                <a:solidFill>
+                  <a:schemeClr val="tx2"/>
+                </a:solidFill>
+              </a:defRPr>
+            </a:lvl3pPr>
+            <a:lvl4pPr eaLnBrk="1" hangingPunct="1">
+              <a:defRPr>
+                <a:solidFill>
+                  <a:schemeClr val="tx2"/>
+                </a:solidFill>
+              </a:defRPr>
+            </a:lvl4pPr>
+            <a:lvl5pPr eaLnBrk="1" hangingPunct="1">
+              <a:defRPr>
+                <a:solidFill>
+                  <a:schemeClr val="tx2"/>
+                </a:solidFill>
+              </a:defRPr>
+            </a:lvl5pPr>
+            <a:lvl6pPr eaLnBrk="1" hangingPunct="1">
+              <a:defRPr>
+                <a:solidFill>
+                  <a:schemeClr val="tx2"/>
+                </a:solidFill>
+              </a:defRPr>
+            </a:lvl6pPr>
+            <a:lvl7pPr eaLnBrk="1" hangingPunct="1">
+              <a:defRPr>
+                <a:solidFill>
+                  <a:schemeClr val="tx2"/>
+                </a:solidFill>
+              </a:defRPr>
+            </a:lvl7pPr>
+            <a:lvl8pPr eaLnBrk="1" hangingPunct="1">
+              <a:defRPr>
+                <a:solidFill>
+                  <a:schemeClr val="tx2"/>
+                </a:solidFill>
+              </a:defRPr>
+            </a:lvl8pPr>
+            <a:lvl9pPr eaLnBrk="1" hangingPunct="1">
+              <a:defRPr>
+                <a:solidFill>
+                  <a:schemeClr val="tx2"/>
+                </a:solidFill>
+              </a:defRPr>
+            </a:lvl9pPr>
+          </a:lstStyle>
+          <a:p>
+            <a:pPr algn="ctr"/>
+            <a:r>
+              <a:rPr lang="en-US" sz="4800" dirty="0" smtClean="0">
+                <a:ln w="0"/>
+                <a:solidFill>
+                  <a:schemeClr val="tx1"/>
+                </a:solidFill>
+                <a:effectLst>
+                  <a:outerShdw blurRad="38100" dist="19050" dir="2700000" algn="tl" rotWithShape="0">
+                    <a:schemeClr val="dk1">
+                      <a:alpha val="40000"/>
+                    </a:schemeClr>
+                  </a:outerShdw>
+                </a:effectLst>
+              </a:rPr>
+              <a:t>Sales By Category</a:t>
+            </a:r>
+            <a:endParaRPr lang="en-US" sz="4800" dirty="0">
+              <a:ln w="0"/>
+              <a:solidFill>
+                <a:schemeClr val="tx1"/>
+              </a:solidFill>
+              <a:effectLst>
+                <a:outerShdw blurRad="38100" dist="19050" dir="2700000" algn="tl" rotWithShape="0">
+                  <a:schemeClr val="dk1">
+                    <a:alpha val="40000"/>
+                  </a:schemeClr>
+                </a:outerShdw>
+              </a:effectLst>
+            </a:endParaRPr>
+          </a:p>
+        </p:txBody>
+      </p:sp>
     </p:spTree>
     <p:extLst>
       <p:ext uri="{BB962C8B-B14F-4D97-AF65-F5344CB8AC3E}">
@@ -41913,7 +43717,12 @@
             <p:ph type="title"/>
           </p:nvPr>
         </p:nvSpPr>
-        <p:spPr/>
+        <p:spPr>
+          <a:xfrm>
+            <a:off x="2095776" y="2230968"/>
+            <a:ext cx="9400807" cy="1280890"/>
+          </a:xfrm>
+        </p:spPr>
         <p:txBody>
           <a:bodyPr>
             <a:normAutofit fontScale="90000"/>
@@ -41922,14 +43731,14 @@
           <a:p>
             <a:r>
               <a:rPr lang="en-US" sz="7300" dirty="0" smtClean="0"/>
-              <a:t>Best Selling Categories in</a:t>
+              <a:t>Sales By Category</a:t>
             </a:r>
             <a:br>
               <a:rPr lang="en-US" sz="7300" dirty="0" smtClean="0"/>
             </a:br>
             <a:r>
               <a:rPr lang="en-US" sz="7300" dirty="0" smtClean="0"/>
-              <a:t>Each Country</a:t>
+              <a:t>By Country</a:t>
             </a:r>
             <a:endParaRPr lang="en-US" dirty="0"/>
           </a:p>
@@ -42031,6 +43840,77 @@
           </a:graphicData>
         </a:graphic>
       </p:graphicFrame>
+      <p:sp>
+        <p:nvSpPr>
+          <p:cNvPr id="6" name="Title 1"/>
+          <p:cNvSpPr>
+            <a:spLocks noGrp="1"/>
+          </p:cNvSpPr>
+          <p:nvPr>
+            <p:ph type="title"/>
+          </p:nvPr>
+        </p:nvSpPr>
+        <p:spPr>
+          <a:xfrm rot="16200000">
+            <a:off x="-2903602" y="3025809"/>
+            <a:ext cx="6858002" cy="806387"/>
+          </a:xfrm>
+        </p:spPr>
+        <p:txBody>
+          <a:bodyPr>
+            <a:noAutofit/>
+          </a:bodyPr>
+          <a:lstStyle/>
+          <a:p>
+            <a:pPr algn="ctr"/>
+            <a:r>
+              <a:rPr lang="en-US" dirty="0" smtClean="0">
+                <a:ln w="0"/>
+                <a:solidFill>
+                  <a:schemeClr val="tx1"/>
+                </a:solidFill>
+                <a:effectLst>
+                  <a:outerShdw blurRad="38100" dist="19050" dir="2700000" algn="tl" rotWithShape="0">
+                    <a:schemeClr val="dk1">
+                      <a:alpha val="40000"/>
+                    </a:schemeClr>
+                  </a:outerShdw>
+                </a:effectLst>
+              </a:rPr>
+              <a:t>Category Sales </a:t>
+            </a:r>
+            <a:r>
+              <a:rPr lang="en-US" dirty="0" smtClean="0">
+                <a:ln w="0"/>
+                <a:solidFill>
+                  <a:schemeClr val="tx1"/>
+                </a:solidFill>
+                <a:effectLst>
+                  <a:outerShdw blurRad="38100" dist="19050" dir="2700000" algn="tl" rotWithShape="0">
+                    <a:schemeClr val="dk1">
+                      <a:alpha val="40000"/>
+                    </a:schemeClr>
+                  </a:outerShdw>
+                </a:effectLst>
+              </a:rPr>
+              <a:t>By Country</a:t>
+            </a:r>
+            <a:endParaRPr lang="en-US" sz="1400" dirty="0">
+              <a:ln w="0"/>
+              <a:solidFill>
+                <a:schemeClr val="tx1"/>
+              </a:solidFill>
+              <a:effectLst>
+                <a:outerShdw blurRad="38100" dist="19050" dir="2700000" algn="tl" rotWithShape="0">
+                  <a:schemeClr val="dk1">
+                    <a:alpha val="40000"/>
+                  </a:schemeClr>
+                </a:outerShdw>
+              </a:effectLst>
+            </a:endParaRPr>
+          </a:p>
+        </p:txBody>
+      </p:sp>
     </p:spTree>
     <p:extLst>
       <p:ext uri="{BB962C8B-B14F-4D97-AF65-F5344CB8AC3E}">

--- a/analysis-phase/Project_2.pptx
+++ b/analysis-phase/Project_2.pptx
@@ -5,7 +5,7 @@
     <p:sldMasterId id="2147483786" r:id="rId1"/>
   </p:sldMasterIdLst>
   <p:notesMasterIdLst>
-    <p:notesMasterId r:id="rId22"/>
+    <p:notesMasterId r:id="rId29"/>
   </p:notesMasterIdLst>
   <p:sldIdLst>
     <p:sldId id="256" r:id="rId2"/>
@@ -24,10 +24,17 @@
     <p:sldId id="267" r:id="rId15"/>
     <p:sldId id="268" r:id="rId16"/>
     <p:sldId id="269" r:id="rId17"/>
-    <p:sldId id="276" r:id="rId18"/>
-    <p:sldId id="260" r:id="rId19"/>
-    <p:sldId id="263" r:id="rId20"/>
-    <p:sldId id="261" r:id="rId21"/>
+    <p:sldId id="283" r:id="rId18"/>
+    <p:sldId id="276" r:id="rId19"/>
+    <p:sldId id="279" r:id="rId20"/>
+    <p:sldId id="260" r:id="rId21"/>
+    <p:sldId id="263" r:id="rId22"/>
+    <p:sldId id="280" r:id="rId23"/>
+    <p:sldId id="282" r:id="rId24"/>
+    <p:sldId id="281" r:id="rId25"/>
+    <p:sldId id="261" r:id="rId26"/>
+    <p:sldId id="278" r:id="rId27"/>
+    <p:sldId id="284" r:id="rId28"/>
   </p:sldIdLst>
   <p:sldSz cx="12192000" cy="6858000"/>
   <p:notesSz cx="6858000" cy="9144000"/>
@@ -16459,6 +16466,402 @@
 </c:chartSpace>
 </file>
 
+<file path=ppt/charts/chart17.xml><?xml version="1.0" encoding="utf-8"?>
+<c:chartSpace xmlns:c="http://schemas.openxmlformats.org/drawingml/2006/chart" xmlns:a="http://schemas.openxmlformats.org/drawingml/2006/main" xmlns:r="http://schemas.openxmlformats.org/officeDocument/2006/relationships" xmlns:c16r2="http://schemas.microsoft.com/office/drawing/2015/06/chart">
+  <c:date1904 val="0"/>
+  <c:lang val="en-US"/>
+  <c:roundedCorners val="0"/>
+  <mc:AlternateContent xmlns:mc="http://schemas.openxmlformats.org/markup-compatibility/2006">
+    <mc:Choice xmlns:c14="http://schemas.microsoft.com/office/drawing/2007/8/2/chart" Requires="c14">
+      <c14:style val="102"/>
+    </mc:Choice>
+    <mc:Fallback>
+      <c:style val="2"/>
+    </mc:Fallback>
+  </mc:AlternateContent>
+  <c:chart>
+    <c:title>
+      <c:tx>
+        <c:rich>
+          <a:bodyPr rot="0" spcFirstLastPara="1" vertOverflow="ellipsis" vert="horz" wrap="square" anchor="ctr" anchorCtr="1"/>
+          <a:lstStyle/>
+          <a:p>
+            <a:pPr>
+              <a:defRPr sz="1400" b="0" i="0" u="none" strike="noStrike" kern="1200" spc="0" baseline="0">
+                <a:solidFill>
+                  <a:schemeClr val="tx1">
+                    <a:lumMod val="65000"/>
+                    <a:lumOff val="35000"/>
+                  </a:schemeClr>
+                </a:solidFill>
+                <a:latin typeface="+mn-lt"/>
+                <a:ea typeface="+mn-ea"/>
+                <a:cs typeface="+mn-cs"/>
+              </a:defRPr>
+            </a:pPr>
+            <a:r>
+              <a:rPr lang="en-US" dirty="0" smtClean="0"/>
+              <a:t>Top 20 Cities By Sales Traffic</a:t>
+            </a:r>
+            <a:endParaRPr lang="en-US" dirty="0"/>
+          </a:p>
+        </c:rich>
+      </c:tx>
+      <c:layout/>
+      <c:overlay val="0"/>
+      <c:spPr>
+        <a:noFill/>
+        <a:ln>
+          <a:noFill/>
+        </a:ln>
+        <a:effectLst/>
+      </c:spPr>
+      <c:txPr>
+        <a:bodyPr rot="0" spcFirstLastPara="1" vertOverflow="ellipsis" vert="horz" wrap="square" anchor="ctr" anchorCtr="1"/>
+        <a:lstStyle/>
+        <a:p>
+          <a:pPr>
+            <a:defRPr sz="1400" b="0" i="0" u="none" strike="noStrike" kern="1200" spc="0" baseline="0">
+              <a:solidFill>
+                <a:schemeClr val="tx1">
+                  <a:lumMod val="65000"/>
+                  <a:lumOff val="35000"/>
+                </a:schemeClr>
+              </a:solidFill>
+              <a:latin typeface="+mn-lt"/>
+              <a:ea typeface="+mn-ea"/>
+              <a:cs typeface="+mn-cs"/>
+            </a:defRPr>
+          </a:pPr>
+          <a:endParaRPr lang="en-US"/>
+        </a:p>
+      </c:txPr>
+    </c:title>
+    <c:autoTitleDeleted val="0"/>
+    <c:plotArea>
+      <c:layout/>
+      <c:barChart>
+        <c:barDir val="col"/>
+        <c:grouping val="clustered"/>
+        <c:varyColors val="0"/>
+        <c:ser>
+          <c:idx val="0"/>
+          <c:order val="0"/>
+          <c:spPr>
+            <a:solidFill>
+              <a:schemeClr val="accent1"/>
+            </a:solidFill>
+            <a:ln>
+              <a:noFill/>
+            </a:ln>
+            <a:effectLst/>
+          </c:spPr>
+          <c:invertIfNegative val="0"/>
+          <c:cat>
+            <c:strRef>
+              <c:f>'[sales_by_city_top_20.xlsx]part-00000-89dfce93-6e68-4e4c-b'!$A$2:$A$21</c:f>
+              <c:strCache>
+                <c:ptCount val="20"/>
+                <c:pt idx="0">
+                  <c:v>부여군 (Buyeo-gun)</c:v>
+                </c:pt>
+                <c:pt idx="1">
+                  <c:v>제천시 (Jecheon-si)</c:v>
+                </c:pt>
+                <c:pt idx="2">
+                  <c:v>광명시 (Gwangmyeong-si)</c:v>
+                </c:pt>
+                <c:pt idx="3">
+                  <c:v>練馬区 (Nerima City)</c:v>
+                </c:pt>
+                <c:pt idx="4">
+                  <c:v>여주시 (Yeoju-gun)</c:v>
+                </c:pt>
+                <c:pt idx="5">
+                  <c:v>인제군 (Inje-gun)</c:v>
+                </c:pt>
+                <c:pt idx="6">
+                  <c:v>Bayamon</c:v>
+                </c:pt>
+                <c:pt idx="7">
+                  <c:v>동해시 (Donghae-si)</c:v>
+                </c:pt>
+                <c:pt idx="8">
+                  <c:v>태백시 (Taebaek-si)</c:v>
+                </c:pt>
+                <c:pt idx="9">
+                  <c:v>홍성군 (Hongseong-gun)</c:v>
+                </c:pt>
+                <c:pt idx="10">
+                  <c:v>천안시 서북구 (Seobuk-gu)</c:v>
+                </c:pt>
+                <c:pt idx="11">
+                  <c:v>성남시 분당구 (Bundang-gu)</c:v>
+                </c:pt>
+                <c:pt idx="12">
+                  <c:v>삼척시 (Samcheok-si)</c:v>
+                </c:pt>
+                <c:pt idx="13">
+                  <c:v>부천시 소사구 (Sosa-gu)</c:v>
+                </c:pt>
+                <c:pt idx="14">
+                  <c:v>부천시 오정구 (Ojeong-dong)</c:v>
+                </c:pt>
+                <c:pt idx="15">
+                  <c:v>의왕시 (Uiwang-si )</c:v>
+                </c:pt>
+                <c:pt idx="16">
+                  <c:v>옥천군 (Okcheon-gun)</c:v>
+                </c:pt>
+                <c:pt idx="17">
+                  <c:v>印西市 (Inzai)</c:v>
+                </c:pt>
+                <c:pt idx="18">
+                  <c:v>수원시 (Suwon-si)</c:v>
+                </c:pt>
+                <c:pt idx="19">
+                  <c:v>小金井市 (Koganei)</c:v>
+                </c:pt>
+              </c:strCache>
+            </c:strRef>
+          </c:cat>
+          <c:val>
+            <c:numRef>
+              <c:f>'[sales_by_city_top_20.xlsx]part-00000-89dfce93-6e68-4e4c-b'!$B$2:$B$21</c:f>
+              <c:numCache>
+                <c:formatCode>General</c:formatCode>
+                <c:ptCount val="20"/>
+                <c:pt idx="0">
+                  <c:v>82</c:v>
+                </c:pt>
+                <c:pt idx="1">
+                  <c:v>79</c:v>
+                </c:pt>
+                <c:pt idx="2">
+                  <c:v>79</c:v>
+                </c:pt>
+                <c:pt idx="3">
+                  <c:v>76</c:v>
+                </c:pt>
+                <c:pt idx="4">
+                  <c:v>74</c:v>
+                </c:pt>
+                <c:pt idx="5">
+                  <c:v>72</c:v>
+                </c:pt>
+                <c:pt idx="6">
+                  <c:v>71</c:v>
+                </c:pt>
+                <c:pt idx="7">
+                  <c:v>70</c:v>
+                </c:pt>
+                <c:pt idx="8">
+                  <c:v>68</c:v>
+                </c:pt>
+                <c:pt idx="9">
+                  <c:v>67</c:v>
+                </c:pt>
+                <c:pt idx="10">
+                  <c:v>65</c:v>
+                </c:pt>
+                <c:pt idx="11">
+                  <c:v>65</c:v>
+                </c:pt>
+                <c:pt idx="12">
+                  <c:v>64</c:v>
+                </c:pt>
+                <c:pt idx="13">
+                  <c:v>64</c:v>
+                </c:pt>
+                <c:pt idx="14">
+                  <c:v>64</c:v>
+                </c:pt>
+                <c:pt idx="15">
+                  <c:v>63</c:v>
+                </c:pt>
+                <c:pt idx="16">
+                  <c:v>62</c:v>
+                </c:pt>
+                <c:pt idx="17">
+                  <c:v>61</c:v>
+                </c:pt>
+                <c:pt idx="18">
+                  <c:v>61</c:v>
+                </c:pt>
+                <c:pt idx="19">
+                  <c:v>61</c:v>
+                </c:pt>
+              </c:numCache>
+            </c:numRef>
+          </c:val>
+          <c:extLst>
+            <c:ext xmlns:c16="http://schemas.microsoft.com/office/drawing/2014/chart" uri="{C3380CC4-5D6E-409C-BE32-E72D297353CC}">
+              <c16:uniqueId val="{00000000-6597-4011-A1E4-CB8FCC807C3C}"/>
+            </c:ext>
+          </c:extLst>
+        </c:ser>
+        <c:dLbls>
+          <c:showLegendKey val="0"/>
+          <c:showVal val="0"/>
+          <c:showCatName val="0"/>
+          <c:showSerName val="0"/>
+          <c:showPercent val="0"/>
+          <c:showBubbleSize val="0"/>
+        </c:dLbls>
+        <c:gapWidth val="219"/>
+        <c:overlap val="-27"/>
+        <c:axId val="194385519"/>
+        <c:axId val="194385935"/>
+      </c:barChart>
+      <c:catAx>
+        <c:axId val="194385519"/>
+        <c:scaling>
+          <c:orientation val="minMax"/>
+        </c:scaling>
+        <c:delete val="0"/>
+        <c:axPos val="b"/>
+        <c:numFmt formatCode="General" sourceLinked="1"/>
+        <c:majorTickMark val="none"/>
+        <c:minorTickMark val="none"/>
+        <c:tickLblPos val="nextTo"/>
+        <c:spPr>
+          <a:noFill/>
+          <a:ln w="9525" cap="flat" cmpd="sng" algn="ctr">
+            <a:solidFill>
+              <a:schemeClr val="tx1">
+                <a:lumMod val="15000"/>
+                <a:lumOff val="85000"/>
+              </a:schemeClr>
+            </a:solidFill>
+            <a:round/>
+          </a:ln>
+          <a:effectLst/>
+        </c:spPr>
+        <c:txPr>
+          <a:bodyPr rot="-60000000" spcFirstLastPara="1" vertOverflow="ellipsis" vert="horz" wrap="square" anchor="ctr" anchorCtr="1"/>
+          <a:lstStyle/>
+          <a:p>
+            <a:pPr>
+              <a:defRPr sz="900" b="0" i="0" u="none" strike="noStrike" kern="1200" baseline="0">
+                <a:solidFill>
+                  <a:schemeClr val="tx1">
+                    <a:lumMod val="65000"/>
+                    <a:lumOff val="35000"/>
+                  </a:schemeClr>
+                </a:solidFill>
+                <a:latin typeface="+mn-lt"/>
+                <a:ea typeface="+mn-ea"/>
+                <a:cs typeface="+mn-cs"/>
+              </a:defRPr>
+            </a:pPr>
+            <a:endParaRPr lang="en-US"/>
+          </a:p>
+        </c:txPr>
+        <c:crossAx val="194385935"/>
+        <c:crosses val="autoZero"/>
+        <c:auto val="1"/>
+        <c:lblAlgn val="ctr"/>
+        <c:lblOffset val="100"/>
+        <c:noMultiLvlLbl val="0"/>
+      </c:catAx>
+      <c:valAx>
+        <c:axId val="194385935"/>
+        <c:scaling>
+          <c:orientation val="minMax"/>
+        </c:scaling>
+        <c:delete val="0"/>
+        <c:axPos val="l"/>
+        <c:majorGridlines>
+          <c:spPr>
+            <a:ln w="9525" cap="flat" cmpd="sng" algn="ctr">
+              <a:solidFill>
+                <a:schemeClr val="tx1">
+                  <a:lumMod val="15000"/>
+                  <a:lumOff val="85000"/>
+                </a:schemeClr>
+              </a:solidFill>
+              <a:round/>
+            </a:ln>
+            <a:effectLst/>
+          </c:spPr>
+        </c:majorGridlines>
+        <c:numFmt formatCode="General" sourceLinked="1"/>
+        <c:majorTickMark val="none"/>
+        <c:minorTickMark val="none"/>
+        <c:tickLblPos val="nextTo"/>
+        <c:spPr>
+          <a:noFill/>
+          <a:ln>
+            <a:noFill/>
+          </a:ln>
+          <a:effectLst/>
+        </c:spPr>
+        <c:txPr>
+          <a:bodyPr rot="-60000000" spcFirstLastPara="1" vertOverflow="ellipsis" vert="horz" wrap="square" anchor="ctr" anchorCtr="1"/>
+          <a:lstStyle/>
+          <a:p>
+            <a:pPr>
+              <a:defRPr sz="900" b="0" i="0" u="none" strike="noStrike" kern="1200" baseline="0">
+                <a:solidFill>
+                  <a:schemeClr val="tx1">
+                    <a:lumMod val="65000"/>
+                    <a:lumOff val="35000"/>
+                  </a:schemeClr>
+                </a:solidFill>
+                <a:latin typeface="+mn-lt"/>
+                <a:ea typeface="+mn-ea"/>
+                <a:cs typeface="+mn-cs"/>
+              </a:defRPr>
+            </a:pPr>
+            <a:endParaRPr lang="en-US"/>
+          </a:p>
+        </c:txPr>
+        <c:crossAx val="194385519"/>
+        <c:crosses val="autoZero"/>
+        <c:crossBetween val="between"/>
+      </c:valAx>
+      <c:spPr>
+        <a:noFill/>
+        <a:ln>
+          <a:noFill/>
+        </a:ln>
+        <a:effectLst/>
+      </c:spPr>
+    </c:plotArea>
+    <c:plotVisOnly val="1"/>
+    <c:dispBlanksAs val="gap"/>
+    <c:showDLblsOverMax val="0"/>
+    <c:extLst>
+      <c:ext xmlns:c16r3="http://schemas.microsoft.com/office/drawing/2017/03/chart" uri="{56B9EC1D-385E-4148-901F-78D8002777C0}">
+        <c16r3:dataDisplayOptions16>
+          <c16r3:dispNaAsBlank val="1"/>
+        </c16r3:dataDisplayOptions16>
+      </c:ext>
+    </c:extLst>
+  </c:chart>
+  <c:spPr>
+    <a:noFill/>
+    <a:ln>
+      <a:noFill/>
+    </a:ln>
+    <a:effectLst/>
+  </c:spPr>
+  <c:txPr>
+    <a:bodyPr/>
+    <a:lstStyle/>
+    <a:p>
+      <a:pPr>
+        <a:defRPr/>
+      </a:pPr>
+      <a:endParaRPr lang="en-US"/>
+    </a:p>
+  </c:txPr>
+  <c:externalData r:id="rId3">
+    <c:autoUpdate val="0"/>
+  </c:externalData>
+</c:chartSpace>
+</file>
+
 <file path=ppt/charts/chart2.xml><?xml version="1.0" encoding="utf-8"?>
 <c:chartSpace xmlns:c="http://schemas.openxmlformats.org/drawingml/2006/chart" xmlns:a="http://schemas.openxmlformats.org/drawingml/2006/main" xmlns:r="http://schemas.openxmlformats.org/officeDocument/2006/relationships" xmlns:c16r2="http://schemas.microsoft.com/office/drawing/2015/06/chart">
   <c:date1904 val="0"/>
@@ -22628,6 +23031,46 @@
 </cs:colorStyle>
 </file>
 
+<file path=ppt/charts/colors17.xml><?xml version="1.0" encoding="utf-8"?>
+<cs:colorStyle xmlns:cs="http://schemas.microsoft.com/office/drawing/2012/chartStyle" xmlns:a="http://schemas.openxmlformats.org/drawingml/2006/main" meth="cycle" id="10">
+  <a:schemeClr val="accent1"/>
+  <a:schemeClr val="accent2"/>
+  <a:schemeClr val="accent3"/>
+  <a:schemeClr val="accent4"/>
+  <a:schemeClr val="accent5"/>
+  <a:schemeClr val="accent6"/>
+  <cs:variation/>
+  <cs:variation>
+    <a:lumMod val="60000"/>
+  </cs:variation>
+  <cs:variation>
+    <a:lumMod val="80000"/>
+    <a:lumOff val="20000"/>
+  </cs:variation>
+  <cs:variation>
+    <a:lumMod val="80000"/>
+  </cs:variation>
+  <cs:variation>
+    <a:lumMod val="60000"/>
+    <a:lumOff val="40000"/>
+  </cs:variation>
+  <cs:variation>
+    <a:lumMod val="50000"/>
+  </cs:variation>
+  <cs:variation>
+    <a:lumMod val="70000"/>
+    <a:lumOff val="30000"/>
+  </cs:variation>
+  <cs:variation>
+    <a:lumMod val="70000"/>
+  </cs:variation>
+  <cs:variation>
+    <a:lumMod val="50000"/>
+    <a:lumOff val="50000"/>
+  </cs:variation>
+</cs:colorStyle>
+</file>
+
 <file path=ppt/charts/colors2.xml><?xml version="1.0" encoding="utf-8"?>
 <cs:colorStyle xmlns:cs="http://schemas.microsoft.com/office/drawing/2012/chartStyle" xmlns:a="http://schemas.openxmlformats.org/drawingml/2006/main" meth="cycle" id="10">
   <a:schemeClr val="accent1"/>
@@ -26538,6 +26981,509 @@
 </file>
 
 <file path=ppt/charts/style16.xml><?xml version="1.0" encoding="utf-8"?>
+<cs:chartStyle xmlns:cs="http://schemas.microsoft.com/office/drawing/2012/chartStyle" xmlns:a="http://schemas.openxmlformats.org/drawingml/2006/main" id="201">
+  <cs:axisTitle>
+    <cs:lnRef idx="0"/>
+    <cs:fillRef idx="0"/>
+    <cs:effectRef idx="0"/>
+    <cs:fontRef idx="minor">
+      <a:schemeClr val="tx1">
+        <a:lumMod val="65000"/>
+        <a:lumOff val="35000"/>
+      </a:schemeClr>
+    </cs:fontRef>
+    <cs:defRPr sz="1000" kern="1200"/>
+  </cs:axisTitle>
+  <cs:categoryAxis>
+    <cs:lnRef idx="0"/>
+    <cs:fillRef idx="0"/>
+    <cs:effectRef idx="0"/>
+    <cs:fontRef idx="minor">
+      <a:schemeClr val="tx1">
+        <a:lumMod val="65000"/>
+        <a:lumOff val="35000"/>
+      </a:schemeClr>
+    </cs:fontRef>
+    <cs:spPr>
+      <a:ln w="9525" cap="flat" cmpd="sng" algn="ctr">
+        <a:solidFill>
+          <a:schemeClr val="tx1">
+            <a:lumMod val="15000"/>
+            <a:lumOff val="85000"/>
+          </a:schemeClr>
+        </a:solidFill>
+        <a:round/>
+      </a:ln>
+    </cs:spPr>
+    <cs:defRPr sz="900" kern="1200"/>
+  </cs:categoryAxis>
+  <cs:chartArea mods="allowNoFillOverride allowNoLineOverride">
+    <cs:lnRef idx="0"/>
+    <cs:fillRef idx="0"/>
+    <cs:effectRef idx="0"/>
+    <cs:fontRef idx="minor">
+      <a:schemeClr val="tx1"/>
+    </cs:fontRef>
+    <cs:spPr>
+      <a:solidFill>
+        <a:schemeClr val="bg1"/>
+      </a:solidFill>
+      <a:ln w="9525" cap="flat" cmpd="sng" algn="ctr">
+        <a:solidFill>
+          <a:schemeClr val="tx1">
+            <a:lumMod val="15000"/>
+            <a:lumOff val="85000"/>
+          </a:schemeClr>
+        </a:solidFill>
+        <a:round/>
+      </a:ln>
+    </cs:spPr>
+    <cs:defRPr sz="1000" kern="1200"/>
+  </cs:chartArea>
+  <cs:dataLabel>
+    <cs:lnRef idx="0"/>
+    <cs:fillRef idx="0"/>
+    <cs:effectRef idx="0"/>
+    <cs:fontRef idx="minor">
+      <a:schemeClr val="tx1">
+        <a:lumMod val="75000"/>
+        <a:lumOff val="25000"/>
+      </a:schemeClr>
+    </cs:fontRef>
+    <cs:defRPr sz="900" kern="1200"/>
+  </cs:dataLabel>
+  <cs:dataLabelCallout>
+    <cs:lnRef idx="0"/>
+    <cs:fillRef idx="0"/>
+    <cs:effectRef idx="0"/>
+    <cs:fontRef idx="minor">
+      <a:schemeClr val="dk1">
+        <a:lumMod val="65000"/>
+        <a:lumOff val="35000"/>
+      </a:schemeClr>
+    </cs:fontRef>
+    <cs:spPr>
+      <a:solidFill>
+        <a:schemeClr val="lt1"/>
+      </a:solidFill>
+      <a:ln>
+        <a:solidFill>
+          <a:schemeClr val="dk1">
+            <a:lumMod val="25000"/>
+            <a:lumOff val="75000"/>
+          </a:schemeClr>
+        </a:solidFill>
+      </a:ln>
+    </cs:spPr>
+    <cs:defRPr sz="900" kern="1200"/>
+    <cs:bodyPr rot="0" spcFirstLastPara="1" vertOverflow="clip" horzOverflow="clip" vert="horz" wrap="square" lIns="36576" tIns="18288" rIns="36576" bIns="18288" anchor="ctr" anchorCtr="1">
+      <a:spAutoFit/>
+    </cs:bodyPr>
+  </cs:dataLabelCallout>
+  <cs:dataPoint>
+    <cs:lnRef idx="0"/>
+    <cs:fillRef idx="1">
+      <cs:styleClr val="auto"/>
+    </cs:fillRef>
+    <cs:effectRef idx="0"/>
+    <cs:fontRef idx="minor">
+      <a:schemeClr val="tx1"/>
+    </cs:fontRef>
+  </cs:dataPoint>
+  <cs:dataPoint3D>
+    <cs:lnRef idx="0"/>
+    <cs:fillRef idx="1">
+      <cs:styleClr val="auto"/>
+    </cs:fillRef>
+    <cs:effectRef idx="0"/>
+    <cs:fontRef idx="minor">
+      <a:schemeClr val="tx1"/>
+    </cs:fontRef>
+  </cs:dataPoint3D>
+  <cs:dataPointLine>
+    <cs:lnRef idx="0">
+      <cs:styleClr val="auto"/>
+    </cs:lnRef>
+    <cs:fillRef idx="1"/>
+    <cs:effectRef idx="0"/>
+    <cs:fontRef idx="minor">
+      <a:schemeClr val="tx1"/>
+    </cs:fontRef>
+    <cs:spPr>
+      <a:ln w="28575" cap="rnd">
+        <a:solidFill>
+          <a:schemeClr val="phClr"/>
+        </a:solidFill>
+        <a:round/>
+      </a:ln>
+    </cs:spPr>
+  </cs:dataPointLine>
+  <cs:dataPointMarker>
+    <cs:lnRef idx="0">
+      <cs:styleClr val="auto"/>
+    </cs:lnRef>
+    <cs:fillRef idx="1">
+      <cs:styleClr val="auto"/>
+    </cs:fillRef>
+    <cs:effectRef idx="0"/>
+    <cs:fontRef idx="minor">
+      <a:schemeClr val="tx1"/>
+    </cs:fontRef>
+    <cs:spPr>
+      <a:ln w="9525">
+        <a:solidFill>
+          <a:schemeClr val="phClr"/>
+        </a:solidFill>
+      </a:ln>
+    </cs:spPr>
+  </cs:dataPointMarker>
+  <cs:dataPointMarkerLayout symbol="circle" size="5"/>
+  <cs:dataPointWireframe>
+    <cs:lnRef idx="0">
+      <cs:styleClr val="auto"/>
+    </cs:lnRef>
+    <cs:fillRef idx="1"/>
+    <cs:effectRef idx="0"/>
+    <cs:fontRef idx="minor">
+      <a:schemeClr val="tx1"/>
+    </cs:fontRef>
+    <cs:spPr>
+      <a:ln w="9525" cap="rnd">
+        <a:solidFill>
+          <a:schemeClr val="phClr"/>
+        </a:solidFill>
+        <a:round/>
+      </a:ln>
+    </cs:spPr>
+  </cs:dataPointWireframe>
+  <cs:dataTable>
+    <cs:lnRef idx="0"/>
+    <cs:fillRef idx="0"/>
+    <cs:effectRef idx="0"/>
+    <cs:fontRef idx="minor">
+      <a:schemeClr val="tx1">
+        <a:lumMod val="65000"/>
+        <a:lumOff val="35000"/>
+      </a:schemeClr>
+    </cs:fontRef>
+    <cs:spPr>
+      <a:noFill/>
+      <a:ln w="9525" cap="flat" cmpd="sng" algn="ctr">
+        <a:solidFill>
+          <a:schemeClr val="tx1">
+            <a:lumMod val="15000"/>
+            <a:lumOff val="85000"/>
+          </a:schemeClr>
+        </a:solidFill>
+        <a:round/>
+      </a:ln>
+    </cs:spPr>
+    <cs:defRPr sz="900" kern="1200"/>
+  </cs:dataTable>
+  <cs:downBar>
+    <cs:lnRef idx="0"/>
+    <cs:fillRef idx="0"/>
+    <cs:effectRef idx="0"/>
+    <cs:fontRef idx="minor">
+      <a:schemeClr val="dk1"/>
+    </cs:fontRef>
+    <cs:spPr>
+      <a:solidFill>
+        <a:schemeClr val="dk1">
+          <a:lumMod val="65000"/>
+          <a:lumOff val="35000"/>
+        </a:schemeClr>
+      </a:solidFill>
+      <a:ln w="9525">
+        <a:solidFill>
+          <a:schemeClr val="tx1">
+            <a:lumMod val="65000"/>
+            <a:lumOff val="35000"/>
+          </a:schemeClr>
+        </a:solidFill>
+      </a:ln>
+    </cs:spPr>
+  </cs:downBar>
+  <cs:dropLine>
+    <cs:lnRef idx="0"/>
+    <cs:fillRef idx="0"/>
+    <cs:effectRef idx="0"/>
+    <cs:fontRef idx="minor">
+      <a:schemeClr val="tx1"/>
+    </cs:fontRef>
+    <cs:spPr>
+      <a:ln w="9525" cap="flat" cmpd="sng" algn="ctr">
+        <a:solidFill>
+          <a:schemeClr val="tx1">
+            <a:lumMod val="35000"/>
+            <a:lumOff val="65000"/>
+          </a:schemeClr>
+        </a:solidFill>
+        <a:round/>
+      </a:ln>
+    </cs:spPr>
+  </cs:dropLine>
+  <cs:errorBar>
+    <cs:lnRef idx="0"/>
+    <cs:fillRef idx="0"/>
+    <cs:effectRef idx="0"/>
+    <cs:fontRef idx="minor">
+      <a:schemeClr val="tx1"/>
+    </cs:fontRef>
+    <cs:spPr>
+      <a:ln w="9525" cap="flat" cmpd="sng" algn="ctr">
+        <a:solidFill>
+          <a:schemeClr val="tx1">
+            <a:lumMod val="65000"/>
+            <a:lumOff val="35000"/>
+          </a:schemeClr>
+        </a:solidFill>
+        <a:round/>
+      </a:ln>
+    </cs:spPr>
+  </cs:errorBar>
+  <cs:floor>
+    <cs:lnRef idx="0"/>
+    <cs:fillRef idx="0"/>
+    <cs:effectRef idx="0"/>
+    <cs:fontRef idx="minor">
+      <a:schemeClr val="tx1"/>
+    </cs:fontRef>
+    <cs:spPr>
+      <a:noFill/>
+      <a:ln>
+        <a:noFill/>
+      </a:ln>
+    </cs:spPr>
+  </cs:floor>
+  <cs:gridlineMajor>
+    <cs:lnRef idx="0"/>
+    <cs:fillRef idx="0"/>
+    <cs:effectRef idx="0"/>
+    <cs:fontRef idx="minor">
+      <a:schemeClr val="tx1"/>
+    </cs:fontRef>
+    <cs:spPr>
+      <a:ln w="9525" cap="flat" cmpd="sng" algn="ctr">
+        <a:solidFill>
+          <a:schemeClr val="tx1">
+            <a:lumMod val="15000"/>
+            <a:lumOff val="85000"/>
+          </a:schemeClr>
+        </a:solidFill>
+        <a:round/>
+      </a:ln>
+    </cs:spPr>
+  </cs:gridlineMajor>
+  <cs:gridlineMinor>
+    <cs:lnRef idx="0"/>
+    <cs:fillRef idx="0"/>
+    <cs:effectRef idx="0"/>
+    <cs:fontRef idx="minor">
+      <a:schemeClr val="tx1"/>
+    </cs:fontRef>
+    <cs:spPr>
+      <a:ln w="9525" cap="flat" cmpd="sng" algn="ctr">
+        <a:solidFill>
+          <a:schemeClr val="tx1">
+            <a:lumMod val="5000"/>
+            <a:lumOff val="95000"/>
+          </a:schemeClr>
+        </a:solidFill>
+        <a:round/>
+      </a:ln>
+    </cs:spPr>
+  </cs:gridlineMinor>
+  <cs:hiLoLine>
+    <cs:lnRef idx="0"/>
+    <cs:fillRef idx="0"/>
+    <cs:effectRef idx="0"/>
+    <cs:fontRef idx="minor">
+      <a:schemeClr val="tx1"/>
+    </cs:fontRef>
+    <cs:spPr>
+      <a:ln w="9525" cap="flat" cmpd="sng" algn="ctr">
+        <a:solidFill>
+          <a:schemeClr val="tx1">
+            <a:lumMod val="75000"/>
+            <a:lumOff val="25000"/>
+          </a:schemeClr>
+        </a:solidFill>
+        <a:round/>
+      </a:ln>
+    </cs:spPr>
+  </cs:hiLoLine>
+  <cs:leaderLine>
+    <cs:lnRef idx="0"/>
+    <cs:fillRef idx="0"/>
+    <cs:effectRef idx="0"/>
+    <cs:fontRef idx="minor">
+      <a:schemeClr val="tx1"/>
+    </cs:fontRef>
+    <cs:spPr>
+      <a:ln w="9525" cap="flat" cmpd="sng" algn="ctr">
+        <a:solidFill>
+          <a:schemeClr val="tx1">
+            <a:lumMod val="35000"/>
+            <a:lumOff val="65000"/>
+          </a:schemeClr>
+        </a:solidFill>
+        <a:round/>
+      </a:ln>
+    </cs:spPr>
+  </cs:leaderLine>
+  <cs:legend>
+    <cs:lnRef idx="0"/>
+    <cs:fillRef idx="0"/>
+    <cs:effectRef idx="0"/>
+    <cs:fontRef idx="minor">
+      <a:schemeClr val="tx1">
+        <a:lumMod val="65000"/>
+        <a:lumOff val="35000"/>
+      </a:schemeClr>
+    </cs:fontRef>
+    <cs:defRPr sz="900" kern="1200"/>
+  </cs:legend>
+  <cs:plotArea mods="allowNoFillOverride allowNoLineOverride">
+    <cs:lnRef idx="0"/>
+    <cs:fillRef idx="0"/>
+    <cs:effectRef idx="0"/>
+    <cs:fontRef idx="minor">
+      <a:schemeClr val="tx1"/>
+    </cs:fontRef>
+  </cs:plotArea>
+  <cs:plotArea3D mods="allowNoFillOverride allowNoLineOverride">
+    <cs:lnRef idx="0"/>
+    <cs:fillRef idx="0"/>
+    <cs:effectRef idx="0"/>
+    <cs:fontRef idx="minor">
+      <a:schemeClr val="tx1"/>
+    </cs:fontRef>
+  </cs:plotArea3D>
+  <cs:seriesAxis>
+    <cs:lnRef idx="0"/>
+    <cs:fillRef idx="0"/>
+    <cs:effectRef idx="0"/>
+    <cs:fontRef idx="minor">
+      <a:schemeClr val="tx1">
+        <a:lumMod val="65000"/>
+        <a:lumOff val="35000"/>
+      </a:schemeClr>
+    </cs:fontRef>
+    <cs:defRPr sz="900" kern="1200"/>
+  </cs:seriesAxis>
+  <cs:seriesLine>
+    <cs:lnRef idx="0"/>
+    <cs:fillRef idx="0"/>
+    <cs:effectRef idx="0"/>
+    <cs:fontRef idx="minor">
+      <a:schemeClr val="tx1"/>
+    </cs:fontRef>
+    <cs:spPr>
+      <a:ln w="9525" cap="flat" cmpd="sng" algn="ctr">
+        <a:solidFill>
+          <a:schemeClr val="tx1">
+            <a:lumMod val="35000"/>
+            <a:lumOff val="65000"/>
+          </a:schemeClr>
+        </a:solidFill>
+        <a:round/>
+      </a:ln>
+    </cs:spPr>
+  </cs:seriesLine>
+  <cs:title>
+    <cs:lnRef idx="0"/>
+    <cs:fillRef idx="0"/>
+    <cs:effectRef idx="0"/>
+    <cs:fontRef idx="minor">
+      <a:schemeClr val="tx1">
+        <a:lumMod val="65000"/>
+        <a:lumOff val="35000"/>
+      </a:schemeClr>
+    </cs:fontRef>
+    <cs:defRPr sz="1400" b="0" kern="1200" spc="0" baseline="0"/>
+  </cs:title>
+  <cs:trendline>
+    <cs:lnRef idx="0">
+      <cs:styleClr val="auto"/>
+    </cs:lnRef>
+    <cs:fillRef idx="0"/>
+    <cs:effectRef idx="0"/>
+    <cs:fontRef idx="minor">
+      <a:schemeClr val="tx1"/>
+    </cs:fontRef>
+    <cs:spPr>
+      <a:ln w="19050" cap="rnd">
+        <a:solidFill>
+          <a:schemeClr val="phClr"/>
+        </a:solidFill>
+        <a:prstDash val="sysDot"/>
+      </a:ln>
+    </cs:spPr>
+  </cs:trendline>
+  <cs:trendlineLabel>
+    <cs:lnRef idx="0"/>
+    <cs:fillRef idx="0"/>
+    <cs:effectRef idx="0"/>
+    <cs:fontRef idx="minor">
+      <a:schemeClr val="tx1">
+        <a:lumMod val="65000"/>
+        <a:lumOff val="35000"/>
+      </a:schemeClr>
+    </cs:fontRef>
+    <cs:defRPr sz="900" kern="1200"/>
+  </cs:trendlineLabel>
+  <cs:upBar>
+    <cs:lnRef idx="0"/>
+    <cs:fillRef idx="0"/>
+    <cs:effectRef idx="0"/>
+    <cs:fontRef idx="minor">
+      <a:schemeClr val="dk1"/>
+    </cs:fontRef>
+    <cs:spPr>
+      <a:solidFill>
+        <a:schemeClr val="lt1"/>
+      </a:solidFill>
+      <a:ln w="9525">
+        <a:solidFill>
+          <a:schemeClr val="tx1">
+            <a:lumMod val="15000"/>
+            <a:lumOff val="85000"/>
+          </a:schemeClr>
+        </a:solidFill>
+      </a:ln>
+    </cs:spPr>
+  </cs:upBar>
+  <cs:valueAxis>
+    <cs:lnRef idx="0"/>
+    <cs:fillRef idx="0"/>
+    <cs:effectRef idx="0"/>
+    <cs:fontRef idx="minor">
+      <a:schemeClr val="tx1">
+        <a:lumMod val="65000"/>
+        <a:lumOff val="35000"/>
+      </a:schemeClr>
+    </cs:fontRef>
+    <cs:defRPr sz="900" kern="1200"/>
+  </cs:valueAxis>
+  <cs:wall>
+    <cs:lnRef idx="0"/>
+    <cs:fillRef idx="0"/>
+    <cs:effectRef idx="0"/>
+    <cs:fontRef idx="minor">
+      <a:schemeClr val="tx1"/>
+    </cs:fontRef>
+    <cs:spPr>
+      <a:noFill/>
+      <a:ln>
+        <a:noFill/>
+      </a:ln>
+    </cs:spPr>
+  </cs:wall>
+</cs:chartStyle>
+</file>
+
+<file path=ppt/charts/style17.xml><?xml version="1.0" encoding="utf-8"?>
 <cs:chartStyle xmlns:cs="http://schemas.microsoft.com/office/drawing/2012/chartStyle" xmlns:a="http://schemas.openxmlformats.org/drawingml/2006/main" id="201">
   <cs:axisTitle>
     <cs:lnRef idx="0"/>
@@ -31494,7 +32440,7 @@
           <a:p>
             <a:fld id="{3F56D885-7C33-4D19-86EB-B0B2792B0292}" type="slidenum">
               <a:rPr lang="en-US" smtClean="0"/>
-              <a:t>18</a:t>
+              <a:t>20</a:t>
             </a:fld>
             <a:endParaRPr lang="en-US"/>
           </a:p>
@@ -39775,6 +40721,109 @@
       </p:grpSpPr>
       <p:sp>
         <p:nvSpPr>
+          <p:cNvPr id="3" name="Content Placeholder 2"/>
+          <p:cNvSpPr>
+            <a:spLocks noGrp="1"/>
+          </p:cNvSpPr>
+          <p:nvPr>
+            <p:ph idx="1"/>
+          </p:nvPr>
+        </p:nvSpPr>
+        <p:spPr>
+          <a:xfrm>
+            <a:off x="2589212" y="497149"/>
+            <a:ext cx="8915400" cy="5939161"/>
+          </a:xfrm>
+        </p:spPr>
+        <p:txBody>
+          <a:bodyPr>
+            <a:normAutofit/>
+          </a:bodyPr>
+          <a:lstStyle/>
+          <a:p>
+            <a:pPr>
+              <a:spcBef>
+                <a:spcPts val="4200"/>
+              </a:spcBef>
+            </a:pPr>
+            <a:r>
+              <a:rPr lang="en-US" sz="2000" dirty="0" smtClean="0"/>
+              <a:t>Across the board, all products become far more popular towards the end of the year, regardless of category, price, or item. Once the new year arrives, this popularity plummets.</a:t>
+            </a:r>
+          </a:p>
+          <a:p>
+            <a:pPr>
+              <a:spcBef>
+                <a:spcPts val="4200"/>
+              </a:spcBef>
+            </a:pPr>
+            <a:r>
+              <a:rPr lang="en-US" sz="2000" dirty="0" smtClean="0"/>
+              <a:t>This coincides with the Holiday season, in which many people across many cultures shop more often than usual.</a:t>
+            </a:r>
+          </a:p>
+          <a:p>
+            <a:pPr>
+              <a:spcBef>
+                <a:spcPts val="4200"/>
+              </a:spcBef>
+            </a:pPr>
+            <a:r>
+              <a:rPr lang="en-US" sz="2000" dirty="0" smtClean="0"/>
+              <a:t>Most products experience a summer bump as well, though not as large as the fall/winter bump.</a:t>
+            </a:r>
+          </a:p>
+          <a:p>
+            <a:pPr>
+              <a:spcBef>
+                <a:spcPts val="4200"/>
+              </a:spcBef>
+            </a:pPr>
+            <a:r>
+              <a:rPr lang="en-US" sz="2000" dirty="0" smtClean="0"/>
+              <a:t>There is a minor spring bump for some products, though this is inconsistent within different product categories. For instance, this is fairly noticeable with school supplies and furniture, but almost non-existent with technology and clothing.</a:t>
+            </a:r>
+          </a:p>
+          <a:p>
+            <a:endParaRPr lang="en-US" dirty="0" smtClean="0"/>
+          </a:p>
+          <a:p>
+            <a:endParaRPr lang="en-US" dirty="0"/>
+          </a:p>
+        </p:txBody>
+      </p:sp>
+    </p:spTree>
+    <p:extLst>
+      <p:ext uri="{BB962C8B-B14F-4D97-AF65-F5344CB8AC3E}">
+        <p14:creationId xmlns:p14="http://schemas.microsoft.com/office/powerpoint/2010/main" val="2523513318"/>
+      </p:ext>
+    </p:extLst>
+  </p:cSld>
+  <p:clrMapOvr>
+    <a:masterClrMapping/>
+  </p:clrMapOvr>
+</p:sld>
+</file>
+
+<file path=ppt/slides/slide18.xml><?xml version="1.0" encoding="utf-8"?>
+<p:sld xmlns:a="http://schemas.openxmlformats.org/drawingml/2006/main" xmlns:r="http://schemas.openxmlformats.org/officeDocument/2006/relationships" xmlns:p="http://schemas.openxmlformats.org/presentationml/2006/main">
+  <p:cSld>
+    <p:spTree>
+      <p:nvGrpSpPr>
+        <p:cNvPr id="1" name=""/>
+        <p:cNvGrpSpPr/>
+        <p:nvPr/>
+      </p:nvGrpSpPr>
+      <p:grpSpPr>
+        <a:xfrm>
+          <a:off x="0" y="0"/>
+          <a:ext cx="0" cy="0"/>
+          <a:chOff x="0" y="0"/>
+          <a:chExt cx="0" cy="0"/>
+        </a:xfrm>
+      </p:grpSpPr>
+      <p:sp>
+        <p:nvSpPr>
           <p:cNvPr id="2" name="Title 1"/>
           <p:cNvSpPr>
             <a:spLocks noGrp="1"/>
@@ -39843,1314 +40892,6 @@
 </p:sld>
 </file>
 
-<file path=ppt/slides/slide18.xml><?xml version="1.0" encoding="utf-8"?>
-<p:sld xmlns:a="http://schemas.openxmlformats.org/drawingml/2006/main" xmlns:r="http://schemas.openxmlformats.org/officeDocument/2006/relationships" xmlns:p="http://schemas.openxmlformats.org/presentationml/2006/main">
-  <p:cSld>
-    <p:spTree>
-      <p:nvGrpSpPr>
-        <p:cNvPr id="1" name=""/>
-        <p:cNvGrpSpPr/>
-        <p:nvPr/>
-      </p:nvGrpSpPr>
-      <p:grpSpPr>
-        <a:xfrm>
-          <a:off x="0" y="0"/>
-          <a:ext cx="0" cy="0"/>
-          <a:chOff x="0" y="0"/>
-          <a:chExt cx="0" cy="0"/>
-        </a:xfrm>
-      </p:grpSpPr>
-      <p:sp>
-        <p:nvSpPr>
-          <p:cNvPr id="2" name="Title 1">
-            <a:extLst>
-              <a:ext uri="{FF2B5EF4-FFF2-40B4-BE49-F238E27FC236}">
-                <a16:creationId xmlns:a16="http://schemas.microsoft.com/office/drawing/2014/main" id="{9EBA67EE-EBE2-1849-B6CB-F3043836ABCA}"/>
-              </a:ext>
-            </a:extLst>
-          </p:cNvPr>
-          <p:cNvSpPr>
-            <a:spLocks noGrp="1"/>
-          </p:cNvSpPr>
-          <p:nvPr>
-            <p:ph type="title"/>
-          </p:nvPr>
-        </p:nvSpPr>
-        <p:spPr/>
-        <p:txBody>
-          <a:bodyPr/>
-          <a:lstStyle/>
-          <a:p>
-            <a:r>
-              <a:rPr lang="en-US" dirty="0"/>
-              <a:t>Locations that see the highest traffic of sales.</a:t>
-            </a:r>
-          </a:p>
-        </p:txBody>
-      </p:sp>
-      <p:graphicFrame>
-        <p:nvGraphicFramePr>
-          <p:cNvPr id="6" name="Content Placeholder 5">
-            <a:extLst>
-              <a:ext uri="{FF2B5EF4-FFF2-40B4-BE49-F238E27FC236}">
-                <a16:creationId xmlns:a16="http://schemas.microsoft.com/office/drawing/2014/main" id="{56A71CD1-0C8F-C73B-7236-7B374D735E80}"/>
-              </a:ext>
-            </a:extLst>
-          </p:cNvPr>
-          <p:cNvGraphicFramePr>
-            <a:graphicFrameLocks noGrp="1"/>
-          </p:cNvGraphicFramePr>
-          <p:nvPr>
-            <p:ph sz="half" idx="1"/>
-            <p:extLst>
-              <p:ext uri="{D42A27DB-BD31-4B8C-83A1-F6EECF244321}">
-                <p14:modId xmlns:p14="http://schemas.microsoft.com/office/powerpoint/2010/main" val="4071865212"/>
-              </p:ext>
-            </p:extLst>
-          </p:nvPr>
-        </p:nvGraphicFramePr>
-        <p:xfrm>
-          <a:off x="838200" y="1825625"/>
-          <a:ext cx="5181600" cy="4346575"/>
-        </p:xfrm>
-        <a:graphic>
-          <a:graphicData uri="http://schemas.openxmlformats.org/drawingml/2006/chart">
-            <c:chart xmlns:c="http://schemas.openxmlformats.org/drawingml/2006/chart" xmlns:r="http://schemas.openxmlformats.org/officeDocument/2006/relationships" r:id="rId3"/>
-          </a:graphicData>
-        </a:graphic>
-      </p:graphicFrame>
-      <p:graphicFrame>
-        <p:nvGraphicFramePr>
-          <p:cNvPr id="11" name="Table 11">
-            <a:extLst>
-              <a:ext uri="{FF2B5EF4-FFF2-40B4-BE49-F238E27FC236}">
-                <a16:creationId xmlns:a16="http://schemas.microsoft.com/office/drawing/2014/main" id="{F090E38C-A908-D7CF-E8B8-697E04174A0B}"/>
-              </a:ext>
-            </a:extLst>
-          </p:cNvPr>
-          <p:cNvGraphicFramePr>
-            <a:graphicFrameLocks noGrp="1"/>
-          </p:cNvGraphicFramePr>
-          <p:nvPr>
-            <p:ph sz="half" idx="2"/>
-            <p:extLst>
-              <p:ext uri="{D42A27DB-BD31-4B8C-83A1-F6EECF244321}">
-                <p14:modId xmlns:p14="http://schemas.microsoft.com/office/powerpoint/2010/main" val="2958634966"/>
-              </p:ext>
-            </p:extLst>
-          </p:nvPr>
-        </p:nvGraphicFramePr>
-        <p:xfrm>
-          <a:off x="6669240" y="2698877"/>
-          <a:ext cx="3764063" cy="2680680"/>
-        </p:xfrm>
-        <a:graphic>
-          <a:graphicData uri="http://schemas.openxmlformats.org/drawingml/2006/table">
-            <a:tbl>
-              <a:tblPr firstRow="1" bandRow="1">
-                <a:tableStyleId>{5C22544A-7EE6-4342-B048-85BDC9FD1C3A}</a:tableStyleId>
-              </a:tblPr>
-              <a:tblGrid>
-                <a:gridCol w="1254688">
-                  <a:extLst>
-                    <a:ext uri="{9D8B030D-6E8A-4147-A177-3AD203B41FA5}">
-                      <a16:colId xmlns:a16="http://schemas.microsoft.com/office/drawing/2014/main" val="826528610"/>
-                    </a:ext>
-                  </a:extLst>
-                </a:gridCol>
-                <a:gridCol w="1254688">
-                  <a:extLst>
-                    <a:ext uri="{9D8B030D-6E8A-4147-A177-3AD203B41FA5}">
-                      <a16:colId xmlns:a16="http://schemas.microsoft.com/office/drawing/2014/main" val="4263001154"/>
-                    </a:ext>
-                  </a:extLst>
-                </a:gridCol>
-                <a:gridCol w="1254687">
-                  <a:extLst>
-                    <a:ext uri="{9D8B030D-6E8A-4147-A177-3AD203B41FA5}">
-                      <a16:colId xmlns:a16="http://schemas.microsoft.com/office/drawing/2014/main" val="1642291773"/>
-                    </a:ext>
-                  </a:extLst>
-                </a:gridCol>
-              </a:tblGrid>
-              <a:tr h="437515">
-                <a:tc>
-                  <a:txBody>
-                    <a:bodyPr/>
-                    <a:lstStyle/>
-                    <a:p>
-                      <a:r>
-                        <a:rPr lang="en-US" dirty="0"/>
-                        <a:t>Country</a:t>
-                      </a:r>
-                    </a:p>
-                  </a:txBody>
-                  <a:tcPr>
-                    <a:lnL w="12700" cap="flat" cmpd="sng" algn="ctr">
-                      <a:solidFill>
-                        <a:schemeClr val="tx1"/>
-                      </a:solidFill>
-                      <a:prstDash val="solid"/>
-                      <a:round/>
-                      <a:headEnd type="none" w="med" len="med"/>
-                      <a:tailEnd type="none" w="med" len="med"/>
-                    </a:lnL>
-                    <a:lnR w="12700" cap="flat" cmpd="sng" algn="ctr">
-                      <a:solidFill>
-                        <a:schemeClr val="tx1"/>
-                      </a:solidFill>
-                      <a:prstDash val="solid"/>
-                      <a:round/>
-                      <a:headEnd type="none" w="med" len="med"/>
-                      <a:tailEnd type="none" w="med" len="med"/>
-                    </a:lnR>
-                    <a:lnT w="12700" cap="flat" cmpd="sng" algn="ctr">
-                      <a:solidFill>
-                        <a:schemeClr val="tx1"/>
-                      </a:solidFill>
-                      <a:prstDash val="solid"/>
-                      <a:round/>
-                      <a:headEnd type="none" w="med" len="med"/>
-                      <a:tailEnd type="none" w="med" len="med"/>
-                    </a:lnT>
-                    <a:lnB w="12700" cap="flat" cmpd="sng" algn="ctr">
-                      <a:solidFill>
-                        <a:schemeClr val="tx1"/>
-                      </a:solidFill>
-                      <a:prstDash val="solid"/>
-                      <a:round/>
-                      <a:headEnd type="none" w="med" len="med"/>
-                      <a:tailEnd type="none" w="med" len="med"/>
-                    </a:lnB>
-                    <a:solidFill>
-                      <a:schemeClr val="accent5"/>
-                    </a:solidFill>
-                  </a:tcPr>
-                </a:tc>
-                <a:tc>
-                  <a:txBody>
-                    <a:bodyPr/>
-                    <a:lstStyle/>
-                    <a:p>
-                      <a:r>
-                        <a:rPr lang="en-US" dirty="0"/>
-                        <a:t>Total Sales</a:t>
-                      </a:r>
-                    </a:p>
-                  </a:txBody>
-                  <a:tcPr>
-                    <a:lnL w="12700" cap="flat" cmpd="sng" algn="ctr">
-                      <a:solidFill>
-                        <a:schemeClr val="tx1"/>
-                      </a:solidFill>
-                      <a:prstDash val="solid"/>
-                      <a:round/>
-                      <a:headEnd type="none" w="med" len="med"/>
-                      <a:tailEnd type="none" w="med" len="med"/>
-                    </a:lnL>
-                    <a:lnR w="12700" cap="flat" cmpd="sng" algn="ctr">
-                      <a:solidFill>
-                        <a:schemeClr val="tx1"/>
-                      </a:solidFill>
-                      <a:prstDash val="solid"/>
-                      <a:round/>
-                      <a:headEnd type="none" w="med" len="med"/>
-                      <a:tailEnd type="none" w="med" len="med"/>
-                    </a:lnR>
-                    <a:lnT w="12700" cap="flat" cmpd="sng" algn="ctr">
-                      <a:solidFill>
-                        <a:schemeClr val="tx1"/>
-                      </a:solidFill>
-                      <a:prstDash val="solid"/>
-                      <a:round/>
-                      <a:headEnd type="none" w="med" len="med"/>
-                      <a:tailEnd type="none" w="med" len="med"/>
-                    </a:lnT>
-                    <a:lnB w="12700" cap="flat" cmpd="sng" algn="ctr">
-                      <a:solidFill>
-                        <a:schemeClr val="tx1"/>
-                      </a:solidFill>
-                      <a:prstDash val="solid"/>
-                      <a:round/>
-                      <a:headEnd type="none" w="med" len="med"/>
-                      <a:tailEnd type="none" w="med" len="med"/>
-                    </a:lnB>
-                    <a:solidFill>
-                      <a:schemeClr val="accent5"/>
-                    </a:solidFill>
-                  </a:tcPr>
-                </a:tc>
-                <a:tc>
-                  <a:txBody>
-                    <a:bodyPr/>
-                    <a:lstStyle/>
-                    <a:p>
-                      <a:r>
-                        <a:rPr lang="en-US" dirty="0"/>
-                        <a:t>Percentage</a:t>
-                      </a:r>
-                    </a:p>
-                  </a:txBody>
-                  <a:tcPr>
-                    <a:lnL w="12700" cap="flat" cmpd="sng" algn="ctr">
-                      <a:solidFill>
-                        <a:schemeClr val="tx1"/>
-                      </a:solidFill>
-                      <a:prstDash val="solid"/>
-                      <a:round/>
-                      <a:headEnd type="none" w="med" len="med"/>
-                      <a:tailEnd type="none" w="med" len="med"/>
-                    </a:lnL>
-                    <a:lnR w="12700" cap="flat" cmpd="sng" algn="ctr">
-                      <a:solidFill>
-                        <a:schemeClr val="tx1"/>
-                      </a:solidFill>
-                      <a:prstDash val="solid"/>
-                      <a:round/>
-                      <a:headEnd type="none" w="med" len="med"/>
-                      <a:tailEnd type="none" w="med" len="med"/>
-                    </a:lnR>
-                    <a:lnT w="12700" cap="flat" cmpd="sng" algn="ctr">
-                      <a:solidFill>
-                        <a:schemeClr val="tx1"/>
-                      </a:solidFill>
-                      <a:prstDash val="solid"/>
-                      <a:round/>
-                      <a:headEnd type="none" w="med" len="med"/>
-                      <a:tailEnd type="none" w="med" len="med"/>
-                    </a:lnT>
-                    <a:lnB w="12700" cap="flat" cmpd="sng" algn="ctr">
-                      <a:solidFill>
-                        <a:schemeClr val="tx1"/>
-                      </a:solidFill>
-                      <a:prstDash val="solid"/>
-                      <a:round/>
-                      <a:headEnd type="none" w="med" len="med"/>
-                      <a:tailEnd type="none" w="med" len="med"/>
-                    </a:lnB>
-                    <a:solidFill>
-                      <a:schemeClr val="accent5"/>
-                    </a:solidFill>
-                  </a:tcPr>
-                </a:tc>
-                <a:extLst>
-                  <a:ext uri="{0D108BD9-81ED-4DB2-BD59-A6C34878D82A}">
-                    <a16:rowId xmlns:a16="http://schemas.microsoft.com/office/drawing/2014/main" val="261141776"/>
-                  </a:ext>
-                </a:extLst>
-              </a:tr>
-              <a:tr h="408120">
-                <a:tc>
-                  <a:txBody>
-                    <a:bodyPr/>
-                    <a:lstStyle/>
-                    <a:p>
-                      <a:pPr algn="l" fontAlgn="b"/>
-                      <a:r>
-                        <a:rPr lang="en-US" sz="1400" b="0" u="none" strike="noStrike" dirty="0">
-                          <a:solidFill>
-                            <a:schemeClr val="bg1"/>
-                          </a:solidFill>
-                          <a:effectLst/>
-                        </a:rPr>
-                        <a:t>India</a:t>
-                      </a:r>
-                      <a:endParaRPr lang="en-US" sz="1400" b="0" i="0" u="none" strike="noStrike" dirty="0">
-                        <a:solidFill>
-                          <a:schemeClr val="bg1"/>
-                        </a:solidFill>
-                        <a:effectLst/>
-                        <a:latin typeface="Calibri" panose="020F0502020204030204" pitchFamily="34" charset="0"/>
-                      </a:endParaRPr>
-                    </a:p>
-                  </a:txBody>
-                  <a:tcPr marL="3175" marR="3175" marT="3175" marB="0" anchor="b">
-                    <a:lnL w="12700" cap="flat" cmpd="sng" algn="ctr">
-                      <a:solidFill>
-                        <a:schemeClr val="tx1"/>
-                      </a:solidFill>
-                      <a:prstDash val="solid"/>
-                      <a:round/>
-                      <a:headEnd type="none" w="med" len="med"/>
-                      <a:tailEnd type="none" w="med" len="med"/>
-                    </a:lnL>
-                    <a:lnR w="12700" cap="flat" cmpd="sng" algn="ctr">
-                      <a:solidFill>
-                        <a:schemeClr val="tx1"/>
-                      </a:solidFill>
-                      <a:prstDash val="solid"/>
-                      <a:round/>
-                      <a:headEnd type="none" w="med" len="med"/>
-                      <a:tailEnd type="none" w="med" len="med"/>
-                    </a:lnR>
-                    <a:lnT w="12700" cap="flat" cmpd="sng" algn="ctr">
-                      <a:solidFill>
-                        <a:schemeClr val="tx1"/>
-                      </a:solidFill>
-                      <a:prstDash val="solid"/>
-                      <a:round/>
-                      <a:headEnd type="none" w="med" len="med"/>
-                      <a:tailEnd type="none" w="med" len="med"/>
-                    </a:lnT>
-                    <a:lnB w="12700" cap="flat" cmpd="sng" algn="ctr">
-                      <a:solidFill>
-                        <a:schemeClr val="tx1"/>
-                      </a:solidFill>
-                      <a:prstDash val="solid"/>
-                      <a:round/>
-                      <a:headEnd type="none" w="med" len="med"/>
-                      <a:tailEnd type="none" w="med" len="med"/>
-                    </a:lnB>
-                    <a:solidFill>
-                      <a:srgbClr val="4472C4"/>
-                    </a:solidFill>
-                  </a:tcPr>
-                </a:tc>
-                <a:tc>
-                  <a:txBody>
-                    <a:bodyPr/>
-                    <a:lstStyle/>
-                    <a:p>
-                      <a:pPr algn="ctr" fontAlgn="b"/>
-                      <a:r>
-                        <a:rPr lang="en-US" sz="1400" b="0" u="none" strike="noStrike" dirty="0">
-                          <a:solidFill>
-                            <a:srgbClr val="000000"/>
-                          </a:solidFill>
-                          <a:effectLst/>
-                        </a:rPr>
-                        <a:t>4243</a:t>
-                      </a:r>
-                      <a:endParaRPr lang="en-US" sz="1400" b="0" i="0" u="none" strike="noStrike" dirty="0">
-                        <a:solidFill>
-                          <a:srgbClr val="000000"/>
-                        </a:solidFill>
-                        <a:effectLst/>
-                        <a:latin typeface="Calibri" panose="020F0502020204030204" pitchFamily="34" charset="0"/>
-                      </a:endParaRPr>
-                    </a:p>
-                  </a:txBody>
-                  <a:tcPr marL="3175" marR="3175" marT="3175" marB="0" anchor="b">
-                    <a:lnL w="12700" cap="flat" cmpd="sng" algn="ctr">
-                      <a:solidFill>
-                        <a:schemeClr val="tx1"/>
-                      </a:solidFill>
-                      <a:prstDash val="solid"/>
-                      <a:round/>
-                      <a:headEnd type="none" w="med" len="med"/>
-                      <a:tailEnd type="none" w="med" len="med"/>
-                    </a:lnL>
-                    <a:lnR w="12700" cap="flat" cmpd="sng" algn="ctr">
-                      <a:solidFill>
-                        <a:schemeClr val="tx1"/>
-                      </a:solidFill>
-                      <a:prstDash val="solid"/>
-                      <a:round/>
-                      <a:headEnd type="none" w="med" len="med"/>
-                      <a:tailEnd type="none" w="med" len="med"/>
-                    </a:lnR>
-                    <a:lnT w="12700" cap="flat" cmpd="sng" algn="ctr">
-                      <a:solidFill>
-                        <a:schemeClr val="tx1"/>
-                      </a:solidFill>
-                      <a:prstDash val="solid"/>
-                      <a:round/>
-                      <a:headEnd type="none" w="med" len="med"/>
-                      <a:tailEnd type="none" w="med" len="med"/>
-                    </a:lnT>
-                    <a:lnB w="12700" cap="flat" cmpd="sng" algn="ctr">
-                      <a:solidFill>
-                        <a:schemeClr val="tx1"/>
-                      </a:solidFill>
-                      <a:prstDash val="solid"/>
-                      <a:round/>
-                      <a:headEnd type="none" w="med" len="med"/>
-                      <a:tailEnd type="none" w="med" len="med"/>
-                    </a:lnB>
-                    <a:solidFill>
-                      <a:schemeClr val="bg2"/>
-                    </a:solidFill>
-                  </a:tcPr>
-                </a:tc>
-                <a:tc>
-                  <a:txBody>
-                    <a:bodyPr/>
-                    <a:lstStyle/>
-                    <a:p>
-                      <a:pPr algn="ctr" fontAlgn="b"/>
-                      <a:r>
-                        <a:rPr lang="en-US" sz="1400" b="0" i="0" u="none" strike="noStrike" dirty="0">
-                          <a:solidFill>
-                            <a:srgbClr val="000000"/>
-                          </a:solidFill>
-                          <a:effectLst/>
-                          <a:latin typeface="Calibri" panose="020F0502020204030204" pitchFamily="34" charset="0"/>
-                        </a:rPr>
-                        <a:t>6.90%</a:t>
-                      </a:r>
-                    </a:p>
-                  </a:txBody>
-                  <a:tcPr marL="3175" marR="3175" marT="3175" marB="0" anchor="b">
-                    <a:lnL w="12700" cap="flat" cmpd="sng" algn="ctr">
-                      <a:solidFill>
-                        <a:schemeClr val="tx1"/>
-                      </a:solidFill>
-                      <a:prstDash val="solid"/>
-                      <a:round/>
-                      <a:headEnd type="none" w="med" len="med"/>
-                      <a:tailEnd type="none" w="med" len="med"/>
-                    </a:lnL>
-                    <a:lnR w="12700" cap="flat" cmpd="sng" algn="ctr">
-                      <a:solidFill>
-                        <a:schemeClr val="tx1"/>
-                      </a:solidFill>
-                      <a:prstDash val="solid"/>
-                      <a:round/>
-                      <a:headEnd type="none" w="med" len="med"/>
-                      <a:tailEnd type="none" w="med" len="med"/>
-                    </a:lnR>
-                    <a:lnT w="12700" cap="flat" cmpd="sng" algn="ctr">
-                      <a:solidFill>
-                        <a:schemeClr val="tx1"/>
-                      </a:solidFill>
-                      <a:prstDash val="solid"/>
-                      <a:round/>
-                      <a:headEnd type="none" w="med" len="med"/>
-                      <a:tailEnd type="none" w="med" len="med"/>
-                    </a:lnT>
-                    <a:lnB w="12700" cap="flat" cmpd="sng" algn="ctr">
-                      <a:solidFill>
-                        <a:schemeClr val="tx1"/>
-                      </a:solidFill>
-                      <a:prstDash val="solid"/>
-                      <a:round/>
-                      <a:headEnd type="none" w="med" len="med"/>
-                      <a:tailEnd type="none" w="med" len="med"/>
-                    </a:lnB>
-                    <a:solidFill>
-                      <a:schemeClr val="bg2"/>
-                    </a:solidFill>
-                  </a:tcPr>
-                </a:tc>
-                <a:extLst>
-                  <a:ext uri="{0D108BD9-81ED-4DB2-BD59-A6C34878D82A}">
-                    <a16:rowId xmlns:a16="http://schemas.microsoft.com/office/drawing/2014/main" val="3843571021"/>
-                  </a:ext>
-                </a:extLst>
-              </a:tr>
-              <a:tr h="408120">
-                <a:tc>
-                  <a:txBody>
-                    <a:bodyPr/>
-                    <a:lstStyle/>
-                    <a:p>
-                      <a:pPr algn="l" fontAlgn="b"/>
-                      <a:r>
-                        <a:rPr lang="en-US" sz="1400" b="0" u="none" strike="noStrike" dirty="0">
-                          <a:solidFill>
-                            <a:schemeClr val="bg1"/>
-                          </a:solidFill>
-                          <a:effectLst/>
-                        </a:rPr>
-                        <a:t>Ireland</a:t>
-                      </a:r>
-                      <a:endParaRPr lang="en-US" sz="1400" b="0" i="0" u="none" strike="noStrike" dirty="0">
-                        <a:solidFill>
-                          <a:schemeClr val="bg1"/>
-                        </a:solidFill>
-                        <a:effectLst/>
-                        <a:latin typeface="Calibri" panose="020F0502020204030204" pitchFamily="34" charset="0"/>
-                      </a:endParaRPr>
-                    </a:p>
-                  </a:txBody>
-                  <a:tcPr marL="3175" marR="3175" marT="3175" marB="0" anchor="b">
-                    <a:lnL w="12700" cap="flat" cmpd="sng" algn="ctr">
-                      <a:solidFill>
-                        <a:schemeClr val="tx1"/>
-                      </a:solidFill>
-                      <a:prstDash val="solid"/>
-                      <a:round/>
-                      <a:headEnd type="none" w="med" len="med"/>
-                      <a:tailEnd type="none" w="med" len="med"/>
-                    </a:lnL>
-                    <a:lnR w="12700" cap="flat" cmpd="sng" algn="ctr">
-                      <a:solidFill>
-                        <a:schemeClr val="tx1"/>
-                      </a:solidFill>
-                      <a:prstDash val="solid"/>
-                      <a:round/>
-                      <a:headEnd type="none" w="med" len="med"/>
-                      <a:tailEnd type="none" w="med" len="med"/>
-                    </a:lnR>
-                    <a:lnT w="12700" cap="flat" cmpd="sng" algn="ctr">
-                      <a:solidFill>
-                        <a:schemeClr val="tx1"/>
-                      </a:solidFill>
-                      <a:prstDash val="solid"/>
-                      <a:round/>
-                      <a:headEnd type="none" w="med" len="med"/>
-                      <a:tailEnd type="none" w="med" len="med"/>
-                    </a:lnT>
-                    <a:lnB w="12700" cap="flat" cmpd="sng" algn="ctr">
-                      <a:solidFill>
-                        <a:schemeClr val="tx1"/>
-                      </a:solidFill>
-                      <a:prstDash val="solid"/>
-                      <a:round/>
-                      <a:headEnd type="none" w="med" len="med"/>
-                      <a:tailEnd type="none" w="med" len="med"/>
-                    </a:lnB>
-                    <a:solidFill>
-                      <a:srgbClr val="ED7D31"/>
-                    </a:solidFill>
-                  </a:tcPr>
-                </a:tc>
-                <a:tc>
-                  <a:txBody>
-                    <a:bodyPr/>
-                    <a:lstStyle/>
-                    <a:p>
-                      <a:pPr algn="ctr" fontAlgn="b"/>
-                      <a:r>
-                        <a:rPr lang="en-US" sz="1400" b="0" u="none" strike="noStrike" dirty="0">
-                          <a:solidFill>
-                            <a:srgbClr val="000000"/>
-                          </a:solidFill>
-                          <a:effectLst/>
-                        </a:rPr>
-                        <a:t>4228</a:t>
-                      </a:r>
-                      <a:endParaRPr lang="en-US" sz="1400" b="0" i="0" u="none" strike="noStrike" dirty="0">
-                        <a:solidFill>
-                          <a:srgbClr val="000000"/>
-                        </a:solidFill>
-                        <a:effectLst/>
-                        <a:latin typeface="Calibri" panose="020F0502020204030204" pitchFamily="34" charset="0"/>
-                      </a:endParaRPr>
-                    </a:p>
-                  </a:txBody>
-                  <a:tcPr marL="3175" marR="3175" marT="3175" marB="0" anchor="b">
-                    <a:lnL w="12700" cap="flat" cmpd="sng" algn="ctr">
-                      <a:solidFill>
-                        <a:schemeClr val="tx1"/>
-                      </a:solidFill>
-                      <a:prstDash val="solid"/>
-                      <a:round/>
-                      <a:headEnd type="none" w="med" len="med"/>
-                      <a:tailEnd type="none" w="med" len="med"/>
-                    </a:lnL>
-                    <a:lnR w="12700" cap="flat" cmpd="sng" algn="ctr">
-                      <a:solidFill>
-                        <a:schemeClr val="tx1"/>
-                      </a:solidFill>
-                      <a:prstDash val="solid"/>
-                      <a:round/>
-                      <a:headEnd type="none" w="med" len="med"/>
-                      <a:tailEnd type="none" w="med" len="med"/>
-                    </a:lnR>
-                    <a:lnT w="12700" cap="flat" cmpd="sng" algn="ctr">
-                      <a:solidFill>
-                        <a:schemeClr val="tx1"/>
-                      </a:solidFill>
-                      <a:prstDash val="solid"/>
-                      <a:round/>
-                      <a:headEnd type="none" w="med" len="med"/>
-                      <a:tailEnd type="none" w="med" len="med"/>
-                    </a:lnT>
-                    <a:lnB w="12700" cap="flat" cmpd="sng" algn="ctr">
-                      <a:solidFill>
-                        <a:schemeClr val="tx1"/>
-                      </a:solidFill>
-                      <a:prstDash val="solid"/>
-                      <a:round/>
-                      <a:headEnd type="none" w="med" len="med"/>
-                      <a:tailEnd type="none" w="med" len="med"/>
-                    </a:lnB>
-                    <a:solidFill>
-                      <a:schemeClr val="bg2"/>
-                    </a:solidFill>
-                  </a:tcPr>
-                </a:tc>
-                <a:tc>
-                  <a:txBody>
-                    <a:bodyPr/>
-                    <a:lstStyle/>
-                    <a:p>
-                      <a:pPr algn="ctr" fontAlgn="b"/>
-                      <a:r>
-                        <a:rPr lang="en-US" sz="1400" b="0" i="0" u="none" strike="noStrike">
-                          <a:solidFill>
-                            <a:srgbClr val="000000"/>
-                          </a:solidFill>
-                          <a:effectLst/>
-                          <a:latin typeface="Calibri" panose="020F0502020204030204" pitchFamily="34" charset="0"/>
-                        </a:rPr>
-                        <a:t>6.88%</a:t>
-                      </a:r>
-                    </a:p>
-                  </a:txBody>
-                  <a:tcPr marL="3175" marR="3175" marT="3175" marB="0" anchor="b">
-                    <a:lnL w="12700" cap="flat" cmpd="sng" algn="ctr">
-                      <a:solidFill>
-                        <a:schemeClr val="tx1"/>
-                      </a:solidFill>
-                      <a:prstDash val="solid"/>
-                      <a:round/>
-                      <a:headEnd type="none" w="med" len="med"/>
-                      <a:tailEnd type="none" w="med" len="med"/>
-                    </a:lnL>
-                    <a:lnR w="12700" cap="flat" cmpd="sng" algn="ctr">
-                      <a:solidFill>
-                        <a:schemeClr val="tx1"/>
-                      </a:solidFill>
-                      <a:prstDash val="solid"/>
-                      <a:round/>
-                      <a:headEnd type="none" w="med" len="med"/>
-                      <a:tailEnd type="none" w="med" len="med"/>
-                    </a:lnR>
-                    <a:lnT w="12700" cap="flat" cmpd="sng" algn="ctr">
-                      <a:solidFill>
-                        <a:schemeClr val="tx1"/>
-                      </a:solidFill>
-                      <a:prstDash val="solid"/>
-                      <a:round/>
-                      <a:headEnd type="none" w="med" len="med"/>
-                      <a:tailEnd type="none" w="med" len="med"/>
-                    </a:lnT>
-                    <a:lnB w="12700" cap="flat" cmpd="sng" algn="ctr">
-                      <a:solidFill>
-                        <a:schemeClr val="tx1"/>
-                      </a:solidFill>
-                      <a:prstDash val="solid"/>
-                      <a:round/>
-                      <a:headEnd type="none" w="med" len="med"/>
-                      <a:tailEnd type="none" w="med" len="med"/>
-                    </a:lnB>
-                    <a:solidFill>
-                      <a:schemeClr val="bg2"/>
-                    </a:solidFill>
-                  </a:tcPr>
-                </a:tc>
-                <a:extLst>
-                  <a:ext uri="{0D108BD9-81ED-4DB2-BD59-A6C34878D82A}">
-                    <a16:rowId xmlns:a16="http://schemas.microsoft.com/office/drawing/2014/main" val="3029872010"/>
-                  </a:ext>
-                </a:extLst>
-              </a:tr>
-              <a:tr h="408120">
-                <a:tc>
-                  <a:txBody>
-                    <a:bodyPr/>
-                    <a:lstStyle/>
-                    <a:p>
-                      <a:pPr algn="l" fontAlgn="b"/>
-                      <a:r>
-                        <a:rPr lang="en-US" sz="1400" b="0" u="none" strike="noStrike" dirty="0">
-                          <a:solidFill>
-                            <a:schemeClr val="bg1"/>
-                          </a:solidFill>
-                          <a:effectLst/>
-                        </a:rPr>
-                        <a:t>Great Britain</a:t>
-                      </a:r>
-                      <a:endParaRPr lang="en-US" sz="1400" b="0" i="0" u="none" strike="noStrike" dirty="0">
-                        <a:solidFill>
-                          <a:schemeClr val="bg1"/>
-                        </a:solidFill>
-                        <a:effectLst/>
-                        <a:latin typeface="Calibri" panose="020F0502020204030204" pitchFamily="34" charset="0"/>
-                      </a:endParaRPr>
-                    </a:p>
-                  </a:txBody>
-                  <a:tcPr marL="3175" marR="3175" marT="3175" marB="0" anchor="b">
-                    <a:lnL w="12700" cap="flat" cmpd="sng" algn="ctr">
-                      <a:solidFill>
-                        <a:schemeClr val="tx1"/>
-                      </a:solidFill>
-                      <a:prstDash val="solid"/>
-                      <a:round/>
-                      <a:headEnd type="none" w="med" len="med"/>
-                      <a:tailEnd type="none" w="med" len="med"/>
-                    </a:lnL>
-                    <a:lnR w="12700" cap="flat" cmpd="sng" algn="ctr">
-                      <a:solidFill>
-                        <a:schemeClr val="tx1"/>
-                      </a:solidFill>
-                      <a:prstDash val="solid"/>
-                      <a:round/>
-                      <a:headEnd type="none" w="med" len="med"/>
-                      <a:tailEnd type="none" w="med" len="med"/>
-                    </a:lnR>
-                    <a:lnT w="12700" cap="flat" cmpd="sng" algn="ctr">
-                      <a:solidFill>
-                        <a:schemeClr val="tx1"/>
-                      </a:solidFill>
-                      <a:prstDash val="solid"/>
-                      <a:round/>
-                      <a:headEnd type="none" w="med" len="med"/>
-                      <a:tailEnd type="none" w="med" len="med"/>
-                    </a:lnT>
-                    <a:lnB w="12700" cap="flat" cmpd="sng" algn="ctr">
-                      <a:solidFill>
-                        <a:schemeClr val="tx1"/>
-                      </a:solidFill>
-                      <a:prstDash val="solid"/>
-                      <a:round/>
-                      <a:headEnd type="none" w="med" len="med"/>
-                      <a:tailEnd type="none" w="med" len="med"/>
-                    </a:lnB>
-                    <a:solidFill>
-                      <a:srgbClr val="A5A5A5"/>
-                    </a:solidFill>
-                  </a:tcPr>
-                </a:tc>
-                <a:tc>
-                  <a:txBody>
-                    <a:bodyPr/>
-                    <a:lstStyle/>
-                    <a:p>
-                      <a:pPr algn="ctr" fontAlgn="b"/>
-                      <a:r>
-                        <a:rPr lang="en-US" sz="1400" b="0" u="none" strike="noStrike" dirty="0">
-                          <a:solidFill>
-                            <a:srgbClr val="000000"/>
-                          </a:solidFill>
-                          <a:effectLst/>
-                        </a:rPr>
-                        <a:t>4222</a:t>
-                      </a:r>
-                      <a:endParaRPr lang="en-US" sz="1400" b="0" i="0" u="none" strike="noStrike" dirty="0">
-                        <a:solidFill>
-                          <a:srgbClr val="000000"/>
-                        </a:solidFill>
-                        <a:effectLst/>
-                        <a:latin typeface="Calibri" panose="020F0502020204030204" pitchFamily="34" charset="0"/>
-                      </a:endParaRPr>
-                    </a:p>
-                  </a:txBody>
-                  <a:tcPr marL="3175" marR="3175" marT="3175" marB="0" anchor="b">
-                    <a:lnL w="12700" cap="flat" cmpd="sng" algn="ctr">
-                      <a:solidFill>
-                        <a:schemeClr val="tx1"/>
-                      </a:solidFill>
-                      <a:prstDash val="solid"/>
-                      <a:round/>
-                      <a:headEnd type="none" w="med" len="med"/>
-                      <a:tailEnd type="none" w="med" len="med"/>
-                    </a:lnL>
-                    <a:lnR w="12700" cap="flat" cmpd="sng" algn="ctr">
-                      <a:solidFill>
-                        <a:schemeClr val="tx1"/>
-                      </a:solidFill>
-                      <a:prstDash val="solid"/>
-                      <a:round/>
-                      <a:headEnd type="none" w="med" len="med"/>
-                      <a:tailEnd type="none" w="med" len="med"/>
-                    </a:lnR>
-                    <a:lnT w="12700" cap="flat" cmpd="sng" algn="ctr">
-                      <a:solidFill>
-                        <a:schemeClr val="tx1"/>
-                      </a:solidFill>
-                      <a:prstDash val="solid"/>
-                      <a:round/>
-                      <a:headEnd type="none" w="med" len="med"/>
-                      <a:tailEnd type="none" w="med" len="med"/>
-                    </a:lnT>
-                    <a:lnB w="12700" cap="flat" cmpd="sng" algn="ctr">
-                      <a:solidFill>
-                        <a:schemeClr val="tx1"/>
-                      </a:solidFill>
-                      <a:prstDash val="solid"/>
-                      <a:round/>
-                      <a:headEnd type="none" w="med" len="med"/>
-                      <a:tailEnd type="none" w="med" len="med"/>
-                    </a:lnB>
-                    <a:solidFill>
-                      <a:schemeClr val="bg2"/>
-                    </a:solidFill>
-                  </a:tcPr>
-                </a:tc>
-                <a:tc>
-                  <a:txBody>
-                    <a:bodyPr/>
-                    <a:lstStyle/>
-                    <a:p>
-                      <a:pPr algn="ctr" fontAlgn="b"/>
-                      <a:r>
-                        <a:rPr lang="en-US" sz="1400" b="0" i="0" u="none" strike="noStrike">
-                          <a:solidFill>
-                            <a:srgbClr val="000000"/>
-                          </a:solidFill>
-                          <a:effectLst/>
-                          <a:latin typeface="Calibri" panose="020F0502020204030204" pitchFamily="34" charset="0"/>
-                        </a:rPr>
-                        <a:t>6.87%</a:t>
-                      </a:r>
-                    </a:p>
-                  </a:txBody>
-                  <a:tcPr marL="3175" marR="3175" marT="3175" marB="0" anchor="b">
-                    <a:lnL w="12700" cap="flat" cmpd="sng" algn="ctr">
-                      <a:solidFill>
-                        <a:schemeClr val="tx1"/>
-                      </a:solidFill>
-                      <a:prstDash val="solid"/>
-                      <a:round/>
-                      <a:headEnd type="none" w="med" len="med"/>
-                      <a:tailEnd type="none" w="med" len="med"/>
-                    </a:lnL>
-                    <a:lnR w="12700" cap="flat" cmpd="sng" algn="ctr">
-                      <a:solidFill>
-                        <a:schemeClr val="tx1"/>
-                      </a:solidFill>
-                      <a:prstDash val="solid"/>
-                      <a:round/>
-                      <a:headEnd type="none" w="med" len="med"/>
-                      <a:tailEnd type="none" w="med" len="med"/>
-                    </a:lnR>
-                    <a:lnT w="12700" cap="flat" cmpd="sng" algn="ctr">
-                      <a:solidFill>
-                        <a:schemeClr val="tx1"/>
-                      </a:solidFill>
-                      <a:prstDash val="solid"/>
-                      <a:round/>
-                      <a:headEnd type="none" w="med" len="med"/>
-                      <a:tailEnd type="none" w="med" len="med"/>
-                    </a:lnT>
-                    <a:lnB w="12700" cap="flat" cmpd="sng" algn="ctr">
-                      <a:solidFill>
-                        <a:schemeClr val="tx1"/>
-                      </a:solidFill>
-                      <a:prstDash val="solid"/>
-                      <a:round/>
-                      <a:headEnd type="none" w="med" len="med"/>
-                      <a:tailEnd type="none" w="med" len="med"/>
-                    </a:lnB>
-                    <a:solidFill>
-                      <a:schemeClr val="bg2"/>
-                    </a:solidFill>
-                  </a:tcPr>
-                </a:tc>
-                <a:extLst>
-                  <a:ext uri="{0D108BD9-81ED-4DB2-BD59-A6C34878D82A}">
-                    <a16:rowId xmlns:a16="http://schemas.microsoft.com/office/drawing/2014/main" val="1341809566"/>
-                  </a:ext>
-                </a:extLst>
-              </a:tr>
-              <a:tr h="408120">
-                <a:tc>
-                  <a:txBody>
-                    <a:bodyPr/>
-                    <a:lstStyle/>
-                    <a:p>
-                      <a:pPr algn="l" fontAlgn="b"/>
-                      <a:r>
-                        <a:rPr lang="en-US" sz="1400" b="0" u="none" strike="noStrike" dirty="0">
-                          <a:solidFill>
-                            <a:schemeClr val="bg1"/>
-                          </a:solidFill>
-                          <a:effectLst/>
-                        </a:rPr>
-                        <a:t>Korea</a:t>
-                      </a:r>
-                      <a:endParaRPr lang="en-US" sz="1400" b="0" i="0" u="none" strike="noStrike" dirty="0">
-                        <a:solidFill>
-                          <a:schemeClr val="bg1"/>
-                        </a:solidFill>
-                        <a:effectLst/>
-                        <a:latin typeface="Calibri" panose="020F0502020204030204" pitchFamily="34" charset="0"/>
-                      </a:endParaRPr>
-                    </a:p>
-                  </a:txBody>
-                  <a:tcPr marL="3175" marR="3175" marT="3175" marB="0" anchor="b">
-                    <a:lnL w="12700" cap="flat" cmpd="sng" algn="ctr">
-                      <a:solidFill>
-                        <a:schemeClr val="tx1"/>
-                      </a:solidFill>
-                      <a:prstDash val="solid"/>
-                      <a:round/>
-                      <a:headEnd type="none" w="med" len="med"/>
-                      <a:tailEnd type="none" w="med" len="med"/>
-                    </a:lnL>
-                    <a:lnR w="12700" cap="flat" cmpd="sng" algn="ctr">
-                      <a:solidFill>
-                        <a:schemeClr val="tx1"/>
-                      </a:solidFill>
-                      <a:prstDash val="solid"/>
-                      <a:round/>
-                      <a:headEnd type="none" w="med" len="med"/>
-                      <a:tailEnd type="none" w="med" len="med"/>
-                    </a:lnR>
-                    <a:lnT w="12700" cap="flat" cmpd="sng" algn="ctr">
-                      <a:solidFill>
-                        <a:schemeClr val="tx1"/>
-                      </a:solidFill>
-                      <a:prstDash val="solid"/>
-                      <a:round/>
-                      <a:headEnd type="none" w="med" len="med"/>
-                      <a:tailEnd type="none" w="med" len="med"/>
-                    </a:lnT>
-                    <a:lnB w="12700" cap="flat" cmpd="sng" algn="ctr">
-                      <a:solidFill>
-                        <a:schemeClr val="tx1"/>
-                      </a:solidFill>
-                      <a:prstDash val="solid"/>
-                      <a:round/>
-                      <a:headEnd type="none" w="med" len="med"/>
-                      <a:tailEnd type="none" w="med" len="med"/>
-                    </a:lnB>
-                    <a:solidFill>
-                      <a:srgbClr val="FFC000"/>
-                    </a:solidFill>
-                  </a:tcPr>
-                </a:tc>
-                <a:tc>
-                  <a:txBody>
-                    <a:bodyPr/>
-                    <a:lstStyle/>
-                    <a:p>
-                      <a:pPr algn="ctr" fontAlgn="b"/>
-                      <a:r>
-                        <a:rPr lang="en-US" sz="1400" b="0" u="none" strike="noStrike" dirty="0">
-                          <a:solidFill>
-                            <a:srgbClr val="000000"/>
-                          </a:solidFill>
-                          <a:effectLst/>
-                        </a:rPr>
-                        <a:t>4213</a:t>
-                      </a:r>
-                      <a:endParaRPr lang="en-US" sz="1400" b="0" i="0" u="none" strike="noStrike" dirty="0">
-                        <a:solidFill>
-                          <a:srgbClr val="000000"/>
-                        </a:solidFill>
-                        <a:effectLst/>
-                        <a:latin typeface="Calibri" panose="020F0502020204030204" pitchFamily="34" charset="0"/>
-                      </a:endParaRPr>
-                    </a:p>
-                  </a:txBody>
-                  <a:tcPr marL="3175" marR="3175" marT="3175" marB="0" anchor="b">
-                    <a:lnL w="12700" cap="flat" cmpd="sng" algn="ctr">
-                      <a:solidFill>
-                        <a:schemeClr val="tx1"/>
-                      </a:solidFill>
-                      <a:prstDash val="solid"/>
-                      <a:round/>
-                      <a:headEnd type="none" w="med" len="med"/>
-                      <a:tailEnd type="none" w="med" len="med"/>
-                    </a:lnL>
-                    <a:lnR w="12700" cap="flat" cmpd="sng" algn="ctr">
-                      <a:solidFill>
-                        <a:schemeClr val="tx1"/>
-                      </a:solidFill>
-                      <a:prstDash val="solid"/>
-                      <a:round/>
-                      <a:headEnd type="none" w="med" len="med"/>
-                      <a:tailEnd type="none" w="med" len="med"/>
-                    </a:lnR>
-                    <a:lnT w="12700" cap="flat" cmpd="sng" algn="ctr">
-                      <a:solidFill>
-                        <a:schemeClr val="tx1"/>
-                      </a:solidFill>
-                      <a:prstDash val="solid"/>
-                      <a:round/>
-                      <a:headEnd type="none" w="med" len="med"/>
-                      <a:tailEnd type="none" w="med" len="med"/>
-                    </a:lnT>
-                    <a:lnB w="12700" cap="flat" cmpd="sng" algn="ctr">
-                      <a:solidFill>
-                        <a:schemeClr val="tx1"/>
-                      </a:solidFill>
-                      <a:prstDash val="solid"/>
-                      <a:round/>
-                      <a:headEnd type="none" w="med" len="med"/>
-                      <a:tailEnd type="none" w="med" len="med"/>
-                    </a:lnB>
-                    <a:solidFill>
-                      <a:schemeClr val="bg2"/>
-                    </a:solidFill>
-                  </a:tcPr>
-                </a:tc>
-                <a:tc>
-                  <a:txBody>
-                    <a:bodyPr/>
-                    <a:lstStyle/>
-                    <a:p>
-                      <a:pPr algn="ctr" fontAlgn="b"/>
-                      <a:r>
-                        <a:rPr lang="en-US" sz="1400" b="0" i="0" u="none" strike="noStrike" dirty="0">
-                          <a:solidFill>
-                            <a:srgbClr val="000000"/>
-                          </a:solidFill>
-                          <a:effectLst/>
-                          <a:latin typeface="Calibri" panose="020F0502020204030204" pitchFamily="34" charset="0"/>
-                        </a:rPr>
-                        <a:t>6.85%</a:t>
-                      </a:r>
-                    </a:p>
-                  </a:txBody>
-                  <a:tcPr marL="3175" marR="3175" marT="3175" marB="0" anchor="b">
-                    <a:lnL w="12700" cap="flat" cmpd="sng" algn="ctr">
-                      <a:solidFill>
-                        <a:schemeClr val="tx1"/>
-                      </a:solidFill>
-                      <a:prstDash val="solid"/>
-                      <a:round/>
-                      <a:headEnd type="none" w="med" len="med"/>
-                      <a:tailEnd type="none" w="med" len="med"/>
-                    </a:lnL>
-                    <a:lnR w="12700" cap="flat" cmpd="sng" algn="ctr">
-                      <a:solidFill>
-                        <a:schemeClr val="tx1"/>
-                      </a:solidFill>
-                      <a:prstDash val="solid"/>
-                      <a:round/>
-                      <a:headEnd type="none" w="med" len="med"/>
-                      <a:tailEnd type="none" w="med" len="med"/>
-                    </a:lnR>
-                    <a:lnT w="12700" cap="flat" cmpd="sng" algn="ctr">
-                      <a:solidFill>
-                        <a:schemeClr val="tx1"/>
-                      </a:solidFill>
-                      <a:prstDash val="solid"/>
-                      <a:round/>
-                      <a:headEnd type="none" w="med" len="med"/>
-                      <a:tailEnd type="none" w="med" len="med"/>
-                    </a:lnT>
-                    <a:lnB w="12700" cap="flat" cmpd="sng" algn="ctr">
-                      <a:solidFill>
-                        <a:schemeClr val="tx1"/>
-                      </a:solidFill>
-                      <a:prstDash val="solid"/>
-                      <a:round/>
-                      <a:headEnd type="none" w="med" len="med"/>
-                      <a:tailEnd type="none" w="med" len="med"/>
-                    </a:lnB>
-                    <a:solidFill>
-                      <a:schemeClr val="bg2"/>
-                    </a:solidFill>
-                  </a:tcPr>
-                </a:tc>
-                <a:extLst>
-                  <a:ext uri="{0D108BD9-81ED-4DB2-BD59-A6C34878D82A}">
-                    <a16:rowId xmlns:a16="http://schemas.microsoft.com/office/drawing/2014/main" val="444440592"/>
-                  </a:ext>
-                </a:extLst>
-              </a:tr>
-              <a:tr h="408120">
-                <a:tc>
-                  <a:txBody>
-                    <a:bodyPr/>
-                    <a:lstStyle/>
-                    <a:p>
-                      <a:pPr algn="l" fontAlgn="b"/>
-                      <a:r>
-                        <a:rPr lang="en-US" sz="1400" b="0" u="none" strike="noStrike" dirty="0">
-                          <a:solidFill>
-                            <a:schemeClr val="bg1"/>
-                          </a:solidFill>
-                          <a:effectLst/>
-                        </a:rPr>
-                        <a:t>United States</a:t>
-                      </a:r>
-                      <a:endParaRPr lang="en-US" sz="1400" b="0" i="0" u="none" strike="noStrike" dirty="0">
-                        <a:solidFill>
-                          <a:schemeClr val="bg1"/>
-                        </a:solidFill>
-                        <a:effectLst/>
-                        <a:latin typeface="Calibri" panose="020F0502020204030204" pitchFamily="34" charset="0"/>
-                      </a:endParaRPr>
-                    </a:p>
-                  </a:txBody>
-                  <a:tcPr marL="3175" marR="3175" marT="3175" marB="0" anchor="b">
-                    <a:lnL w="12700" cap="flat" cmpd="sng" algn="ctr">
-                      <a:solidFill>
-                        <a:schemeClr val="tx1"/>
-                      </a:solidFill>
-                      <a:prstDash val="solid"/>
-                      <a:round/>
-                      <a:headEnd type="none" w="med" len="med"/>
-                      <a:tailEnd type="none" w="med" len="med"/>
-                    </a:lnL>
-                    <a:lnR w="12700" cap="flat" cmpd="sng" algn="ctr">
-                      <a:solidFill>
-                        <a:schemeClr val="tx1"/>
-                      </a:solidFill>
-                      <a:prstDash val="solid"/>
-                      <a:round/>
-                      <a:headEnd type="none" w="med" len="med"/>
-                      <a:tailEnd type="none" w="med" len="med"/>
-                    </a:lnR>
-                    <a:lnT w="12700" cap="flat" cmpd="sng" algn="ctr">
-                      <a:solidFill>
-                        <a:schemeClr val="tx1"/>
-                      </a:solidFill>
-                      <a:prstDash val="solid"/>
-                      <a:round/>
-                      <a:headEnd type="none" w="med" len="med"/>
-                      <a:tailEnd type="none" w="med" len="med"/>
-                    </a:lnT>
-                    <a:lnB w="12700" cap="flat" cmpd="sng" algn="ctr">
-                      <a:solidFill>
-                        <a:schemeClr val="tx1"/>
-                      </a:solidFill>
-                      <a:prstDash val="solid"/>
-                      <a:round/>
-                      <a:headEnd type="none" w="med" len="med"/>
-                      <a:tailEnd type="none" w="med" len="med"/>
-                    </a:lnB>
-                    <a:solidFill>
-                      <a:srgbClr val="5B9BD5"/>
-                    </a:solidFill>
-                  </a:tcPr>
-                </a:tc>
-                <a:tc>
-                  <a:txBody>
-                    <a:bodyPr/>
-                    <a:lstStyle/>
-                    <a:p>
-                      <a:pPr algn="ctr" fontAlgn="b"/>
-                      <a:r>
-                        <a:rPr lang="en-US" sz="1400" b="0" u="none" strike="noStrike" dirty="0">
-                          <a:solidFill>
-                            <a:srgbClr val="000000"/>
-                          </a:solidFill>
-                          <a:effectLst/>
-                        </a:rPr>
-                        <a:t>4192</a:t>
-                      </a:r>
-                      <a:endParaRPr lang="en-US" sz="1400" b="0" i="0" u="none" strike="noStrike" dirty="0">
-                        <a:solidFill>
-                          <a:srgbClr val="000000"/>
-                        </a:solidFill>
-                        <a:effectLst/>
-                        <a:latin typeface="Calibri" panose="020F0502020204030204" pitchFamily="34" charset="0"/>
-                      </a:endParaRPr>
-                    </a:p>
-                  </a:txBody>
-                  <a:tcPr marL="3175" marR="3175" marT="3175" marB="0" anchor="b">
-                    <a:lnL w="12700" cap="flat" cmpd="sng" algn="ctr">
-                      <a:solidFill>
-                        <a:schemeClr val="tx1"/>
-                      </a:solidFill>
-                      <a:prstDash val="solid"/>
-                      <a:round/>
-                      <a:headEnd type="none" w="med" len="med"/>
-                      <a:tailEnd type="none" w="med" len="med"/>
-                    </a:lnL>
-                    <a:lnR w="12700" cap="flat" cmpd="sng" algn="ctr">
-                      <a:solidFill>
-                        <a:schemeClr val="tx1"/>
-                      </a:solidFill>
-                      <a:prstDash val="solid"/>
-                      <a:round/>
-                      <a:headEnd type="none" w="med" len="med"/>
-                      <a:tailEnd type="none" w="med" len="med"/>
-                    </a:lnR>
-                    <a:lnT w="12700" cap="flat" cmpd="sng" algn="ctr">
-                      <a:solidFill>
-                        <a:schemeClr val="tx1"/>
-                      </a:solidFill>
-                      <a:prstDash val="solid"/>
-                      <a:round/>
-                      <a:headEnd type="none" w="med" len="med"/>
-                      <a:tailEnd type="none" w="med" len="med"/>
-                    </a:lnT>
-                    <a:lnB w="12700" cap="flat" cmpd="sng" algn="ctr">
-                      <a:solidFill>
-                        <a:schemeClr val="tx1"/>
-                      </a:solidFill>
-                      <a:prstDash val="solid"/>
-                      <a:round/>
-                      <a:headEnd type="none" w="med" len="med"/>
-                      <a:tailEnd type="none" w="med" len="med"/>
-                    </a:lnB>
-                    <a:solidFill>
-                      <a:schemeClr val="bg2"/>
-                    </a:solidFill>
-                  </a:tcPr>
-                </a:tc>
-                <a:tc>
-                  <a:txBody>
-                    <a:bodyPr/>
-                    <a:lstStyle/>
-                    <a:p>
-                      <a:pPr algn="ctr" fontAlgn="b"/>
-                      <a:r>
-                        <a:rPr lang="en-US" sz="1400" b="0" i="0" u="none" strike="noStrike" dirty="0">
-                          <a:solidFill>
-                            <a:srgbClr val="000000"/>
-                          </a:solidFill>
-                          <a:effectLst/>
-                          <a:latin typeface="Calibri" panose="020F0502020204030204" pitchFamily="34" charset="0"/>
-                        </a:rPr>
-                        <a:t>6.82%</a:t>
-                      </a:r>
-                    </a:p>
-                  </a:txBody>
-                  <a:tcPr marL="3175" marR="3175" marT="3175" marB="0" anchor="b">
-                    <a:lnL w="12700" cap="flat" cmpd="sng" algn="ctr">
-                      <a:solidFill>
-                        <a:schemeClr val="tx1"/>
-                      </a:solidFill>
-                      <a:prstDash val="solid"/>
-                      <a:round/>
-                      <a:headEnd type="none" w="med" len="med"/>
-                      <a:tailEnd type="none" w="med" len="med"/>
-                    </a:lnL>
-                    <a:lnR w="12700" cap="flat" cmpd="sng" algn="ctr">
-                      <a:solidFill>
-                        <a:schemeClr val="tx1"/>
-                      </a:solidFill>
-                      <a:prstDash val="solid"/>
-                      <a:round/>
-                      <a:headEnd type="none" w="med" len="med"/>
-                      <a:tailEnd type="none" w="med" len="med"/>
-                    </a:lnR>
-                    <a:lnT w="12700" cap="flat" cmpd="sng" algn="ctr">
-                      <a:solidFill>
-                        <a:schemeClr val="tx1"/>
-                      </a:solidFill>
-                      <a:prstDash val="solid"/>
-                      <a:round/>
-                      <a:headEnd type="none" w="med" len="med"/>
-                      <a:tailEnd type="none" w="med" len="med"/>
-                    </a:lnT>
-                    <a:lnB w="12700" cap="flat" cmpd="sng" algn="ctr">
-                      <a:solidFill>
-                        <a:schemeClr val="tx1"/>
-                      </a:solidFill>
-                      <a:prstDash val="solid"/>
-                      <a:round/>
-                      <a:headEnd type="none" w="med" len="med"/>
-                      <a:tailEnd type="none" w="med" len="med"/>
-                    </a:lnB>
-                    <a:solidFill>
-                      <a:schemeClr val="bg2"/>
-                    </a:solidFill>
-                  </a:tcPr>
-                </a:tc>
-                <a:extLst>
-                  <a:ext uri="{0D108BD9-81ED-4DB2-BD59-A6C34878D82A}">
-                    <a16:rowId xmlns:a16="http://schemas.microsoft.com/office/drawing/2014/main" val="664522800"/>
-                  </a:ext>
-                </a:extLst>
-              </a:tr>
-            </a:tbl>
-          </a:graphicData>
-        </a:graphic>
-      </p:graphicFrame>
-    </p:spTree>
-    <p:extLst>
-      <p:ext uri="{BB962C8B-B14F-4D97-AF65-F5344CB8AC3E}">
-        <p14:creationId xmlns:p14="http://schemas.microsoft.com/office/powerpoint/2010/main" val="816787472"/>
-      </p:ext>
-    </p:extLst>
-  </p:cSld>
-  <p:clrMapOvr>
-    <a:masterClrMapping/>
-  </p:clrMapOvr>
-</p:sld>
-</file>
-
 <file path=ppt/slides/slide19.xml><?xml version="1.0" encoding="utf-8"?>
 <p:sld xmlns:a="http://schemas.openxmlformats.org/drawingml/2006/main" xmlns:r="http://schemas.openxmlformats.org/officeDocument/2006/relationships" xmlns:p="http://schemas.openxmlformats.org/presentationml/2006/main">
   <p:cSld>
@@ -41170,65 +40911,7 @@
       </p:grpSpPr>
       <p:sp>
         <p:nvSpPr>
-          <p:cNvPr id="3" name="Rectangle 2">
-            <a:extLst>
-              <a:ext uri="{FF2B5EF4-FFF2-40B4-BE49-F238E27FC236}">
-                <a16:creationId xmlns:a16="http://schemas.microsoft.com/office/drawing/2014/main" id="{0C9A7B60-0CB4-5DEB-ED0A-5F6F9B68C056}"/>
-              </a:ext>
-            </a:extLst>
-          </p:cNvPr>
-          <p:cNvSpPr/>
-          <p:nvPr/>
-        </p:nvSpPr>
-        <p:spPr>
-          <a:xfrm>
-            <a:off x="1243584" y="1905000"/>
-            <a:ext cx="4720438" cy="4271963"/>
-          </a:xfrm>
-          <a:prstGeom prst="rect">
-            <a:avLst/>
-          </a:prstGeom>
-          <a:solidFill>
-            <a:schemeClr val="accent1">
-              <a:lumMod val="40000"/>
-              <a:lumOff val="60000"/>
-            </a:schemeClr>
-          </a:solidFill>
-        </p:spPr>
-        <p:style>
-          <a:lnRef idx="2">
-            <a:schemeClr val="accent1">
-              <a:shade val="50000"/>
-            </a:schemeClr>
-          </a:lnRef>
-          <a:fillRef idx="1">
-            <a:schemeClr val="accent1"/>
-          </a:fillRef>
-          <a:effectRef idx="0">
-            <a:schemeClr val="accent1"/>
-          </a:effectRef>
-          <a:fontRef idx="minor">
-            <a:schemeClr val="lt1"/>
-          </a:fontRef>
-        </p:style>
-        <p:txBody>
-          <a:bodyPr rtlCol="0" anchor="ctr"/>
-          <a:lstStyle/>
-          <a:p>
-            <a:pPr algn="ctr"/>
-            <a:endParaRPr lang="en-US"/>
-          </a:p>
-        </p:txBody>
-      </p:sp>
-      <p:sp>
-        <p:nvSpPr>
-          <p:cNvPr id="2" name="Title 1">
-            <a:extLst>
-              <a:ext uri="{FF2B5EF4-FFF2-40B4-BE49-F238E27FC236}">
-                <a16:creationId xmlns:a16="http://schemas.microsoft.com/office/drawing/2014/main" id="{9C7E4668-870D-4427-B97B-706B3132BE8C}"/>
-              </a:ext>
-            </a:extLst>
-          </p:cNvPr>
+          <p:cNvPr id="2" name="Title 1"/>
           <p:cNvSpPr>
             <a:spLocks noGrp="1"/>
           </p:cNvSpPr>
@@ -41236,84 +40919,47 @@
             <p:ph type="title"/>
           </p:nvPr>
         </p:nvSpPr>
-        <p:spPr/>
+        <p:spPr>
+          <a:xfrm>
+            <a:off x="1443992" y="2024109"/>
+            <a:ext cx="10105856" cy="2308194"/>
+          </a:xfrm>
+        </p:spPr>
         <p:txBody>
-          <a:bodyPr/>
+          <a:bodyPr>
+            <a:noAutofit/>
+          </a:bodyPr>
           <a:lstStyle/>
           <a:p>
             <a:pPr algn="ctr"/>
             <a:r>
-              <a:rPr lang="en-US" dirty="0"/>
-              <a:t>Total sales by country</a:t>
+              <a:rPr lang="en-US" sz="6600" dirty="0">
+                <a:effectLst>
+                  <a:outerShdw blurRad="38100" dist="38100" dir="2700000" algn="tl">
+                    <a:srgbClr val="000000">
+                      <a:alpha val="43137"/>
+                    </a:srgbClr>
+                  </a:outerShdw>
+                </a:effectLst>
+              </a:rPr>
+              <a:t>Which locations see the highest traffic of sales?</a:t>
             </a:r>
+            <a:endParaRPr lang="en-US" sz="6600" dirty="0">
+              <a:effectLst>
+                <a:outerShdw blurRad="38100" dist="38100" dir="2700000" algn="tl">
+                  <a:srgbClr val="000000">
+                    <a:alpha val="43137"/>
+                  </a:srgbClr>
+                </a:outerShdw>
+              </a:effectLst>
+            </a:endParaRPr>
           </a:p>
         </p:txBody>
       </p:sp>
-      <p:graphicFrame>
-        <p:nvGraphicFramePr>
-          <p:cNvPr id="10" name="Content Placeholder 5">
-            <a:extLst>
-              <a:ext uri="{FF2B5EF4-FFF2-40B4-BE49-F238E27FC236}">
-                <a16:creationId xmlns:a16="http://schemas.microsoft.com/office/drawing/2014/main" id="{949C4305-9A19-7686-3B46-D6BCAEBDF4C2}"/>
-              </a:ext>
-            </a:extLst>
-          </p:cNvPr>
-          <p:cNvGraphicFramePr>
-            <a:graphicFrameLocks noGrp="1"/>
-          </p:cNvGraphicFramePr>
-          <p:nvPr>
-            <p:ph sz="half" idx="1"/>
-            <p:extLst>
-              <p:ext uri="{D42A27DB-BD31-4B8C-83A1-F6EECF244321}">
-                <p14:modId xmlns:p14="http://schemas.microsoft.com/office/powerpoint/2010/main" val="2180448957"/>
-              </p:ext>
-            </p:extLst>
-          </p:nvPr>
-        </p:nvGraphicFramePr>
-        <p:xfrm>
-          <a:off x="1243584" y="1905000"/>
-          <a:ext cx="4720437" cy="4271963"/>
-        </p:xfrm>
-        <a:graphic>
-          <a:graphicData uri="http://schemas.openxmlformats.org/drawingml/2006/chart">
-            <c:chart xmlns:c="http://schemas.openxmlformats.org/drawingml/2006/chart" xmlns:r="http://schemas.openxmlformats.org/officeDocument/2006/relationships" r:id="rId2"/>
-          </a:graphicData>
-        </a:graphic>
-      </p:graphicFrame>
-      <p:pic>
-        <p:nvPicPr>
-          <p:cNvPr id="7" name="Picture 6">
-            <a:extLst>
-              <a:ext uri="{FF2B5EF4-FFF2-40B4-BE49-F238E27FC236}">
-                <a16:creationId xmlns:a16="http://schemas.microsoft.com/office/drawing/2014/main" id="{47222BED-8EEB-36F6-84ED-06FFC7001FFF}"/>
-              </a:ext>
-            </a:extLst>
-          </p:cNvPr>
-          <p:cNvPicPr>
-            <a:picLocks noChangeAspect="1"/>
-          </p:cNvPicPr>
-          <p:nvPr/>
-        </p:nvPicPr>
-        <p:blipFill>
-          <a:blip r:embed="rId3"/>
-          <a:stretch>
-            <a:fillRect/>
-          </a:stretch>
-        </p:blipFill>
-        <p:spPr>
-          <a:xfrm>
-            <a:off x="6714744" y="1825625"/>
-            <a:ext cx="4039145" cy="4351338"/>
-          </a:xfrm>
-          <a:prstGeom prst="rect">
-            <a:avLst/>
-          </a:prstGeom>
-        </p:spPr>
-      </p:pic>
     </p:spTree>
     <p:extLst>
       <p:ext uri="{BB962C8B-B14F-4D97-AF65-F5344CB8AC3E}">
-        <p14:creationId xmlns:p14="http://schemas.microsoft.com/office/powerpoint/2010/main" val="3348108809"/>
+        <p14:creationId xmlns:p14="http://schemas.microsoft.com/office/powerpoint/2010/main" val="3797081308"/>
       </p:ext>
     </p:extLst>
   </p:cSld>
@@ -41485,7 +41131,7 @@
           <p:cNvPr id="2" name="Title 1">
             <a:extLst>
               <a:ext uri="{FF2B5EF4-FFF2-40B4-BE49-F238E27FC236}">
-                <a16:creationId xmlns:a16="http://schemas.microsoft.com/office/drawing/2014/main" id="{17F610D9-0EE1-482F-A4C4-4671ACA12FCE}"/>
+                <a16:creationId xmlns:a16="http://schemas.microsoft.com/office/drawing/2014/main" id="{9EBA67EE-EBE2-1849-B6CB-F3043836ABCA}"/>
               </a:ext>
             </a:extLst>
           </p:cNvPr>
@@ -41496,24 +41142,1366 @@
             <p:ph type="title"/>
           </p:nvPr>
         </p:nvSpPr>
-        <p:spPr/>
+        <p:spPr>
+          <a:xfrm>
+            <a:off x="2592924" y="624110"/>
+            <a:ext cx="7465476" cy="1280890"/>
+          </a:xfrm>
+        </p:spPr>
         <p:txBody>
           <a:bodyPr/>
           <a:lstStyle/>
           <a:p>
+            <a:pPr algn="ctr"/>
             <a:r>
-              <a:rPr lang="en-US" dirty="0"/>
-              <a:t>What times have the highest traffic of sales? Per country?</a:t>
+              <a:rPr lang="en-US" dirty="0" smtClean="0"/>
+              <a:t>Top 5 Countries by Sales Traffic</a:t>
             </a:r>
+            <a:endParaRPr lang="en-US" dirty="0"/>
+          </a:p>
+        </p:txBody>
+      </p:sp>
+      <p:graphicFrame>
+        <p:nvGraphicFramePr>
+          <p:cNvPr id="6" name="Content Placeholder 5">
+            <a:extLst>
+              <a:ext uri="{FF2B5EF4-FFF2-40B4-BE49-F238E27FC236}">
+                <a16:creationId xmlns:a16="http://schemas.microsoft.com/office/drawing/2014/main" id="{56A71CD1-0C8F-C73B-7236-7B374D735E80}"/>
+              </a:ext>
+            </a:extLst>
+          </p:cNvPr>
+          <p:cNvGraphicFramePr>
+            <a:graphicFrameLocks noGrp="1"/>
+          </p:cNvGraphicFramePr>
+          <p:nvPr>
+            <p:ph sz="half" idx="1"/>
+            <p:extLst>
+              <p:ext uri="{D42A27DB-BD31-4B8C-83A1-F6EECF244321}">
+                <p14:modId xmlns:p14="http://schemas.microsoft.com/office/powerpoint/2010/main" val="4071865212"/>
+              </p:ext>
+            </p:extLst>
+          </p:nvPr>
+        </p:nvGraphicFramePr>
+        <p:xfrm>
+          <a:off x="838200" y="1825625"/>
+          <a:ext cx="5181600" cy="4346575"/>
+        </p:xfrm>
+        <a:graphic>
+          <a:graphicData uri="http://schemas.openxmlformats.org/drawingml/2006/chart">
+            <c:chart xmlns:c="http://schemas.openxmlformats.org/drawingml/2006/chart" xmlns:r="http://schemas.openxmlformats.org/officeDocument/2006/relationships" r:id="rId3"/>
+          </a:graphicData>
+        </a:graphic>
+      </p:graphicFrame>
+      <p:graphicFrame>
+        <p:nvGraphicFramePr>
+          <p:cNvPr id="11" name="Table 11">
+            <a:extLst>
+              <a:ext uri="{FF2B5EF4-FFF2-40B4-BE49-F238E27FC236}">
+                <a16:creationId xmlns:a16="http://schemas.microsoft.com/office/drawing/2014/main" id="{F090E38C-A908-D7CF-E8B8-697E04174A0B}"/>
+              </a:ext>
+            </a:extLst>
+          </p:cNvPr>
+          <p:cNvGraphicFramePr>
+            <a:graphicFrameLocks noGrp="1"/>
+          </p:cNvGraphicFramePr>
+          <p:nvPr>
+            <p:ph sz="half" idx="2"/>
+            <p:extLst>
+              <p:ext uri="{D42A27DB-BD31-4B8C-83A1-F6EECF244321}">
+                <p14:modId xmlns:p14="http://schemas.microsoft.com/office/powerpoint/2010/main" val="4264031551"/>
+              </p:ext>
+            </p:extLst>
+          </p:nvPr>
+        </p:nvGraphicFramePr>
+        <p:xfrm>
+          <a:off x="6669240" y="2698877"/>
+          <a:ext cx="4214783" cy="2478115"/>
+        </p:xfrm>
+        <a:graphic>
+          <a:graphicData uri="http://schemas.openxmlformats.org/drawingml/2006/table">
+            <a:tbl>
+              <a:tblPr firstRow="1" bandRow="1">
+                <a:tableStyleId>{5C22544A-7EE6-4342-B048-85BDC9FD1C3A}</a:tableStyleId>
+              </a:tblPr>
+              <a:tblGrid>
+                <a:gridCol w="1187498">
+                  <a:extLst>
+                    <a:ext uri="{9D8B030D-6E8A-4147-A177-3AD203B41FA5}">
+                      <a16:colId xmlns:a16="http://schemas.microsoft.com/office/drawing/2014/main" val="826528610"/>
+                    </a:ext>
+                  </a:extLst>
+                </a:gridCol>
+                <a:gridCol w="1393794">
+                  <a:extLst>
+                    <a:ext uri="{9D8B030D-6E8A-4147-A177-3AD203B41FA5}">
+                      <a16:colId xmlns:a16="http://schemas.microsoft.com/office/drawing/2014/main" val="4263001154"/>
+                    </a:ext>
+                  </a:extLst>
+                </a:gridCol>
+                <a:gridCol w="1633491">
+                  <a:extLst>
+                    <a:ext uri="{9D8B030D-6E8A-4147-A177-3AD203B41FA5}">
+                      <a16:colId xmlns:a16="http://schemas.microsoft.com/office/drawing/2014/main" val="1642291773"/>
+                    </a:ext>
+                  </a:extLst>
+                </a:gridCol>
+              </a:tblGrid>
+              <a:tr h="437515">
+                <a:tc>
+                  <a:txBody>
+                    <a:bodyPr/>
+                    <a:lstStyle/>
+                    <a:p>
+                      <a:pPr algn="ctr"/>
+                      <a:r>
+                        <a:rPr lang="en-US" dirty="0"/>
+                        <a:t>Country</a:t>
+                      </a:r>
+                    </a:p>
+                  </a:txBody>
+                  <a:tcPr>
+                    <a:lnL w="12700" cap="flat" cmpd="sng" algn="ctr">
+                      <a:solidFill>
+                        <a:schemeClr val="tx1"/>
+                      </a:solidFill>
+                      <a:prstDash val="solid"/>
+                      <a:round/>
+                      <a:headEnd type="none" w="med" len="med"/>
+                      <a:tailEnd type="none" w="med" len="med"/>
+                    </a:lnL>
+                    <a:lnR w="12700" cap="flat" cmpd="sng" algn="ctr">
+                      <a:solidFill>
+                        <a:schemeClr val="tx1"/>
+                      </a:solidFill>
+                      <a:prstDash val="solid"/>
+                      <a:round/>
+                      <a:headEnd type="none" w="med" len="med"/>
+                      <a:tailEnd type="none" w="med" len="med"/>
+                    </a:lnR>
+                    <a:lnT w="12700" cap="flat" cmpd="sng" algn="ctr">
+                      <a:solidFill>
+                        <a:schemeClr val="tx1"/>
+                      </a:solidFill>
+                      <a:prstDash val="solid"/>
+                      <a:round/>
+                      <a:headEnd type="none" w="med" len="med"/>
+                      <a:tailEnd type="none" w="med" len="med"/>
+                    </a:lnT>
+                    <a:lnB w="12700" cap="flat" cmpd="sng" algn="ctr">
+                      <a:solidFill>
+                        <a:schemeClr val="tx1"/>
+                      </a:solidFill>
+                      <a:prstDash val="solid"/>
+                      <a:round/>
+                      <a:headEnd type="none" w="med" len="med"/>
+                      <a:tailEnd type="none" w="med" len="med"/>
+                    </a:lnB>
+                    <a:solidFill>
+                      <a:schemeClr val="accent5"/>
+                    </a:solidFill>
+                  </a:tcPr>
+                </a:tc>
+                <a:tc>
+                  <a:txBody>
+                    <a:bodyPr/>
+                    <a:lstStyle/>
+                    <a:p>
+                      <a:pPr algn="ctr"/>
+                      <a:r>
+                        <a:rPr lang="en-US" dirty="0"/>
+                        <a:t>Total Sales</a:t>
+                      </a:r>
+                    </a:p>
+                  </a:txBody>
+                  <a:tcPr>
+                    <a:lnL w="12700" cap="flat" cmpd="sng" algn="ctr">
+                      <a:solidFill>
+                        <a:schemeClr val="tx1"/>
+                      </a:solidFill>
+                      <a:prstDash val="solid"/>
+                      <a:round/>
+                      <a:headEnd type="none" w="med" len="med"/>
+                      <a:tailEnd type="none" w="med" len="med"/>
+                    </a:lnL>
+                    <a:lnR w="12700" cap="flat" cmpd="sng" algn="ctr">
+                      <a:solidFill>
+                        <a:schemeClr val="tx1"/>
+                      </a:solidFill>
+                      <a:prstDash val="solid"/>
+                      <a:round/>
+                      <a:headEnd type="none" w="med" len="med"/>
+                      <a:tailEnd type="none" w="med" len="med"/>
+                    </a:lnR>
+                    <a:lnT w="12700" cap="flat" cmpd="sng" algn="ctr">
+                      <a:solidFill>
+                        <a:schemeClr val="tx1"/>
+                      </a:solidFill>
+                      <a:prstDash val="solid"/>
+                      <a:round/>
+                      <a:headEnd type="none" w="med" len="med"/>
+                      <a:tailEnd type="none" w="med" len="med"/>
+                    </a:lnT>
+                    <a:lnB w="12700" cap="flat" cmpd="sng" algn="ctr">
+                      <a:solidFill>
+                        <a:schemeClr val="tx1"/>
+                      </a:solidFill>
+                      <a:prstDash val="solid"/>
+                      <a:round/>
+                      <a:headEnd type="none" w="med" len="med"/>
+                      <a:tailEnd type="none" w="med" len="med"/>
+                    </a:lnB>
+                    <a:solidFill>
+                      <a:schemeClr val="accent5"/>
+                    </a:solidFill>
+                  </a:tcPr>
+                </a:tc>
+                <a:tc>
+                  <a:txBody>
+                    <a:bodyPr/>
+                    <a:lstStyle/>
+                    <a:p>
+                      <a:pPr algn="ctr"/>
+                      <a:r>
+                        <a:rPr lang="en-US" dirty="0"/>
+                        <a:t>Percentage</a:t>
+                      </a:r>
+                    </a:p>
+                  </a:txBody>
+                  <a:tcPr>
+                    <a:lnL w="12700" cap="flat" cmpd="sng" algn="ctr">
+                      <a:solidFill>
+                        <a:schemeClr val="tx1"/>
+                      </a:solidFill>
+                      <a:prstDash val="solid"/>
+                      <a:round/>
+                      <a:headEnd type="none" w="med" len="med"/>
+                      <a:tailEnd type="none" w="med" len="med"/>
+                    </a:lnL>
+                    <a:lnR w="12700" cap="flat" cmpd="sng" algn="ctr">
+                      <a:solidFill>
+                        <a:schemeClr val="tx1"/>
+                      </a:solidFill>
+                      <a:prstDash val="solid"/>
+                      <a:round/>
+                      <a:headEnd type="none" w="med" len="med"/>
+                      <a:tailEnd type="none" w="med" len="med"/>
+                    </a:lnR>
+                    <a:lnT w="12700" cap="flat" cmpd="sng" algn="ctr">
+                      <a:solidFill>
+                        <a:schemeClr val="tx1"/>
+                      </a:solidFill>
+                      <a:prstDash val="solid"/>
+                      <a:round/>
+                      <a:headEnd type="none" w="med" len="med"/>
+                      <a:tailEnd type="none" w="med" len="med"/>
+                    </a:lnT>
+                    <a:lnB w="12700" cap="flat" cmpd="sng" algn="ctr">
+                      <a:solidFill>
+                        <a:schemeClr val="tx1"/>
+                      </a:solidFill>
+                      <a:prstDash val="solid"/>
+                      <a:round/>
+                      <a:headEnd type="none" w="med" len="med"/>
+                      <a:tailEnd type="none" w="med" len="med"/>
+                    </a:lnB>
+                    <a:solidFill>
+                      <a:schemeClr val="accent5"/>
+                    </a:solidFill>
+                  </a:tcPr>
+                </a:tc>
+                <a:extLst>
+                  <a:ext uri="{0D108BD9-81ED-4DB2-BD59-A6C34878D82A}">
+                    <a16:rowId xmlns:a16="http://schemas.microsoft.com/office/drawing/2014/main" val="261141776"/>
+                  </a:ext>
+                </a:extLst>
+              </a:tr>
+              <a:tr h="408120">
+                <a:tc>
+                  <a:txBody>
+                    <a:bodyPr/>
+                    <a:lstStyle/>
+                    <a:p>
+                      <a:pPr algn="l" fontAlgn="b"/>
+                      <a:r>
+                        <a:rPr lang="en-US" sz="1400" b="0" u="none" strike="noStrike" dirty="0">
+                          <a:solidFill>
+                            <a:schemeClr val="bg1"/>
+                          </a:solidFill>
+                          <a:effectLst/>
+                        </a:rPr>
+                        <a:t>India</a:t>
+                      </a:r>
+                      <a:endParaRPr lang="en-US" sz="1400" b="0" i="0" u="none" strike="noStrike" dirty="0">
+                        <a:solidFill>
+                          <a:schemeClr val="bg1"/>
+                        </a:solidFill>
+                        <a:effectLst/>
+                        <a:latin typeface="Calibri" panose="020F0502020204030204" pitchFamily="34" charset="0"/>
+                      </a:endParaRPr>
+                    </a:p>
+                  </a:txBody>
+                  <a:tcPr marL="3175" marR="3175" marT="3175" marB="0" anchor="ctr">
+                    <a:lnL w="12700" cap="flat" cmpd="sng" algn="ctr">
+                      <a:solidFill>
+                        <a:schemeClr val="tx1"/>
+                      </a:solidFill>
+                      <a:prstDash val="solid"/>
+                      <a:round/>
+                      <a:headEnd type="none" w="med" len="med"/>
+                      <a:tailEnd type="none" w="med" len="med"/>
+                    </a:lnL>
+                    <a:lnR w="12700" cap="flat" cmpd="sng" algn="ctr">
+                      <a:solidFill>
+                        <a:schemeClr val="tx1"/>
+                      </a:solidFill>
+                      <a:prstDash val="solid"/>
+                      <a:round/>
+                      <a:headEnd type="none" w="med" len="med"/>
+                      <a:tailEnd type="none" w="med" len="med"/>
+                    </a:lnR>
+                    <a:lnT w="12700" cap="flat" cmpd="sng" algn="ctr">
+                      <a:solidFill>
+                        <a:schemeClr val="tx1"/>
+                      </a:solidFill>
+                      <a:prstDash val="solid"/>
+                      <a:round/>
+                      <a:headEnd type="none" w="med" len="med"/>
+                      <a:tailEnd type="none" w="med" len="med"/>
+                    </a:lnT>
+                    <a:lnB w="12700" cap="flat" cmpd="sng" algn="ctr">
+                      <a:solidFill>
+                        <a:schemeClr val="tx1"/>
+                      </a:solidFill>
+                      <a:prstDash val="solid"/>
+                      <a:round/>
+                      <a:headEnd type="none" w="med" len="med"/>
+                      <a:tailEnd type="none" w="med" len="med"/>
+                    </a:lnB>
+                    <a:solidFill>
+                      <a:srgbClr val="4472C4"/>
+                    </a:solidFill>
+                  </a:tcPr>
+                </a:tc>
+                <a:tc>
+                  <a:txBody>
+                    <a:bodyPr/>
+                    <a:lstStyle/>
+                    <a:p>
+                      <a:pPr algn="ctr" fontAlgn="b"/>
+                      <a:r>
+                        <a:rPr lang="en-US" sz="1400" b="0" u="none" strike="noStrike" dirty="0">
+                          <a:solidFill>
+                            <a:srgbClr val="000000"/>
+                          </a:solidFill>
+                          <a:effectLst/>
+                        </a:rPr>
+                        <a:t>4243</a:t>
+                      </a:r>
+                      <a:endParaRPr lang="en-US" sz="1400" b="0" i="0" u="none" strike="noStrike" dirty="0">
+                        <a:solidFill>
+                          <a:srgbClr val="000000"/>
+                        </a:solidFill>
+                        <a:effectLst/>
+                        <a:latin typeface="Calibri" panose="020F0502020204030204" pitchFamily="34" charset="0"/>
+                      </a:endParaRPr>
+                    </a:p>
+                  </a:txBody>
+                  <a:tcPr marL="3175" marR="3175" marT="3175" marB="0" anchor="ctr">
+                    <a:lnL w="12700" cap="flat" cmpd="sng" algn="ctr">
+                      <a:solidFill>
+                        <a:schemeClr val="tx1"/>
+                      </a:solidFill>
+                      <a:prstDash val="solid"/>
+                      <a:round/>
+                      <a:headEnd type="none" w="med" len="med"/>
+                      <a:tailEnd type="none" w="med" len="med"/>
+                    </a:lnL>
+                    <a:lnR w="12700" cap="flat" cmpd="sng" algn="ctr">
+                      <a:solidFill>
+                        <a:schemeClr val="tx1"/>
+                      </a:solidFill>
+                      <a:prstDash val="solid"/>
+                      <a:round/>
+                      <a:headEnd type="none" w="med" len="med"/>
+                      <a:tailEnd type="none" w="med" len="med"/>
+                    </a:lnR>
+                    <a:lnT w="12700" cap="flat" cmpd="sng" algn="ctr">
+                      <a:solidFill>
+                        <a:schemeClr val="tx1"/>
+                      </a:solidFill>
+                      <a:prstDash val="solid"/>
+                      <a:round/>
+                      <a:headEnd type="none" w="med" len="med"/>
+                      <a:tailEnd type="none" w="med" len="med"/>
+                    </a:lnT>
+                    <a:lnB w="12700" cap="flat" cmpd="sng" algn="ctr">
+                      <a:solidFill>
+                        <a:schemeClr val="tx1"/>
+                      </a:solidFill>
+                      <a:prstDash val="solid"/>
+                      <a:round/>
+                      <a:headEnd type="none" w="med" len="med"/>
+                      <a:tailEnd type="none" w="med" len="med"/>
+                    </a:lnB>
+                    <a:solidFill>
+                      <a:schemeClr val="bg2"/>
+                    </a:solidFill>
+                  </a:tcPr>
+                </a:tc>
+                <a:tc>
+                  <a:txBody>
+                    <a:bodyPr/>
+                    <a:lstStyle/>
+                    <a:p>
+                      <a:pPr algn="ctr" fontAlgn="b"/>
+                      <a:r>
+                        <a:rPr lang="en-US" sz="1400" b="0" i="0" u="none" strike="noStrike" dirty="0">
+                          <a:solidFill>
+                            <a:srgbClr val="000000"/>
+                          </a:solidFill>
+                          <a:effectLst/>
+                          <a:latin typeface="Calibri" panose="020F0502020204030204" pitchFamily="34" charset="0"/>
+                        </a:rPr>
+                        <a:t>6.90%</a:t>
+                      </a:r>
+                    </a:p>
+                  </a:txBody>
+                  <a:tcPr marL="3175" marR="3175" marT="3175" marB="0" anchor="ctr">
+                    <a:lnL w="12700" cap="flat" cmpd="sng" algn="ctr">
+                      <a:solidFill>
+                        <a:schemeClr val="tx1"/>
+                      </a:solidFill>
+                      <a:prstDash val="solid"/>
+                      <a:round/>
+                      <a:headEnd type="none" w="med" len="med"/>
+                      <a:tailEnd type="none" w="med" len="med"/>
+                    </a:lnL>
+                    <a:lnR w="12700" cap="flat" cmpd="sng" algn="ctr">
+                      <a:solidFill>
+                        <a:schemeClr val="tx1"/>
+                      </a:solidFill>
+                      <a:prstDash val="solid"/>
+                      <a:round/>
+                      <a:headEnd type="none" w="med" len="med"/>
+                      <a:tailEnd type="none" w="med" len="med"/>
+                    </a:lnR>
+                    <a:lnT w="12700" cap="flat" cmpd="sng" algn="ctr">
+                      <a:solidFill>
+                        <a:schemeClr val="tx1"/>
+                      </a:solidFill>
+                      <a:prstDash val="solid"/>
+                      <a:round/>
+                      <a:headEnd type="none" w="med" len="med"/>
+                      <a:tailEnd type="none" w="med" len="med"/>
+                    </a:lnT>
+                    <a:lnB w="12700" cap="flat" cmpd="sng" algn="ctr">
+                      <a:solidFill>
+                        <a:schemeClr val="tx1"/>
+                      </a:solidFill>
+                      <a:prstDash val="solid"/>
+                      <a:round/>
+                      <a:headEnd type="none" w="med" len="med"/>
+                      <a:tailEnd type="none" w="med" len="med"/>
+                    </a:lnB>
+                    <a:solidFill>
+                      <a:schemeClr val="bg2"/>
+                    </a:solidFill>
+                  </a:tcPr>
+                </a:tc>
+                <a:extLst>
+                  <a:ext uri="{0D108BD9-81ED-4DB2-BD59-A6C34878D82A}">
+                    <a16:rowId xmlns:a16="http://schemas.microsoft.com/office/drawing/2014/main" val="3843571021"/>
+                  </a:ext>
+                </a:extLst>
+              </a:tr>
+              <a:tr h="408120">
+                <a:tc>
+                  <a:txBody>
+                    <a:bodyPr/>
+                    <a:lstStyle/>
+                    <a:p>
+                      <a:pPr algn="l" fontAlgn="b"/>
+                      <a:r>
+                        <a:rPr lang="en-US" sz="1400" b="0" u="none" strike="noStrike" dirty="0">
+                          <a:solidFill>
+                            <a:schemeClr val="bg1"/>
+                          </a:solidFill>
+                          <a:effectLst/>
+                        </a:rPr>
+                        <a:t>Ireland</a:t>
+                      </a:r>
+                      <a:endParaRPr lang="en-US" sz="1400" b="0" i="0" u="none" strike="noStrike" dirty="0">
+                        <a:solidFill>
+                          <a:schemeClr val="bg1"/>
+                        </a:solidFill>
+                        <a:effectLst/>
+                        <a:latin typeface="Calibri" panose="020F0502020204030204" pitchFamily="34" charset="0"/>
+                      </a:endParaRPr>
+                    </a:p>
+                  </a:txBody>
+                  <a:tcPr marL="3175" marR="3175" marT="3175" marB="0" anchor="ctr">
+                    <a:lnL w="12700" cap="flat" cmpd="sng" algn="ctr">
+                      <a:solidFill>
+                        <a:schemeClr val="tx1"/>
+                      </a:solidFill>
+                      <a:prstDash val="solid"/>
+                      <a:round/>
+                      <a:headEnd type="none" w="med" len="med"/>
+                      <a:tailEnd type="none" w="med" len="med"/>
+                    </a:lnL>
+                    <a:lnR w="12700" cap="flat" cmpd="sng" algn="ctr">
+                      <a:solidFill>
+                        <a:schemeClr val="tx1"/>
+                      </a:solidFill>
+                      <a:prstDash val="solid"/>
+                      <a:round/>
+                      <a:headEnd type="none" w="med" len="med"/>
+                      <a:tailEnd type="none" w="med" len="med"/>
+                    </a:lnR>
+                    <a:lnT w="12700" cap="flat" cmpd="sng" algn="ctr">
+                      <a:solidFill>
+                        <a:schemeClr val="tx1"/>
+                      </a:solidFill>
+                      <a:prstDash val="solid"/>
+                      <a:round/>
+                      <a:headEnd type="none" w="med" len="med"/>
+                      <a:tailEnd type="none" w="med" len="med"/>
+                    </a:lnT>
+                    <a:lnB w="12700" cap="flat" cmpd="sng" algn="ctr">
+                      <a:solidFill>
+                        <a:schemeClr val="tx1"/>
+                      </a:solidFill>
+                      <a:prstDash val="solid"/>
+                      <a:round/>
+                      <a:headEnd type="none" w="med" len="med"/>
+                      <a:tailEnd type="none" w="med" len="med"/>
+                    </a:lnB>
+                    <a:solidFill>
+                      <a:srgbClr val="ED7D31"/>
+                    </a:solidFill>
+                  </a:tcPr>
+                </a:tc>
+                <a:tc>
+                  <a:txBody>
+                    <a:bodyPr/>
+                    <a:lstStyle/>
+                    <a:p>
+                      <a:pPr algn="ctr" fontAlgn="b"/>
+                      <a:r>
+                        <a:rPr lang="en-US" sz="1400" b="0" u="none" strike="noStrike" dirty="0">
+                          <a:solidFill>
+                            <a:srgbClr val="000000"/>
+                          </a:solidFill>
+                          <a:effectLst/>
+                        </a:rPr>
+                        <a:t>4228</a:t>
+                      </a:r>
+                      <a:endParaRPr lang="en-US" sz="1400" b="0" i="0" u="none" strike="noStrike" dirty="0">
+                        <a:solidFill>
+                          <a:srgbClr val="000000"/>
+                        </a:solidFill>
+                        <a:effectLst/>
+                        <a:latin typeface="Calibri" panose="020F0502020204030204" pitchFamily="34" charset="0"/>
+                      </a:endParaRPr>
+                    </a:p>
+                  </a:txBody>
+                  <a:tcPr marL="3175" marR="3175" marT="3175" marB="0" anchor="ctr">
+                    <a:lnL w="12700" cap="flat" cmpd="sng" algn="ctr">
+                      <a:solidFill>
+                        <a:schemeClr val="tx1"/>
+                      </a:solidFill>
+                      <a:prstDash val="solid"/>
+                      <a:round/>
+                      <a:headEnd type="none" w="med" len="med"/>
+                      <a:tailEnd type="none" w="med" len="med"/>
+                    </a:lnL>
+                    <a:lnR w="12700" cap="flat" cmpd="sng" algn="ctr">
+                      <a:solidFill>
+                        <a:schemeClr val="tx1"/>
+                      </a:solidFill>
+                      <a:prstDash val="solid"/>
+                      <a:round/>
+                      <a:headEnd type="none" w="med" len="med"/>
+                      <a:tailEnd type="none" w="med" len="med"/>
+                    </a:lnR>
+                    <a:lnT w="12700" cap="flat" cmpd="sng" algn="ctr">
+                      <a:solidFill>
+                        <a:schemeClr val="tx1"/>
+                      </a:solidFill>
+                      <a:prstDash val="solid"/>
+                      <a:round/>
+                      <a:headEnd type="none" w="med" len="med"/>
+                      <a:tailEnd type="none" w="med" len="med"/>
+                    </a:lnT>
+                    <a:lnB w="12700" cap="flat" cmpd="sng" algn="ctr">
+                      <a:solidFill>
+                        <a:schemeClr val="tx1"/>
+                      </a:solidFill>
+                      <a:prstDash val="solid"/>
+                      <a:round/>
+                      <a:headEnd type="none" w="med" len="med"/>
+                      <a:tailEnd type="none" w="med" len="med"/>
+                    </a:lnB>
+                    <a:solidFill>
+                      <a:schemeClr val="bg2"/>
+                    </a:solidFill>
+                  </a:tcPr>
+                </a:tc>
+                <a:tc>
+                  <a:txBody>
+                    <a:bodyPr/>
+                    <a:lstStyle/>
+                    <a:p>
+                      <a:pPr algn="ctr" fontAlgn="b"/>
+                      <a:r>
+                        <a:rPr lang="en-US" sz="1400" b="0" i="0" u="none" strike="noStrike" dirty="0">
+                          <a:solidFill>
+                            <a:srgbClr val="000000"/>
+                          </a:solidFill>
+                          <a:effectLst/>
+                          <a:latin typeface="Calibri" panose="020F0502020204030204" pitchFamily="34" charset="0"/>
+                        </a:rPr>
+                        <a:t>6.88%</a:t>
+                      </a:r>
+                    </a:p>
+                  </a:txBody>
+                  <a:tcPr marL="3175" marR="3175" marT="3175" marB="0" anchor="ctr">
+                    <a:lnL w="12700" cap="flat" cmpd="sng" algn="ctr">
+                      <a:solidFill>
+                        <a:schemeClr val="tx1"/>
+                      </a:solidFill>
+                      <a:prstDash val="solid"/>
+                      <a:round/>
+                      <a:headEnd type="none" w="med" len="med"/>
+                      <a:tailEnd type="none" w="med" len="med"/>
+                    </a:lnL>
+                    <a:lnR w="12700" cap="flat" cmpd="sng" algn="ctr">
+                      <a:solidFill>
+                        <a:schemeClr val="tx1"/>
+                      </a:solidFill>
+                      <a:prstDash val="solid"/>
+                      <a:round/>
+                      <a:headEnd type="none" w="med" len="med"/>
+                      <a:tailEnd type="none" w="med" len="med"/>
+                    </a:lnR>
+                    <a:lnT w="12700" cap="flat" cmpd="sng" algn="ctr">
+                      <a:solidFill>
+                        <a:schemeClr val="tx1"/>
+                      </a:solidFill>
+                      <a:prstDash val="solid"/>
+                      <a:round/>
+                      <a:headEnd type="none" w="med" len="med"/>
+                      <a:tailEnd type="none" w="med" len="med"/>
+                    </a:lnT>
+                    <a:lnB w="12700" cap="flat" cmpd="sng" algn="ctr">
+                      <a:solidFill>
+                        <a:schemeClr val="tx1"/>
+                      </a:solidFill>
+                      <a:prstDash val="solid"/>
+                      <a:round/>
+                      <a:headEnd type="none" w="med" len="med"/>
+                      <a:tailEnd type="none" w="med" len="med"/>
+                    </a:lnB>
+                    <a:solidFill>
+                      <a:schemeClr val="bg2"/>
+                    </a:solidFill>
+                  </a:tcPr>
+                </a:tc>
+                <a:extLst>
+                  <a:ext uri="{0D108BD9-81ED-4DB2-BD59-A6C34878D82A}">
+                    <a16:rowId xmlns:a16="http://schemas.microsoft.com/office/drawing/2014/main" val="3029872010"/>
+                  </a:ext>
+                </a:extLst>
+              </a:tr>
+              <a:tr h="408120">
+                <a:tc>
+                  <a:txBody>
+                    <a:bodyPr/>
+                    <a:lstStyle/>
+                    <a:p>
+                      <a:pPr algn="l" fontAlgn="b"/>
+                      <a:r>
+                        <a:rPr lang="en-US" sz="1400" b="0" u="none" strike="noStrike" dirty="0">
+                          <a:solidFill>
+                            <a:schemeClr val="bg1"/>
+                          </a:solidFill>
+                          <a:effectLst/>
+                        </a:rPr>
+                        <a:t>Great Britain</a:t>
+                      </a:r>
+                      <a:endParaRPr lang="en-US" sz="1400" b="0" i="0" u="none" strike="noStrike" dirty="0">
+                        <a:solidFill>
+                          <a:schemeClr val="bg1"/>
+                        </a:solidFill>
+                        <a:effectLst/>
+                        <a:latin typeface="Calibri" panose="020F0502020204030204" pitchFamily="34" charset="0"/>
+                      </a:endParaRPr>
+                    </a:p>
+                  </a:txBody>
+                  <a:tcPr marL="3175" marR="3175" marT="3175" marB="0" anchor="ctr">
+                    <a:lnL w="12700" cap="flat" cmpd="sng" algn="ctr">
+                      <a:solidFill>
+                        <a:schemeClr val="tx1"/>
+                      </a:solidFill>
+                      <a:prstDash val="solid"/>
+                      <a:round/>
+                      <a:headEnd type="none" w="med" len="med"/>
+                      <a:tailEnd type="none" w="med" len="med"/>
+                    </a:lnL>
+                    <a:lnR w="12700" cap="flat" cmpd="sng" algn="ctr">
+                      <a:solidFill>
+                        <a:schemeClr val="tx1"/>
+                      </a:solidFill>
+                      <a:prstDash val="solid"/>
+                      <a:round/>
+                      <a:headEnd type="none" w="med" len="med"/>
+                      <a:tailEnd type="none" w="med" len="med"/>
+                    </a:lnR>
+                    <a:lnT w="12700" cap="flat" cmpd="sng" algn="ctr">
+                      <a:solidFill>
+                        <a:schemeClr val="tx1"/>
+                      </a:solidFill>
+                      <a:prstDash val="solid"/>
+                      <a:round/>
+                      <a:headEnd type="none" w="med" len="med"/>
+                      <a:tailEnd type="none" w="med" len="med"/>
+                    </a:lnT>
+                    <a:lnB w="12700" cap="flat" cmpd="sng" algn="ctr">
+                      <a:solidFill>
+                        <a:schemeClr val="tx1"/>
+                      </a:solidFill>
+                      <a:prstDash val="solid"/>
+                      <a:round/>
+                      <a:headEnd type="none" w="med" len="med"/>
+                      <a:tailEnd type="none" w="med" len="med"/>
+                    </a:lnB>
+                    <a:solidFill>
+                      <a:srgbClr val="A5A5A5"/>
+                    </a:solidFill>
+                  </a:tcPr>
+                </a:tc>
+                <a:tc>
+                  <a:txBody>
+                    <a:bodyPr/>
+                    <a:lstStyle/>
+                    <a:p>
+                      <a:pPr algn="ctr" fontAlgn="b"/>
+                      <a:r>
+                        <a:rPr lang="en-US" sz="1400" b="0" u="none" strike="noStrike" dirty="0">
+                          <a:solidFill>
+                            <a:srgbClr val="000000"/>
+                          </a:solidFill>
+                          <a:effectLst/>
+                        </a:rPr>
+                        <a:t>4222</a:t>
+                      </a:r>
+                      <a:endParaRPr lang="en-US" sz="1400" b="0" i="0" u="none" strike="noStrike" dirty="0">
+                        <a:solidFill>
+                          <a:srgbClr val="000000"/>
+                        </a:solidFill>
+                        <a:effectLst/>
+                        <a:latin typeface="Calibri" panose="020F0502020204030204" pitchFamily="34" charset="0"/>
+                      </a:endParaRPr>
+                    </a:p>
+                  </a:txBody>
+                  <a:tcPr marL="3175" marR="3175" marT="3175" marB="0" anchor="ctr">
+                    <a:lnL w="12700" cap="flat" cmpd="sng" algn="ctr">
+                      <a:solidFill>
+                        <a:schemeClr val="tx1"/>
+                      </a:solidFill>
+                      <a:prstDash val="solid"/>
+                      <a:round/>
+                      <a:headEnd type="none" w="med" len="med"/>
+                      <a:tailEnd type="none" w="med" len="med"/>
+                    </a:lnL>
+                    <a:lnR w="12700" cap="flat" cmpd="sng" algn="ctr">
+                      <a:solidFill>
+                        <a:schemeClr val="tx1"/>
+                      </a:solidFill>
+                      <a:prstDash val="solid"/>
+                      <a:round/>
+                      <a:headEnd type="none" w="med" len="med"/>
+                      <a:tailEnd type="none" w="med" len="med"/>
+                    </a:lnR>
+                    <a:lnT w="12700" cap="flat" cmpd="sng" algn="ctr">
+                      <a:solidFill>
+                        <a:schemeClr val="tx1"/>
+                      </a:solidFill>
+                      <a:prstDash val="solid"/>
+                      <a:round/>
+                      <a:headEnd type="none" w="med" len="med"/>
+                      <a:tailEnd type="none" w="med" len="med"/>
+                    </a:lnT>
+                    <a:lnB w="12700" cap="flat" cmpd="sng" algn="ctr">
+                      <a:solidFill>
+                        <a:schemeClr val="tx1"/>
+                      </a:solidFill>
+                      <a:prstDash val="solid"/>
+                      <a:round/>
+                      <a:headEnd type="none" w="med" len="med"/>
+                      <a:tailEnd type="none" w="med" len="med"/>
+                    </a:lnB>
+                    <a:solidFill>
+                      <a:schemeClr val="bg2"/>
+                    </a:solidFill>
+                  </a:tcPr>
+                </a:tc>
+                <a:tc>
+                  <a:txBody>
+                    <a:bodyPr/>
+                    <a:lstStyle/>
+                    <a:p>
+                      <a:pPr algn="ctr" fontAlgn="b"/>
+                      <a:r>
+                        <a:rPr lang="en-US" sz="1400" b="0" i="0" u="none" strike="noStrike" dirty="0">
+                          <a:solidFill>
+                            <a:srgbClr val="000000"/>
+                          </a:solidFill>
+                          <a:effectLst/>
+                          <a:latin typeface="Calibri" panose="020F0502020204030204" pitchFamily="34" charset="0"/>
+                        </a:rPr>
+                        <a:t>6.87%</a:t>
+                      </a:r>
+                    </a:p>
+                  </a:txBody>
+                  <a:tcPr marL="3175" marR="3175" marT="3175" marB="0" anchor="ctr">
+                    <a:lnL w="12700" cap="flat" cmpd="sng" algn="ctr">
+                      <a:solidFill>
+                        <a:schemeClr val="tx1"/>
+                      </a:solidFill>
+                      <a:prstDash val="solid"/>
+                      <a:round/>
+                      <a:headEnd type="none" w="med" len="med"/>
+                      <a:tailEnd type="none" w="med" len="med"/>
+                    </a:lnL>
+                    <a:lnR w="12700" cap="flat" cmpd="sng" algn="ctr">
+                      <a:solidFill>
+                        <a:schemeClr val="tx1"/>
+                      </a:solidFill>
+                      <a:prstDash val="solid"/>
+                      <a:round/>
+                      <a:headEnd type="none" w="med" len="med"/>
+                      <a:tailEnd type="none" w="med" len="med"/>
+                    </a:lnR>
+                    <a:lnT w="12700" cap="flat" cmpd="sng" algn="ctr">
+                      <a:solidFill>
+                        <a:schemeClr val="tx1"/>
+                      </a:solidFill>
+                      <a:prstDash val="solid"/>
+                      <a:round/>
+                      <a:headEnd type="none" w="med" len="med"/>
+                      <a:tailEnd type="none" w="med" len="med"/>
+                    </a:lnT>
+                    <a:lnB w="12700" cap="flat" cmpd="sng" algn="ctr">
+                      <a:solidFill>
+                        <a:schemeClr val="tx1"/>
+                      </a:solidFill>
+                      <a:prstDash val="solid"/>
+                      <a:round/>
+                      <a:headEnd type="none" w="med" len="med"/>
+                      <a:tailEnd type="none" w="med" len="med"/>
+                    </a:lnB>
+                    <a:solidFill>
+                      <a:schemeClr val="bg2"/>
+                    </a:solidFill>
+                  </a:tcPr>
+                </a:tc>
+                <a:extLst>
+                  <a:ext uri="{0D108BD9-81ED-4DB2-BD59-A6C34878D82A}">
+                    <a16:rowId xmlns:a16="http://schemas.microsoft.com/office/drawing/2014/main" val="1341809566"/>
+                  </a:ext>
+                </a:extLst>
+              </a:tr>
+              <a:tr h="408120">
+                <a:tc>
+                  <a:txBody>
+                    <a:bodyPr/>
+                    <a:lstStyle/>
+                    <a:p>
+                      <a:pPr algn="l" fontAlgn="b"/>
+                      <a:r>
+                        <a:rPr lang="en-US" sz="1400" b="0" u="none" strike="noStrike" dirty="0">
+                          <a:solidFill>
+                            <a:schemeClr val="bg1"/>
+                          </a:solidFill>
+                          <a:effectLst/>
+                        </a:rPr>
+                        <a:t>Korea</a:t>
+                      </a:r>
+                      <a:endParaRPr lang="en-US" sz="1400" b="0" i="0" u="none" strike="noStrike" dirty="0">
+                        <a:solidFill>
+                          <a:schemeClr val="bg1"/>
+                        </a:solidFill>
+                        <a:effectLst/>
+                        <a:latin typeface="Calibri" panose="020F0502020204030204" pitchFamily="34" charset="0"/>
+                      </a:endParaRPr>
+                    </a:p>
+                  </a:txBody>
+                  <a:tcPr marL="3175" marR="3175" marT="3175" marB="0" anchor="ctr">
+                    <a:lnL w="12700" cap="flat" cmpd="sng" algn="ctr">
+                      <a:solidFill>
+                        <a:schemeClr val="tx1"/>
+                      </a:solidFill>
+                      <a:prstDash val="solid"/>
+                      <a:round/>
+                      <a:headEnd type="none" w="med" len="med"/>
+                      <a:tailEnd type="none" w="med" len="med"/>
+                    </a:lnL>
+                    <a:lnR w="12700" cap="flat" cmpd="sng" algn="ctr">
+                      <a:solidFill>
+                        <a:schemeClr val="tx1"/>
+                      </a:solidFill>
+                      <a:prstDash val="solid"/>
+                      <a:round/>
+                      <a:headEnd type="none" w="med" len="med"/>
+                      <a:tailEnd type="none" w="med" len="med"/>
+                    </a:lnR>
+                    <a:lnT w="12700" cap="flat" cmpd="sng" algn="ctr">
+                      <a:solidFill>
+                        <a:schemeClr val="tx1"/>
+                      </a:solidFill>
+                      <a:prstDash val="solid"/>
+                      <a:round/>
+                      <a:headEnd type="none" w="med" len="med"/>
+                      <a:tailEnd type="none" w="med" len="med"/>
+                    </a:lnT>
+                    <a:lnB w="12700" cap="flat" cmpd="sng" algn="ctr">
+                      <a:solidFill>
+                        <a:schemeClr val="tx1"/>
+                      </a:solidFill>
+                      <a:prstDash val="solid"/>
+                      <a:round/>
+                      <a:headEnd type="none" w="med" len="med"/>
+                      <a:tailEnd type="none" w="med" len="med"/>
+                    </a:lnB>
+                    <a:solidFill>
+                      <a:srgbClr val="FFC000"/>
+                    </a:solidFill>
+                  </a:tcPr>
+                </a:tc>
+                <a:tc>
+                  <a:txBody>
+                    <a:bodyPr/>
+                    <a:lstStyle/>
+                    <a:p>
+                      <a:pPr algn="ctr" fontAlgn="b"/>
+                      <a:r>
+                        <a:rPr lang="en-US" sz="1400" b="0" u="none" strike="noStrike" dirty="0">
+                          <a:solidFill>
+                            <a:srgbClr val="000000"/>
+                          </a:solidFill>
+                          <a:effectLst/>
+                        </a:rPr>
+                        <a:t>4213</a:t>
+                      </a:r>
+                      <a:endParaRPr lang="en-US" sz="1400" b="0" i="0" u="none" strike="noStrike" dirty="0">
+                        <a:solidFill>
+                          <a:srgbClr val="000000"/>
+                        </a:solidFill>
+                        <a:effectLst/>
+                        <a:latin typeface="Calibri" panose="020F0502020204030204" pitchFamily="34" charset="0"/>
+                      </a:endParaRPr>
+                    </a:p>
+                  </a:txBody>
+                  <a:tcPr marL="3175" marR="3175" marT="3175" marB="0" anchor="ctr">
+                    <a:lnL w="12700" cap="flat" cmpd="sng" algn="ctr">
+                      <a:solidFill>
+                        <a:schemeClr val="tx1"/>
+                      </a:solidFill>
+                      <a:prstDash val="solid"/>
+                      <a:round/>
+                      <a:headEnd type="none" w="med" len="med"/>
+                      <a:tailEnd type="none" w="med" len="med"/>
+                    </a:lnL>
+                    <a:lnR w="12700" cap="flat" cmpd="sng" algn="ctr">
+                      <a:solidFill>
+                        <a:schemeClr val="tx1"/>
+                      </a:solidFill>
+                      <a:prstDash val="solid"/>
+                      <a:round/>
+                      <a:headEnd type="none" w="med" len="med"/>
+                      <a:tailEnd type="none" w="med" len="med"/>
+                    </a:lnR>
+                    <a:lnT w="12700" cap="flat" cmpd="sng" algn="ctr">
+                      <a:solidFill>
+                        <a:schemeClr val="tx1"/>
+                      </a:solidFill>
+                      <a:prstDash val="solid"/>
+                      <a:round/>
+                      <a:headEnd type="none" w="med" len="med"/>
+                      <a:tailEnd type="none" w="med" len="med"/>
+                    </a:lnT>
+                    <a:lnB w="12700" cap="flat" cmpd="sng" algn="ctr">
+                      <a:solidFill>
+                        <a:schemeClr val="tx1"/>
+                      </a:solidFill>
+                      <a:prstDash val="solid"/>
+                      <a:round/>
+                      <a:headEnd type="none" w="med" len="med"/>
+                      <a:tailEnd type="none" w="med" len="med"/>
+                    </a:lnB>
+                    <a:solidFill>
+                      <a:schemeClr val="bg2"/>
+                    </a:solidFill>
+                  </a:tcPr>
+                </a:tc>
+                <a:tc>
+                  <a:txBody>
+                    <a:bodyPr/>
+                    <a:lstStyle/>
+                    <a:p>
+                      <a:pPr algn="ctr" fontAlgn="b"/>
+                      <a:r>
+                        <a:rPr lang="en-US" sz="1400" b="0" i="0" u="none" strike="noStrike" dirty="0">
+                          <a:solidFill>
+                            <a:srgbClr val="000000"/>
+                          </a:solidFill>
+                          <a:effectLst/>
+                          <a:latin typeface="Calibri" panose="020F0502020204030204" pitchFamily="34" charset="0"/>
+                        </a:rPr>
+                        <a:t>6.85%</a:t>
+                      </a:r>
+                    </a:p>
+                  </a:txBody>
+                  <a:tcPr marL="3175" marR="3175" marT="3175" marB="0" anchor="ctr">
+                    <a:lnL w="12700" cap="flat" cmpd="sng" algn="ctr">
+                      <a:solidFill>
+                        <a:schemeClr val="tx1"/>
+                      </a:solidFill>
+                      <a:prstDash val="solid"/>
+                      <a:round/>
+                      <a:headEnd type="none" w="med" len="med"/>
+                      <a:tailEnd type="none" w="med" len="med"/>
+                    </a:lnL>
+                    <a:lnR w="12700" cap="flat" cmpd="sng" algn="ctr">
+                      <a:solidFill>
+                        <a:schemeClr val="tx1"/>
+                      </a:solidFill>
+                      <a:prstDash val="solid"/>
+                      <a:round/>
+                      <a:headEnd type="none" w="med" len="med"/>
+                      <a:tailEnd type="none" w="med" len="med"/>
+                    </a:lnR>
+                    <a:lnT w="12700" cap="flat" cmpd="sng" algn="ctr">
+                      <a:solidFill>
+                        <a:schemeClr val="tx1"/>
+                      </a:solidFill>
+                      <a:prstDash val="solid"/>
+                      <a:round/>
+                      <a:headEnd type="none" w="med" len="med"/>
+                      <a:tailEnd type="none" w="med" len="med"/>
+                    </a:lnT>
+                    <a:lnB w="12700" cap="flat" cmpd="sng" algn="ctr">
+                      <a:solidFill>
+                        <a:schemeClr val="tx1"/>
+                      </a:solidFill>
+                      <a:prstDash val="solid"/>
+                      <a:round/>
+                      <a:headEnd type="none" w="med" len="med"/>
+                      <a:tailEnd type="none" w="med" len="med"/>
+                    </a:lnB>
+                    <a:solidFill>
+                      <a:schemeClr val="bg2"/>
+                    </a:solidFill>
+                  </a:tcPr>
+                </a:tc>
+                <a:extLst>
+                  <a:ext uri="{0D108BD9-81ED-4DB2-BD59-A6C34878D82A}">
+                    <a16:rowId xmlns:a16="http://schemas.microsoft.com/office/drawing/2014/main" val="444440592"/>
+                  </a:ext>
+                </a:extLst>
+              </a:tr>
+              <a:tr h="408120">
+                <a:tc>
+                  <a:txBody>
+                    <a:bodyPr/>
+                    <a:lstStyle/>
+                    <a:p>
+                      <a:pPr algn="l" fontAlgn="b"/>
+                      <a:r>
+                        <a:rPr lang="en-US" sz="1400" b="0" u="none" strike="noStrike" dirty="0">
+                          <a:solidFill>
+                            <a:schemeClr val="bg1"/>
+                          </a:solidFill>
+                          <a:effectLst/>
+                        </a:rPr>
+                        <a:t>United States</a:t>
+                      </a:r>
+                      <a:endParaRPr lang="en-US" sz="1400" b="0" i="0" u="none" strike="noStrike" dirty="0">
+                        <a:solidFill>
+                          <a:schemeClr val="bg1"/>
+                        </a:solidFill>
+                        <a:effectLst/>
+                        <a:latin typeface="Calibri" panose="020F0502020204030204" pitchFamily="34" charset="0"/>
+                      </a:endParaRPr>
+                    </a:p>
+                  </a:txBody>
+                  <a:tcPr marL="3175" marR="3175" marT="3175" marB="0" anchor="ctr">
+                    <a:lnL w="12700" cap="flat" cmpd="sng" algn="ctr">
+                      <a:solidFill>
+                        <a:schemeClr val="tx1"/>
+                      </a:solidFill>
+                      <a:prstDash val="solid"/>
+                      <a:round/>
+                      <a:headEnd type="none" w="med" len="med"/>
+                      <a:tailEnd type="none" w="med" len="med"/>
+                    </a:lnL>
+                    <a:lnR w="12700" cap="flat" cmpd="sng" algn="ctr">
+                      <a:solidFill>
+                        <a:schemeClr val="tx1"/>
+                      </a:solidFill>
+                      <a:prstDash val="solid"/>
+                      <a:round/>
+                      <a:headEnd type="none" w="med" len="med"/>
+                      <a:tailEnd type="none" w="med" len="med"/>
+                    </a:lnR>
+                    <a:lnT w="12700" cap="flat" cmpd="sng" algn="ctr">
+                      <a:solidFill>
+                        <a:schemeClr val="tx1"/>
+                      </a:solidFill>
+                      <a:prstDash val="solid"/>
+                      <a:round/>
+                      <a:headEnd type="none" w="med" len="med"/>
+                      <a:tailEnd type="none" w="med" len="med"/>
+                    </a:lnT>
+                    <a:lnB w="12700" cap="flat" cmpd="sng" algn="ctr">
+                      <a:solidFill>
+                        <a:schemeClr val="tx1"/>
+                      </a:solidFill>
+                      <a:prstDash val="solid"/>
+                      <a:round/>
+                      <a:headEnd type="none" w="med" len="med"/>
+                      <a:tailEnd type="none" w="med" len="med"/>
+                    </a:lnB>
+                    <a:solidFill>
+                      <a:srgbClr val="5B9BD5"/>
+                    </a:solidFill>
+                  </a:tcPr>
+                </a:tc>
+                <a:tc>
+                  <a:txBody>
+                    <a:bodyPr/>
+                    <a:lstStyle/>
+                    <a:p>
+                      <a:pPr algn="ctr" fontAlgn="b"/>
+                      <a:r>
+                        <a:rPr lang="en-US" sz="1400" b="0" u="none" strike="noStrike" dirty="0">
+                          <a:solidFill>
+                            <a:srgbClr val="000000"/>
+                          </a:solidFill>
+                          <a:effectLst/>
+                        </a:rPr>
+                        <a:t>4192</a:t>
+                      </a:r>
+                      <a:endParaRPr lang="en-US" sz="1400" b="0" i="0" u="none" strike="noStrike" dirty="0">
+                        <a:solidFill>
+                          <a:srgbClr val="000000"/>
+                        </a:solidFill>
+                        <a:effectLst/>
+                        <a:latin typeface="Calibri" panose="020F0502020204030204" pitchFamily="34" charset="0"/>
+                      </a:endParaRPr>
+                    </a:p>
+                  </a:txBody>
+                  <a:tcPr marL="3175" marR="3175" marT="3175" marB="0" anchor="ctr">
+                    <a:lnL w="12700" cap="flat" cmpd="sng" algn="ctr">
+                      <a:solidFill>
+                        <a:schemeClr val="tx1"/>
+                      </a:solidFill>
+                      <a:prstDash val="solid"/>
+                      <a:round/>
+                      <a:headEnd type="none" w="med" len="med"/>
+                      <a:tailEnd type="none" w="med" len="med"/>
+                    </a:lnL>
+                    <a:lnR w="12700" cap="flat" cmpd="sng" algn="ctr">
+                      <a:solidFill>
+                        <a:schemeClr val="tx1"/>
+                      </a:solidFill>
+                      <a:prstDash val="solid"/>
+                      <a:round/>
+                      <a:headEnd type="none" w="med" len="med"/>
+                      <a:tailEnd type="none" w="med" len="med"/>
+                    </a:lnR>
+                    <a:lnT w="12700" cap="flat" cmpd="sng" algn="ctr">
+                      <a:solidFill>
+                        <a:schemeClr val="tx1"/>
+                      </a:solidFill>
+                      <a:prstDash val="solid"/>
+                      <a:round/>
+                      <a:headEnd type="none" w="med" len="med"/>
+                      <a:tailEnd type="none" w="med" len="med"/>
+                    </a:lnT>
+                    <a:lnB w="12700" cap="flat" cmpd="sng" algn="ctr">
+                      <a:solidFill>
+                        <a:schemeClr val="tx1"/>
+                      </a:solidFill>
+                      <a:prstDash val="solid"/>
+                      <a:round/>
+                      <a:headEnd type="none" w="med" len="med"/>
+                      <a:tailEnd type="none" w="med" len="med"/>
+                    </a:lnB>
+                    <a:solidFill>
+                      <a:schemeClr val="bg2"/>
+                    </a:solidFill>
+                  </a:tcPr>
+                </a:tc>
+                <a:tc>
+                  <a:txBody>
+                    <a:bodyPr/>
+                    <a:lstStyle/>
+                    <a:p>
+                      <a:pPr algn="ctr" fontAlgn="b"/>
+                      <a:r>
+                        <a:rPr lang="en-US" sz="1400" b="0" i="0" u="none" strike="noStrike" dirty="0">
+                          <a:solidFill>
+                            <a:srgbClr val="000000"/>
+                          </a:solidFill>
+                          <a:effectLst/>
+                          <a:latin typeface="Calibri" panose="020F0502020204030204" pitchFamily="34" charset="0"/>
+                        </a:rPr>
+                        <a:t>6.82%</a:t>
+                      </a:r>
+                    </a:p>
+                  </a:txBody>
+                  <a:tcPr marL="3175" marR="3175" marT="3175" marB="0" anchor="ctr">
+                    <a:lnL w="12700" cap="flat" cmpd="sng" algn="ctr">
+                      <a:solidFill>
+                        <a:schemeClr val="tx1"/>
+                      </a:solidFill>
+                      <a:prstDash val="solid"/>
+                      <a:round/>
+                      <a:headEnd type="none" w="med" len="med"/>
+                      <a:tailEnd type="none" w="med" len="med"/>
+                    </a:lnL>
+                    <a:lnR w="12700" cap="flat" cmpd="sng" algn="ctr">
+                      <a:solidFill>
+                        <a:schemeClr val="tx1"/>
+                      </a:solidFill>
+                      <a:prstDash val="solid"/>
+                      <a:round/>
+                      <a:headEnd type="none" w="med" len="med"/>
+                      <a:tailEnd type="none" w="med" len="med"/>
+                    </a:lnR>
+                    <a:lnT w="12700" cap="flat" cmpd="sng" algn="ctr">
+                      <a:solidFill>
+                        <a:schemeClr val="tx1"/>
+                      </a:solidFill>
+                      <a:prstDash val="solid"/>
+                      <a:round/>
+                      <a:headEnd type="none" w="med" len="med"/>
+                      <a:tailEnd type="none" w="med" len="med"/>
+                    </a:lnT>
+                    <a:lnB w="12700" cap="flat" cmpd="sng" algn="ctr">
+                      <a:solidFill>
+                        <a:schemeClr val="tx1"/>
+                      </a:solidFill>
+                      <a:prstDash val="solid"/>
+                      <a:round/>
+                      <a:headEnd type="none" w="med" len="med"/>
+                      <a:tailEnd type="none" w="med" len="med"/>
+                    </a:lnB>
+                    <a:solidFill>
+                      <a:schemeClr val="bg2"/>
+                    </a:solidFill>
+                  </a:tcPr>
+                </a:tc>
+                <a:extLst>
+                  <a:ext uri="{0D108BD9-81ED-4DB2-BD59-A6C34878D82A}">
+                    <a16:rowId xmlns:a16="http://schemas.microsoft.com/office/drawing/2014/main" val="664522800"/>
+                  </a:ext>
+                </a:extLst>
+              </a:tr>
+            </a:tbl>
+          </a:graphicData>
+        </a:graphic>
+      </p:graphicFrame>
+    </p:spTree>
+    <p:extLst>
+      <p:ext uri="{BB962C8B-B14F-4D97-AF65-F5344CB8AC3E}">
+        <p14:creationId xmlns:p14="http://schemas.microsoft.com/office/powerpoint/2010/main" val="816787472"/>
+      </p:ext>
+    </p:extLst>
+  </p:cSld>
+  <p:clrMapOvr>
+    <a:masterClrMapping/>
+  </p:clrMapOvr>
+</p:sld>
+</file>
+
+<file path=ppt/slides/slide21.xml><?xml version="1.0" encoding="utf-8"?>
+<p:sld xmlns:a="http://schemas.openxmlformats.org/drawingml/2006/main" xmlns:r="http://schemas.openxmlformats.org/officeDocument/2006/relationships" xmlns:p="http://schemas.openxmlformats.org/presentationml/2006/main">
+  <p:cSld>
+    <p:spTree>
+      <p:nvGrpSpPr>
+        <p:cNvPr id="1" name=""/>
+        <p:cNvGrpSpPr/>
+        <p:nvPr/>
+      </p:nvGrpSpPr>
+      <p:grpSpPr>
+        <a:xfrm>
+          <a:off x="0" y="0"/>
+          <a:ext cx="0" cy="0"/>
+          <a:chOff x="0" y="0"/>
+          <a:chExt cx="0" cy="0"/>
+        </a:xfrm>
+      </p:grpSpPr>
+      <p:sp>
+        <p:nvSpPr>
+          <p:cNvPr id="3" name="Rectangle 2">
+            <a:extLst>
+              <a:ext uri="{FF2B5EF4-FFF2-40B4-BE49-F238E27FC236}">
+                <a16:creationId xmlns:a16="http://schemas.microsoft.com/office/drawing/2014/main" id="{0C9A7B60-0CB4-5DEB-ED0A-5F6F9B68C056}"/>
+              </a:ext>
+            </a:extLst>
+          </p:cNvPr>
+          <p:cNvSpPr/>
+          <p:nvPr/>
+        </p:nvSpPr>
+        <p:spPr>
+          <a:xfrm>
+            <a:off x="1243584" y="1905000"/>
+            <a:ext cx="4720438" cy="4271963"/>
+          </a:xfrm>
+          <a:prstGeom prst="rect">
+            <a:avLst/>
+          </a:prstGeom>
+          <a:solidFill>
+            <a:schemeClr val="accent1">
+              <a:lumMod val="40000"/>
+              <a:lumOff val="60000"/>
+            </a:schemeClr>
+          </a:solidFill>
+        </p:spPr>
+        <p:style>
+          <a:lnRef idx="2">
+            <a:schemeClr val="accent1">
+              <a:shade val="50000"/>
+            </a:schemeClr>
+          </a:lnRef>
+          <a:fillRef idx="1">
+            <a:schemeClr val="accent1"/>
+          </a:fillRef>
+          <a:effectRef idx="0">
+            <a:schemeClr val="accent1"/>
+          </a:effectRef>
+          <a:fontRef idx="minor">
+            <a:schemeClr val="lt1"/>
+          </a:fontRef>
+        </p:style>
+        <p:txBody>
+          <a:bodyPr rtlCol="0" anchor="ctr"/>
+          <a:lstStyle/>
+          <a:p>
+            <a:pPr algn="ctr"/>
+            <a:endParaRPr lang="en-US"/>
           </a:p>
         </p:txBody>
       </p:sp>
       <p:sp>
         <p:nvSpPr>
-          <p:cNvPr id="3" name="Content Placeholder 2">
+          <p:cNvPr id="2" name="Title 1">
             <a:extLst>
               <a:ext uri="{FF2B5EF4-FFF2-40B4-BE49-F238E27FC236}">
-                <a16:creationId xmlns:a16="http://schemas.microsoft.com/office/drawing/2014/main" id="{8546E333-F220-61A8-6857-ECD05F67EFD6}"/>
+                <a16:creationId xmlns:a16="http://schemas.microsoft.com/office/drawing/2014/main" id="{9C7E4668-870D-4427-B97B-706B3132BE8C}"/>
               </a:ext>
             </a:extLst>
           </p:cNvPr>
@@ -41521,7 +42509,301 @@
             <a:spLocks noGrp="1"/>
           </p:cNvSpPr>
           <p:nvPr>
+            <p:ph type="title"/>
+          </p:nvPr>
+        </p:nvSpPr>
+        <p:spPr>
+          <a:xfrm>
+            <a:off x="2592925" y="624110"/>
+            <a:ext cx="7429964" cy="1280890"/>
+          </a:xfrm>
+        </p:spPr>
+        <p:txBody>
+          <a:bodyPr/>
+          <a:lstStyle/>
+          <a:p>
+            <a:pPr algn="ctr"/>
+            <a:r>
+              <a:rPr lang="en-US" dirty="0" smtClean="0"/>
+              <a:t>Total Sales Traffic </a:t>
+            </a:r>
+            <a:r>
+              <a:rPr lang="en-US" dirty="0"/>
+              <a:t>by </a:t>
+            </a:r>
+            <a:r>
+              <a:rPr lang="en-US" dirty="0" smtClean="0"/>
+              <a:t>Country</a:t>
+            </a:r>
+            <a:endParaRPr lang="en-US" dirty="0"/>
+          </a:p>
+        </p:txBody>
+      </p:sp>
+      <p:graphicFrame>
+        <p:nvGraphicFramePr>
+          <p:cNvPr id="10" name="Content Placeholder 5">
+            <a:extLst>
+              <a:ext uri="{FF2B5EF4-FFF2-40B4-BE49-F238E27FC236}">
+                <a16:creationId xmlns:a16="http://schemas.microsoft.com/office/drawing/2014/main" id="{949C4305-9A19-7686-3B46-D6BCAEBDF4C2}"/>
+              </a:ext>
+            </a:extLst>
+          </p:cNvPr>
+          <p:cNvGraphicFramePr>
+            <a:graphicFrameLocks noGrp="1"/>
+          </p:cNvGraphicFramePr>
+          <p:nvPr>
+            <p:ph sz="half" idx="1"/>
+            <p:extLst>
+              <p:ext uri="{D42A27DB-BD31-4B8C-83A1-F6EECF244321}">
+                <p14:modId xmlns:p14="http://schemas.microsoft.com/office/powerpoint/2010/main" val="2180448957"/>
+              </p:ext>
+            </p:extLst>
+          </p:nvPr>
+        </p:nvGraphicFramePr>
+        <p:xfrm>
+          <a:off x="1243584" y="1905000"/>
+          <a:ext cx="4720437" cy="4271963"/>
+        </p:xfrm>
+        <a:graphic>
+          <a:graphicData uri="http://schemas.openxmlformats.org/drawingml/2006/chart">
+            <c:chart xmlns:c="http://schemas.openxmlformats.org/drawingml/2006/chart" xmlns:r="http://schemas.openxmlformats.org/officeDocument/2006/relationships" r:id="rId2"/>
+          </a:graphicData>
+        </a:graphic>
+      </p:graphicFrame>
+      <p:pic>
+        <p:nvPicPr>
+          <p:cNvPr id="7" name="Picture 6">
+            <a:extLst>
+              <a:ext uri="{FF2B5EF4-FFF2-40B4-BE49-F238E27FC236}">
+                <a16:creationId xmlns:a16="http://schemas.microsoft.com/office/drawing/2014/main" id="{47222BED-8EEB-36F6-84ED-06FFC7001FFF}"/>
+              </a:ext>
+            </a:extLst>
+          </p:cNvPr>
+          <p:cNvPicPr>
+            <a:picLocks noChangeAspect="1"/>
+          </p:cNvPicPr>
+          <p:nvPr/>
+        </p:nvPicPr>
+        <p:blipFill>
+          <a:blip r:embed="rId3"/>
+          <a:stretch>
+            <a:fillRect/>
+          </a:stretch>
+        </p:blipFill>
+        <p:spPr>
+          <a:xfrm>
+            <a:off x="6714744" y="1905000"/>
+            <a:ext cx="4039145" cy="4351338"/>
+          </a:xfrm>
+          <a:prstGeom prst="rect">
+            <a:avLst/>
+          </a:prstGeom>
+        </p:spPr>
+      </p:pic>
+    </p:spTree>
+    <p:extLst>
+      <p:ext uri="{BB962C8B-B14F-4D97-AF65-F5344CB8AC3E}">
+        <p14:creationId xmlns:p14="http://schemas.microsoft.com/office/powerpoint/2010/main" val="3348108809"/>
+      </p:ext>
+    </p:extLst>
+  </p:cSld>
+  <p:clrMapOvr>
+    <a:masterClrMapping/>
+  </p:clrMapOvr>
+</p:sld>
+</file>
+
+<file path=ppt/slides/slide22.xml><?xml version="1.0" encoding="utf-8"?>
+<p:sld xmlns:a="http://schemas.openxmlformats.org/drawingml/2006/main" xmlns:r="http://schemas.openxmlformats.org/officeDocument/2006/relationships" xmlns:p="http://schemas.openxmlformats.org/presentationml/2006/main">
+  <p:cSld>
+    <p:spTree>
+      <p:nvGrpSpPr>
+        <p:cNvPr id="1" name=""/>
+        <p:cNvGrpSpPr/>
+        <p:nvPr/>
+      </p:nvGrpSpPr>
+      <p:grpSpPr>
+        <a:xfrm>
+          <a:off x="0" y="0"/>
+          <a:ext cx="0" cy="0"/>
+          <a:chOff x="0" y="0"/>
+          <a:chExt cx="0" cy="0"/>
+        </a:xfrm>
+      </p:grpSpPr>
+      <p:graphicFrame>
+        <p:nvGraphicFramePr>
+          <p:cNvPr id="3" name="Chart 2">
+            <a:extLst>
+              <a:ext uri="{FF2B5EF4-FFF2-40B4-BE49-F238E27FC236}">
+                <a16:creationId xmlns:a16="http://schemas.microsoft.com/office/drawing/2014/main" id="{66FECADA-6331-744E-ED86-E088F404AFB1}"/>
+              </a:ext>
+            </a:extLst>
+          </p:cNvPr>
+          <p:cNvGraphicFramePr>
+            <a:graphicFrameLocks/>
+          </p:cNvGraphicFramePr>
+          <p:nvPr>
+            <p:extLst>
+              <p:ext uri="{D42A27DB-BD31-4B8C-83A1-F6EECF244321}">
+                <p14:modId xmlns:p14="http://schemas.microsoft.com/office/powerpoint/2010/main" val="959388551"/>
+              </p:ext>
+            </p:extLst>
+          </p:nvPr>
+        </p:nvGraphicFramePr>
+        <p:xfrm>
+          <a:off x="2130641" y="150920"/>
+          <a:ext cx="9373969" cy="6605682"/>
+        </p:xfrm>
+        <a:graphic>
+          <a:graphicData uri="http://schemas.openxmlformats.org/drawingml/2006/chart">
+            <c:chart xmlns:c="http://schemas.openxmlformats.org/drawingml/2006/chart" xmlns:r="http://schemas.openxmlformats.org/officeDocument/2006/relationships" r:id="rId2"/>
+          </a:graphicData>
+        </a:graphic>
+      </p:graphicFrame>
+    </p:spTree>
+    <p:extLst>
+      <p:ext uri="{BB962C8B-B14F-4D97-AF65-F5344CB8AC3E}">
+        <p14:creationId xmlns:p14="http://schemas.microsoft.com/office/powerpoint/2010/main" val="56356959"/>
+      </p:ext>
+    </p:extLst>
+  </p:cSld>
+  <p:clrMapOvr>
+    <a:masterClrMapping/>
+  </p:clrMapOvr>
+</p:sld>
+</file>
+
+<file path=ppt/slides/slide23.xml><?xml version="1.0" encoding="utf-8"?>
+<p:sld xmlns:a="http://schemas.openxmlformats.org/drawingml/2006/main" xmlns:r="http://schemas.openxmlformats.org/officeDocument/2006/relationships" xmlns:p="http://schemas.openxmlformats.org/presentationml/2006/main">
+  <p:cSld>
+    <p:spTree>
+      <p:nvGrpSpPr>
+        <p:cNvPr id="1" name=""/>
+        <p:cNvGrpSpPr/>
+        <p:nvPr/>
+      </p:nvGrpSpPr>
+      <p:grpSpPr>
+        <a:xfrm>
+          <a:off x="0" y="0"/>
+          <a:ext cx="0" cy="0"/>
+          <a:chOff x="0" y="0"/>
+          <a:chExt cx="0" cy="0"/>
+        </a:xfrm>
+      </p:grpSpPr>
+      <p:sp>
+        <p:nvSpPr>
+          <p:cNvPr id="3" name="Content Placeholder 2"/>
+          <p:cNvSpPr>
+            <a:spLocks noGrp="1"/>
+          </p:cNvSpPr>
+          <p:nvPr>
             <p:ph idx="1"/>
+          </p:nvPr>
+        </p:nvSpPr>
+        <p:spPr>
+          <a:xfrm>
+            <a:off x="2589212" y="701336"/>
+            <a:ext cx="8915400" cy="5209886"/>
+          </a:xfrm>
+        </p:spPr>
+        <p:txBody>
+          <a:bodyPr/>
+          <a:lstStyle/>
+          <a:p>
+            <a:pPr>
+              <a:spcBef>
+                <a:spcPts val="4200"/>
+              </a:spcBef>
+            </a:pPr>
+            <a:r>
+              <a:rPr lang="en-US" sz="2400" dirty="0" smtClean="0"/>
+              <a:t>16 out of the top 20 cities in terms of sales traffic are located in Korea, despite Korea only having the 4</a:t>
+            </a:r>
+            <a:r>
+              <a:rPr lang="en-US" sz="2400" baseline="30000" dirty="0" smtClean="0"/>
+              <a:t>th</a:t>
+            </a:r>
+            <a:r>
+              <a:rPr lang="en-US" sz="2400" dirty="0" smtClean="0"/>
+              <a:t> most sales traffic of any country.</a:t>
+            </a:r>
+          </a:p>
+          <a:p>
+            <a:pPr>
+              <a:spcBef>
+                <a:spcPts val="4200"/>
+              </a:spcBef>
+            </a:pPr>
+            <a:r>
+              <a:rPr lang="en-US" sz="2400" dirty="0" smtClean="0"/>
+              <a:t>India, despite having the most sales traffic of any country, has no cities in the top 20</a:t>
+            </a:r>
+          </a:p>
+          <a:p>
+            <a:pPr>
+              <a:spcBef>
+                <a:spcPts val="4200"/>
+              </a:spcBef>
+            </a:pPr>
+            <a:r>
+              <a:rPr lang="en-US" sz="2400" dirty="0" smtClean="0"/>
+              <a:t>Ireland had the 2</a:t>
+            </a:r>
+            <a:r>
+              <a:rPr lang="en-US" sz="2400" baseline="30000" dirty="0" smtClean="0"/>
+              <a:t>nd</a:t>
+            </a:r>
+            <a:r>
+              <a:rPr lang="en-US" sz="2400" dirty="0" smtClean="0"/>
+              <a:t> most sales of any country in the world, right below India, despite only having about 5 million residents compared to India’s 1.38 billion</a:t>
+            </a:r>
+          </a:p>
+          <a:p>
+            <a:endParaRPr lang="en-US" dirty="0" smtClean="0"/>
+          </a:p>
+          <a:p>
+            <a:endParaRPr lang="en-US" dirty="0"/>
+          </a:p>
+        </p:txBody>
+      </p:sp>
+    </p:spTree>
+    <p:extLst>
+      <p:ext uri="{BB962C8B-B14F-4D97-AF65-F5344CB8AC3E}">
+        <p14:creationId xmlns:p14="http://schemas.microsoft.com/office/powerpoint/2010/main" val="3939082517"/>
+      </p:ext>
+    </p:extLst>
+  </p:cSld>
+  <p:clrMapOvr>
+    <a:masterClrMapping/>
+  </p:clrMapOvr>
+</p:sld>
+</file>
+
+<file path=ppt/slides/slide24.xml><?xml version="1.0" encoding="utf-8"?>
+<p:sld xmlns:a="http://schemas.openxmlformats.org/drawingml/2006/main" xmlns:r="http://schemas.openxmlformats.org/officeDocument/2006/relationships" xmlns:p="http://schemas.openxmlformats.org/presentationml/2006/main">
+  <p:cSld>
+    <p:spTree>
+      <p:nvGrpSpPr>
+        <p:cNvPr id="1" name=""/>
+        <p:cNvGrpSpPr/>
+        <p:nvPr/>
+      </p:nvGrpSpPr>
+      <p:grpSpPr>
+        <a:xfrm>
+          <a:off x="0" y="0"/>
+          <a:ext cx="0" cy="0"/>
+          <a:chOff x="0" y="0"/>
+          <a:chExt cx="0" cy="0"/>
+        </a:xfrm>
+      </p:grpSpPr>
+      <p:sp>
+        <p:nvSpPr>
+          <p:cNvPr id="2" name="Title 1"/>
+          <p:cNvSpPr>
+            <a:spLocks noGrp="1"/>
+          </p:cNvSpPr>
+          <p:nvPr>
+            <p:ph type="title"/>
           </p:nvPr>
         </p:nvSpPr>
         <p:spPr/>
@@ -41536,7 +42818,301 @@
     </p:spTree>
     <p:extLst>
       <p:ext uri="{BB962C8B-B14F-4D97-AF65-F5344CB8AC3E}">
+        <p14:creationId xmlns:p14="http://schemas.microsoft.com/office/powerpoint/2010/main" val="1037046364"/>
+      </p:ext>
+    </p:extLst>
+  </p:cSld>
+  <p:clrMapOvr>
+    <a:masterClrMapping/>
+  </p:clrMapOvr>
+</p:sld>
+</file>
+
+<file path=ppt/slides/slide25.xml><?xml version="1.0" encoding="utf-8"?>
+<p:sld xmlns:a="http://schemas.openxmlformats.org/drawingml/2006/main" xmlns:r="http://schemas.openxmlformats.org/officeDocument/2006/relationships" xmlns:p="http://schemas.openxmlformats.org/presentationml/2006/main">
+  <p:cSld>
+    <p:spTree>
+      <p:nvGrpSpPr>
+        <p:cNvPr id="1" name=""/>
+        <p:cNvGrpSpPr/>
+        <p:nvPr/>
+      </p:nvGrpSpPr>
+      <p:grpSpPr>
+        <a:xfrm>
+          <a:off x="0" y="0"/>
+          <a:ext cx="0" cy="0"/>
+          <a:chOff x="0" y="0"/>
+          <a:chExt cx="0" cy="0"/>
+        </a:xfrm>
+      </p:grpSpPr>
+      <p:sp>
+        <p:nvSpPr>
+          <p:cNvPr id="2" name="Title 1">
+            <a:extLst>
+              <a:ext uri="{FF2B5EF4-FFF2-40B4-BE49-F238E27FC236}">
+                <a16:creationId xmlns:a16="http://schemas.microsoft.com/office/drawing/2014/main" id="{17F610D9-0EE1-482F-A4C4-4671ACA12FCE}"/>
+              </a:ext>
+            </a:extLst>
+          </p:cNvPr>
+          <p:cNvSpPr>
+            <a:spLocks noGrp="1"/>
+          </p:cNvSpPr>
+          <p:nvPr>
+            <p:ph type="title"/>
+          </p:nvPr>
+        </p:nvSpPr>
+        <p:spPr>
+          <a:xfrm>
+            <a:off x="1586205" y="1071979"/>
+            <a:ext cx="9638490" cy="4087849"/>
+          </a:xfrm>
+        </p:spPr>
+        <p:txBody>
+          <a:bodyPr>
+            <a:normAutofit/>
+          </a:bodyPr>
+          <a:lstStyle/>
+          <a:p>
+            <a:pPr algn="ctr"/>
+            <a:r>
+              <a:rPr lang="en-US" sz="6000" dirty="0"/>
+              <a:t>What times have the highest traffic of </a:t>
+            </a:r>
+            <a:r>
+              <a:rPr lang="en-US" sz="6000" dirty="0" smtClean="0"/>
+              <a:t>sales?</a:t>
+            </a:r>
+            <a:br>
+              <a:rPr lang="en-US" sz="6000" dirty="0" smtClean="0"/>
+            </a:br>
+            <a:r>
+              <a:rPr lang="en-US" sz="6000" dirty="0" smtClean="0"/>
+              <a:t/>
+            </a:r>
+            <a:br>
+              <a:rPr lang="en-US" sz="6000" dirty="0" smtClean="0"/>
+            </a:br>
+            <a:r>
+              <a:rPr lang="en-US" sz="6000" dirty="0" smtClean="0"/>
+              <a:t>Per </a:t>
+            </a:r>
+            <a:r>
+              <a:rPr lang="en-US" sz="6000" dirty="0"/>
+              <a:t>country?</a:t>
+            </a:r>
+          </a:p>
+        </p:txBody>
+      </p:sp>
+    </p:spTree>
+    <p:extLst>
+      <p:ext uri="{BB962C8B-B14F-4D97-AF65-F5344CB8AC3E}">
         <p14:creationId xmlns:p14="http://schemas.microsoft.com/office/powerpoint/2010/main" val="320226785"/>
+      </p:ext>
+    </p:extLst>
+  </p:cSld>
+  <p:clrMapOvr>
+    <a:masterClrMapping/>
+  </p:clrMapOvr>
+</p:sld>
+</file>
+
+<file path=ppt/slides/slide26.xml><?xml version="1.0" encoding="utf-8"?>
+<p:sld xmlns:a="http://schemas.openxmlformats.org/drawingml/2006/main" xmlns:r="http://schemas.openxmlformats.org/officeDocument/2006/relationships" xmlns:p="http://schemas.openxmlformats.org/presentationml/2006/main">
+  <p:cSld>
+    <p:bg>
+      <p:bgPr>
+        <a:solidFill>
+          <a:schemeClr val="bg1"/>
+        </a:solidFill>
+        <a:effectLst/>
+      </p:bgPr>
+    </p:bg>
+    <p:spTree>
+      <p:nvGrpSpPr>
+        <p:cNvPr id="1" name=""/>
+        <p:cNvGrpSpPr/>
+        <p:nvPr/>
+      </p:nvGrpSpPr>
+      <p:grpSpPr>
+        <a:xfrm>
+          <a:off x="0" y="0"/>
+          <a:ext cx="0" cy="0"/>
+          <a:chOff x="0" y="0"/>
+          <a:chExt cx="0" cy="0"/>
+        </a:xfrm>
+      </p:grpSpPr>
+      <p:sp>
+        <p:nvSpPr>
+          <p:cNvPr id="2" name="Title 1"/>
+          <p:cNvSpPr>
+            <a:spLocks noGrp="1"/>
+          </p:cNvSpPr>
+          <p:nvPr>
+            <p:ph type="title"/>
+          </p:nvPr>
+        </p:nvSpPr>
+        <p:spPr>
+          <a:xfrm>
+            <a:off x="2592925" y="624110"/>
+            <a:ext cx="7558782" cy="1280890"/>
+          </a:xfrm>
+        </p:spPr>
+        <p:txBody>
+          <a:bodyPr/>
+          <a:lstStyle/>
+          <a:p>
+            <a:pPr algn="ctr"/>
+            <a:r>
+              <a:rPr lang="en-US" dirty="0" smtClean="0">
+                <a:ln w="0"/>
+                <a:solidFill>
+                  <a:schemeClr val="tx1"/>
+                </a:solidFill>
+                <a:effectLst>
+                  <a:outerShdw blurRad="38100" dist="19050" dir="2700000" algn="tl" rotWithShape="0">
+                    <a:schemeClr val="dk1">
+                      <a:alpha val="40000"/>
+                    </a:schemeClr>
+                  </a:outerShdw>
+                </a:effectLst>
+              </a:rPr>
+              <a:t>Sales By Hour</a:t>
+            </a:r>
+            <a:endParaRPr lang="en-US" dirty="0">
+              <a:ln w="0"/>
+              <a:solidFill>
+                <a:schemeClr val="tx1"/>
+              </a:solidFill>
+              <a:effectLst>
+                <a:outerShdw blurRad="38100" dist="19050" dir="2700000" algn="tl" rotWithShape="0">
+                  <a:schemeClr val="dk1">
+                    <a:alpha val="40000"/>
+                  </a:schemeClr>
+                </a:outerShdw>
+              </a:effectLst>
+            </a:endParaRPr>
+          </a:p>
+        </p:txBody>
+      </p:sp>
+      <p:pic>
+        <p:nvPicPr>
+          <p:cNvPr id="3" name="Picture 2" descr="https://raw.githubusercontent.com/jnesteruck/rev-proj2/Keynon.Branch/SalesTrafficByHour.png"/>
+          <p:cNvPicPr>
+            <a:picLocks noChangeAspect="1" noChangeArrowheads="1"/>
+          </p:cNvPicPr>
+          <p:nvPr/>
+        </p:nvPicPr>
+        <p:blipFill rotWithShape="1">
+          <a:blip r:embed="rId2">
+            <a:extLst>
+              <a:ext uri="{28A0092B-C50C-407E-A947-70E740481C1C}">
+                <a14:useLocalDpi xmlns:a14="http://schemas.microsoft.com/office/drawing/2010/main" val="0"/>
+              </a:ext>
+            </a:extLst>
+          </a:blip>
+          <a:srcRect l="4942" t="11667" r="9343"/>
+          <a:stretch/>
+        </p:blipFill>
+        <p:spPr bwMode="auto">
+          <a:xfrm>
+            <a:off x="3337864" y="1907643"/>
+            <a:ext cx="5946095" cy="4595793"/>
+          </a:xfrm>
+          <a:prstGeom prst="rect">
+            <a:avLst/>
+          </a:prstGeom>
+          <a:noFill/>
+          <a:extLst>
+            <a:ext uri="{909E8E84-426E-40DD-AFC4-6F175D3DCCD1}">
+              <a14:hiddenFill xmlns:a14="http://schemas.microsoft.com/office/drawing/2010/main">
+                <a:solidFill>
+                  <a:srgbClr val="FFFFFF"/>
+                </a:solidFill>
+              </a14:hiddenFill>
+            </a:ext>
+          </a:extLst>
+        </p:spPr>
+      </p:pic>
+    </p:spTree>
+    <p:extLst>
+      <p:ext uri="{BB962C8B-B14F-4D97-AF65-F5344CB8AC3E}">
+        <p14:creationId xmlns:p14="http://schemas.microsoft.com/office/powerpoint/2010/main" val="2957498292"/>
+      </p:ext>
+    </p:extLst>
+  </p:cSld>
+  <p:clrMapOvr>
+    <a:masterClrMapping/>
+  </p:clrMapOvr>
+</p:sld>
+</file>
+
+<file path=ppt/slides/slide27.xml><?xml version="1.0" encoding="utf-8"?>
+<p:sld xmlns:a="http://schemas.openxmlformats.org/drawingml/2006/main" xmlns:r="http://schemas.openxmlformats.org/officeDocument/2006/relationships" xmlns:p="http://schemas.openxmlformats.org/presentationml/2006/main">
+  <p:cSld>
+    <p:spTree>
+      <p:nvGrpSpPr>
+        <p:cNvPr id="1" name=""/>
+        <p:cNvGrpSpPr/>
+        <p:nvPr/>
+      </p:nvGrpSpPr>
+      <p:grpSpPr>
+        <a:xfrm>
+          <a:off x="0" y="0"/>
+          <a:ext cx="0" cy="0"/>
+          <a:chOff x="0" y="0"/>
+          <a:chExt cx="0" cy="0"/>
+        </a:xfrm>
+      </p:grpSpPr>
+      <p:sp>
+        <p:nvSpPr>
+          <p:cNvPr id="2" name="Title 1"/>
+          <p:cNvSpPr>
+            <a:spLocks noGrp="1"/>
+          </p:cNvSpPr>
+          <p:nvPr>
+            <p:ph type="title"/>
+          </p:nvPr>
+        </p:nvSpPr>
+        <p:spPr/>
+        <p:txBody>
+          <a:bodyPr/>
+          <a:lstStyle/>
+          <a:p>
+            <a:r>
+              <a:rPr lang="en-US" dirty="0" smtClean="0"/>
+              <a:t>Overall Trends</a:t>
+            </a:r>
+            <a:endParaRPr lang="en-US" dirty="0"/>
+          </a:p>
+        </p:txBody>
+      </p:sp>
+      <p:sp>
+        <p:nvSpPr>
+          <p:cNvPr id="3" name="Content Placeholder 2"/>
+          <p:cNvSpPr>
+            <a:spLocks noGrp="1"/>
+          </p:cNvSpPr>
+          <p:nvPr>
+            <p:ph idx="1"/>
+          </p:nvPr>
+        </p:nvSpPr>
+        <p:spPr/>
+        <p:txBody>
+          <a:bodyPr/>
+          <a:lstStyle/>
+          <a:p>
+            <a:r>
+              <a:rPr lang="en-US" dirty="0" smtClean="0"/>
+              <a:t>Technology produces by far the most revenue, regardless of metric.</a:t>
+            </a:r>
+            <a:endParaRPr lang="en-US" dirty="0"/>
+          </a:p>
+        </p:txBody>
+      </p:sp>
+    </p:spTree>
+    <p:extLst>
+      <p:ext uri="{BB962C8B-B14F-4D97-AF65-F5344CB8AC3E}">
+        <p14:creationId xmlns:p14="http://schemas.microsoft.com/office/powerpoint/2010/main" val="156647612"/>
       </p:ext>
     </p:extLst>
   </p:cSld>
@@ -43389,13 +44965,13 @@
           <p:nvPr>
             <p:extLst>
               <p:ext uri="{D42A27DB-BD31-4B8C-83A1-F6EECF244321}">
-                <p14:modId xmlns:p14="http://schemas.microsoft.com/office/powerpoint/2010/main" val="3467212906"/>
+                <p14:modId xmlns:p14="http://schemas.microsoft.com/office/powerpoint/2010/main" val="562079575"/>
               </p:ext>
             </p:extLst>
           </p:nvPr>
         </p:nvGraphicFramePr>
         <p:xfrm>
-          <a:off x="7226423" y="0"/>
+          <a:off x="7617040" y="0"/>
           <a:ext cx="4965577" cy="3195961"/>
         </p:xfrm>
         <a:graphic>
@@ -43422,13 +44998,13 @@
           <p:nvPr>
             <p:extLst>
               <p:ext uri="{D42A27DB-BD31-4B8C-83A1-F6EECF244321}">
-                <p14:modId xmlns:p14="http://schemas.microsoft.com/office/powerpoint/2010/main" val="3785544823"/>
+                <p14:modId xmlns:p14="http://schemas.microsoft.com/office/powerpoint/2010/main" val="2660532037"/>
               </p:ext>
             </p:extLst>
           </p:nvPr>
         </p:nvGraphicFramePr>
         <p:xfrm>
-          <a:off x="7226422" y="4003829"/>
+          <a:off x="7617040" y="4003829"/>
           <a:ext cx="4975103" cy="2854171"/>
         </p:xfrm>
         <a:graphic>
@@ -43446,13 +45022,13 @@
           <p:nvPr>
             <p:extLst>
               <p:ext uri="{D42A27DB-BD31-4B8C-83A1-F6EECF244321}">
-                <p14:modId xmlns:p14="http://schemas.microsoft.com/office/powerpoint/2010/main" val="506895707"/>
+                <p14:modId xmlns:p14="http://schemas.microsoft.com/office/powerpoint/2010/main" val="4223778998"/>
               </p:ext>
             </p:extLst>
           </p:nvPr>
         </p:nvGraphicFramePr>
         <p:xfrm>
-          <a:off x="2061098" y="3453415"/>
+          <a:off x="2451713" y="3453415"/>
           <a:ext cx="5165324" cy="3404585"/>
         </p:xfrm>
         <a:graphic>
@@ -43470,13 +45046,13 @@
           <p:nvPr>
             <p:extLst>
               <p:ext uri="{D42A27DB-BD31-4B8C-83A1-F6EECF244321}">
-                <p14:modId xmlns:p14="http://schemas.microsoft.com/office/powerpoint/2010/main" val="1037136109"/>
+                <p14:modId xmlns:p14="http://schemas.microsoft.com/office/powerpoint/2010/main" val="3268099630"/>
               </p:ext>
             </p:extLst>
           </p:nvPr>
         </p:nvGraphicFramePr>
         <p:xfrm>
-          <a:off x="2061098" y="1"/>
+          <a:off x="2451714" y="0"/>
           <a:ext cx="5165325" cy="3453414"/>
         </p:xfrm>
         <a:graphic>
@@ -43485,68 +45061,6 @@
           </a:graphicData>
         </a:graphic>
       </p:graphicFrame>
-      <p:cxnSp>
-        <p:nvCxnSpPr>
-          <p:cNvPr id="7" name="Straight Connector 6"/>
-          <p:cNvCxnSpPr/>
-          <p:nvPr/>
-        </p:nvCxnSpPr>
-        <p:spPr>
-          <a:xfrm>
-            <a:off x="3053918" y="3391271"/>
-            <a:ext cx="630315" cy="0"/>
-          </a:xfrm>
-          <a:prstGeom prst="line">
-            <a:avLst/>
-          </a:prstGeom>
-          <a:ln w="19050"/>
-        </p:spPr>
-        <p:style>
-          <a:lnRef idx="1">
-            <a:schemeClr val="accent1"/>
-          </a:lnRef>
-          <a:fillRef idx="0">
-            <a:schemeClr val="accent1"/>
-          </a:fillRef>
-          <a:effectRef idx="0">
-            <a:schemeClr val="accent1"/>
-          </a:effectRef>
-          <a:fontRef idx="minor">
-            <a:schemeClr val="tx1"/>
-          </a:fontRef>
-        </p:style>
-      </p:cxnSp>
-      <p:cxnSp>
-        <p:nvCxnSpPr>
-          <p:cNvPr id="8" name="Straight Connector 7"/>
-          <p:cNvCxnSpPr/>
-          <p:nvPr/>
-        </p:nvCxnSpPr>
-        <p:spPr>
-          <a:xfrm>
-            <a:off x="2966621" y="6792898"/>
-            <a:ext cx="630315" cy="0"/>
-          </a:xfrm>
-          <a:prstGeom prst="line">
-            <a:avLst/>
-          </a:prstGeom>
-          <a:ln w="19050"/>
-        </p:spPr>
-        <p:style>
-          <a:lnRef idx="1">
-            <a:schemeClr val="accent1"/>
-          </a:lnRef>
-          <a:fillRef idx="0">
-            <a:schemeClr val="accent1"/>
-          </a:fillRef>
-          <a:effectRef idx="0">
-            <a:schemeClr val="accent1"/>
-          </a:effectRef>
-          <a:fontRef idx="minor">
-            <a:schemeClr val="tx1"/>
-          </a:fontRef>
-        </p:style>
-      </p:cxnSp>
       <p:sp>
         <p:nvSpPr>
           <p:cNvPr id="9" name="Title 1"/>
@@ -43557,7 +45071,7 @@
         </p:nvSpPr>
         <p:spPr>
           <a:xfrm rot="16200000">
-            <a:off x="-2826575" y="2947869"/>
+            <a:off x="-1561158" y="2947872"/>
             <a:ext cx="6858002" cy="962261"/>
           </a:xfrm>
           <a:prstGeom prst="rect">
@@ -43840,77 +45354,6 @@
           </a:graphicData>
         </a:graphic>
       </p:graphicFrame>
-      <p:sp>
-        <p:nvSpPr>
-          <p:cNvPr id="6" name="Title 1"/>
-          <p:cNvSpPr>
-            <a:spLocks noGrp="1"/>
-          </p:cNvSpPr>
-          <p:nvPr>
-            <p:ph type="title"/>
-          </p:nvPr>
-        </p:nvSpPr>
-        <p:spPr>
-          <a:xfrm rot="16200000">
-            <a:off x="-2903602" y="3025809"/>
-            <a:ext cx="6858002" cy="806387"/>
-          </a:xfrm>
-        </p:spPr>
-        <p:txBody>
-          <a:bodyPr>
-            <a:noAutofit/>
-          </a:bodyPr>
-          <a:lstStyle/>
-          <a:p>
-            <a:pPr algn="ctr"/>
-            <a:r>
-              <a:rPr lang="en-US" dirty="0" smtClean="0">
-                <a:ln w="0"/>
-                <a:solidFill>
-                  <a:schemeClr val="tx1"/>
-                </a:solidFill>
-                <a:effectLst>
-                  <a:outerShdw blurRad="38100" dist="19050" dir="2700000" algn="tl" rotWithShape="0">
-                    <a:schemeClr val="dk1">
-                      <a:alpha val="40000"/>
-                    </a:schemeClr>
-                  </a:outerShdw>
-                </a:effectLst>
-              </a:rPr>
-              <a:t>Category Sales </a:t>
-            </a:r>
-            <a:r>
-              <a:rPr lang="en-US" dirty="0" smtClean="0">
-                <a:ln w="0"/>
-                <a:solidFill>
-                  <a:schemeClr val="tx1"/>
-                </a:solidFill>
-                <a:effectLst>
-                  <a:outerShdw blurRad="38100" dist="19050" dir="2700000" algn="tl" rotWithShape="0">
-                    <a:schemeClr val="dk1">
-                      <a:alpha val="40000"/>
-                    </a:schemeClr>
-                  </a:outerShdw>
-                </a:effectLst>
-              </a:rPr>
-              <a:t>By Country</a:t>
-            </a:r>
-            <a:endParaRPr lang="en-US" sz="1400" dirty="0">
-              <a:ln w="0"/>
-              <a:solidFill>
-                <a:schemeClr val="tx1"/>
-              </a:solidFill>
-              <a:effectLst>
-                <a:outerShdw blurRad="38100" dist="19050" dir="2700000" algn="tl" rotWithShape="0">
-                  <a:schemeClr val="dk1">
-                    <a:alpha val="40000"/>
-                  </a:schemeClr>
-                </a:outerShdw>
-              </a:effectLst>
-            </a:endParaRPr>
-          </a:p>
-        </p:txBody>
-      </p:sp>
     </p:spTree>
     <p:extLst>
       <p:ext uri="{BB962C8B-B14F-4D97-AF65-F5344CB8AC3E}">
